--- a/pptxslides.pptx
+++ b/pptxslides.pptx
@@ -32,28 +32,32 @@
     <p:sldId id="277" r:id="rId27"/>
     <p:sldId id="278" r:id="rId28"/>
     <p:sldId id="279" r:id="rId29"/>
+    <p:sldId id="280" r:id="rId30"/>
+    <p:sldId id="281" r:id="rId31"/>
+    <p:sldId id="282" r:id="rId32"/>
+    <p:sldId id="283" r:id="rId33"/>
   </p:sldIdLst>
   <p:sldSz cy="5143500" cx="9144000"/>
   <p:notesSz cx="6858000" cy="9144000"/>
   <p:embeddedFontLst>
     <p:embeddedFont>
       <p:font typeface="Raleway"/>
-      <p:regular r:id="rId30"/>
-      <p:bold r:id="rId31"/>
-      <p:italic r:id="rId32"/>
-      <p:boldItalic r:id="rId33"/>
-    </p:embeddedFont>
-    <p:embeddedFont>
-      <p:font typeface="Lato"/>
       <p:regular r:id="rId34"/>
       <p:bold r:id="rId35"/>
       <p:italic r:id="rId36"/>
       <p:boldItalic r:id="rId37"/>
     </p:embeddedFont>
     <p:embeddedFont>
-      <p:font typeface="Tahoma"/>
+      <p:font typeface="Lato"/>
       <p:regular r:id="rId38"/>
       <p:bold r:id="rId39"/>
+      <p:italic r:id="rId40"/>
+      <p:boldItalic r:id="rId41"/>
+    </p:embeddedFont>
+    <p:embeddedFont>
+      <p:font typeface="Tahoma"/>
+      <p:regular r:id="rId42"/>
+      <p:bold r:id="rId43"/>
     </p:embeddedFont>
   </p:embeddedFontLst>
   <p:defaultTextStyle>
@@ -816,7 +820,7 @@
             </a:pPr>
             <a:r>
               <a:rPr lang="en"/>
-              <a:t>Hello, and welcome to our presentation. Today we are going to discuss using Machine Learning and computer vision to detect breast cancer on a mammogram. This project is a part of the summer 2023 cohort of A.A.I. 501, Introduction to Artificial Intelligence, at the University of San Diego. Group 3 is comprised of Ahmed Ahmed, Mike Moll, and Lisa Vo.</a:t>
+              <a:t>Hello, and welcome to our presentation. Today we are going to discuss using Machine Learning and Computer Vision to predict the presence of breast cancer using both tabular data and mammograms. This project is a part of the summer 2023 cohort of A.A.I. 501, Introduction to Artificial Intelligence, at the University of San Diego. Group 3 is comprised of Ahmed Ahmed, Mike Moll, and Lisa Vo.</a:t>
             </a:r>
             <a:endParaRPr/>
           </a:p>
@@ -849,7 +853,7 @@
       </p:grpSpPr>
       <p:sp>
         <p:nvSpPr>
-          <p:cNvPr id="135" name="Google Shape;135;g267fa7e41f7_0_5:notes"/>
+          <p:cNvPr id="135" name="Google Shape;135;g25f0fc31a45_0_205:notes"/>
           <p:cNvSpPr/>
           <p:nvPr>
             <p:ph idx="2" type="sldImg"/>
@@ -884,7 +888,7 @@
       </p:sp>
       <p:sp>
         <p:nvSpPr>
-          <p:cNvPr id="136" name="Google Shape;136;g267fa7e41f7_0_5:notes"/>
+          <p:cNvPr id="136" name="Google Shape;136;g25f0fc31a45_0_205:notes"/>
           <p:cNvSpPr txBox="1"/>
           <p:nvPr>
             <p:ph idx="1" type="body"/>
@@ -932,7 +936,47 @@
                 <a:cs typeface="Tahoma"/>
                 <a:sym typeface="Tahoma"/>
               </a:rPr>
-              <a:t>In the tabular data, the explanatory variables are breast density, left or right breast, image view, abnormality id, mass shape, mass margins, assessment, and subtlety. The target variable is pathology with the following classification labels: BENIGN, MALIGNANT, BENIGN WITHOUT CALLBACK.</a:t>
+              <a:t>After combining the training and test data, unneeded columns were removed. This is because these features were more closely aligned to metadata than as determinants in breast cancer diagnosis. The values for abnormality type, in particular, were all “mass”, which is a given for the data that was being used, so this column was excluded. As a result, the columns that were excluded from training were patient id, abnormality type, image file path, cropped image file path, and R.O.I. mask file path.</a:t>
+            </a:r>
+            <a:endParaRPr sz="1200">
+              <a:solidFill>
+                <a:schemeClr val="dk1"/>
+              </a:solidFill>
+              <a:latin typeface="Tahoma"/>
+              <a:ea typeface="Tahoma"/>
+              <a:cs typeface="Tahoma"/>
+              <a:sym typeface="Tahoma"/>
+            </a:endParaRPr>
+          </a:p>
+          <a:p>
+            <a:pPr indent="457200" lvl="0" marL="0" rtl="0" algn="l">
+              <a:lnSpc>
+                <a:spcPct val="200000"/>
+              </a:lnSpc>
+              <a:spcBef>
+                <a:spcPts val="0"/>
+              </a:spcBef>
+              <a:spcAft>
+                <a:spcPts val="0"/>
+              </a:spcAft>
+              <a:buClr>
+                <a:schemeClr val="dk1"/>
+              </a:buClr>
+              <a:buSzPts val="1100"/>
+              <a:buFont typeface="Arial"/>
+              <a:buNone/>
+            </a:pPr>
+            <a:r>
+              <a:rPr lang="en" sz="1200">
+                <a:solidFill>
+                  <a:schemeClr val="dk1"/>
+                </a:solidFill>
+                <a:latin typeface="Tahoma"/>
+                <a:ea typeface="Tahoma"/>
+                <a:cs typeface="Tahoma"/>
+                <a:sym typeface="Tahoma"/>
+              </a:rPr>
+              <a:t>Rows with not-a-number (N.A.N.) values were replaced with the mode of the feature that was associated with that N.A.N. cell. After validating that there were no more N.A.N. values in the data, one-hot encoding was applied to the categorical variables, which are left or right breast, image view, abnormality I.D., mass shape, mass margins. This encoding converts each categorical variable into a format that the model can train upon to improve prediction accuracy. </a:t>
             </a:r>
             <a:endParaRPr>
               <a:solidFill>
@@ -969,7 +1013,7 @@
       </p:grpSpPr>
       <p:sp>
         <p:nvSpPr>
-          <p:cNvPr id="141" name="Google Shape;141;g267fa7e41f7_0_10:notes"/>
+          <p:cNvPr id="141" name="Google Shape;141;g267fa7e41f7_0_5:notes"/>
           <p:cNvSpPr/>
           <p:nvPr>
             <p:ph idx="2" type="sldImg"/>
@@ -1004,7 +1048,7 @@
       </p:sp>
       <p:sp>
         <p:nvSpPr>
-          <p:cNvPr id="142" name="Google Shape;142;g267fa7e41f7_0_10:notes"/>
+          <p:cNvPr id="142" name="Google Shape;142;g267fa7e41f7_0_5:notes"/>
           <p:cNvSpPr txBox="1"/>
           <p:nvPr>
             <p:ph idx="1" type="body"/>
@@ -1025,7 +1069,7 @@
           </a:bodyPr>
           <a:lstStyle/>
           <a:p>
-            <a:pPr indent="457200" lvl="0" marL="0" rtl="0" algn="l">
+            <a:pPr indent="0" lvl="0" marL="0" rtl="0" algn="l">
               <a:lnSpc>
                 <a:spcPct val="200000"/>
               </a:lnSpc>
@@ -1052,7 +1096,7 @@
                 <a:cs typeface="Tahoma"/>
                 <a:sym typeface="Tahoma"/>
               </a:rPr>
-              <a:t>The combined tabular data was split into x train, x test, y train, y test using scikit-learn’s train_test_split function with the test size being 20% of the total combined data. A Support Vector Classification (SVC) object was created using scikit-learn’s s.v.m. module, where it was used to fit the x train data and y train data. The classifier </a:t>
+              <a:t>In the tabular data, t</a:t>
             </a:r>
             <a:r>
               <a:rPr lang="en" sz="1200">
@@ -1064,7 +1108,7 @@
                 <a:cs typeface="Tahoma"/>
                 <a:sym typeface="Tahoma"/>
               </a:rPr>
-              <a:t>predicted</a:t>
+              <a:t>he target variable is pathology with the following classification labels: BENIGN, MALIGNANT, BENIGN WITHOUT CALLBACK. T</a:t>
             </a:r>
             <a:r>
               <a:rPr lang="en" sz="1200">
@@ -1076,7 +1120,7 @@
                 <a:cs typeface="Tahoma"/>
                 <a:sym typeface="Tahoma"/>
               </a:rPr>
-              <a:t> the data points in the x test data. An accuracy score was calculated from the predictions and y test data. The predictions and accuracy score calculations were repeated one thousand times to create a score distribution.</a:t>
+              <a:t>he explanatory variables are breast density, left or right breast, image view, abnormality I.D., mass shape, mass margins, assessment, and subtlety. </a:t>
             </a:r>
             <a:endParaRPr>
               <a:solidFill>
@@ -1113,7 +1157,7 @@
       </p:grpSpPr>
       <p:sp>
         <p:nvSpPr>
-          <p:cNvPr id="147" name="Google Shape;147;g25f0fc31a45_0_220:notes"/>
+          <p:cNvPr id="147" name="Google Shape;147;g267fa7e41f7_0_10:notes"/>
           <p:cNvSpPr/>
           <p:nvPr>
             <p:ph idx="2" type="sldImg"/>
@@ -1148,7 +1192,7 @@
       </p:sp>
       <p:sp>
         <p:nvSpPr>
-          <p:cNvPr id="148" name="Google Shape;148;g25f0fc31a45_0_220:notes"/>
+          <p:cNvPr id="148" name="Google Shape;148;g267fa7e41f7_0_10:notes"/>
           <p:cNvSpPr txBox="1"/>
           <p:nvPr>
             <p:ph idx="1" type="body"/>
@@ -1169,7 +1213,7 @@
           </a:bodyPr>
           <a:lstStyle/>
           <a:p>
-            <a:pPr indent="0" lvl="0" marL="0" rtl="0" algn="l">
+            <a:pPr indent="457200" lvl="0" marL="0" rtl="0" algn="l">
               <a:lnSpc>
                 <a:spcPct val="200000"/>
               </a:lnSpc>
@@ -1196,9 +1240,37 @@
                 <a:cs typeface="Tahoma"/>
                 <a:sym typeface="Tahoma"/>
               </a:rPr>
-              <a:t>Here is the distribution of 1000 accuracy scores.</a:t>
-            </a:r>
-            <a:endParaRPr/>
+              <a:t>The combined tabular data was split into x train, x test, y train,  and y test using scikit-learn’s train_test_split function with the test size being 20% of the total combined data. A Support Vector Classification (S.V.C.) object was created using scikit-learn’s s.v.m. module, where it was used to fit the x train data and y train data. The classifier </a:t>
+            </a:r>
+            <a:r>
+              <a:rPr lang="en" sz="1200">
+                <a:solidFill>
+                  <a:schemeClr val="dk1"/>
+                </a:solidFill>
+                <a:latin typeface="Tahoma"/>
+                <a:ea typeface="Tahoma"/>
+                <a:cs typeface="Tahoma"/>
+                <a:sym typeface="Tahoma"/>
+              </a:rPr>
+              <a:t>predicted</a:t>
+            </a:r>
+            <a:r>
+              <a:rPr lang="en" sz="1200">
+                <a:solidFill>
+                  <a:schemeClr val="dk1"/>
+                </a:solidFill>
+                <a:latin typeface="Tahoma"/>
+                <a:ea typeface="Tahoma"/>
+                <a:cs typeface="Tahoma"/>
+                <a:sym typeface="Tahoma"/>
+              </a:rPr>
+              <a:t> the data points in the x test data. An accuracy score was calculated from the predictions and y test data. The predictions and accuracy score calculations were repeated one thousand times to create a score distribution.</a:t>
+            </a:r>
+            <a:endParaRPr>
+              <a:solidFill>
+                <a:schemeClr val="dk1"/>
+              </a:solidFill>
+            </a:endParaRPr>
           </a:p>
         </p:txBody>
       </p:sp>
@@ -1215,7 +1287,7 @@
   <p:cSld>
     <p:spTree>
       <p:nvGrpSpPr>
-        <p:cNvPr id="154" name="Shape 154"/>
+        <p:cNvPr id="152" name="Shape 152"/>
         <p:cNvGrpSpPr/>
         <p:nvPr/>
       </p:nvGrpSpPr>
@@ -1229,7 +1301,7 @@
       </p:grpSpPr>
       <p:sp>
         <p:nvSpPr>
-          <p:cNvPr id="155" name="Google Shape;155;g267fa7e41f7_0_22:notes"/>
+          <p:cNvPr id="153" name="Google Shape;153;g25f0fc31a45_0_220:notes"/>
           <p:cNvSpPr/>
           <p:nvPr>
             <p:ph idx="2" type="sldImg"/>
@@ -1264,7 +1336,7 @@
       </p:sp>
       <p:sp>
         <p:nvSpPr>
-          <p:cNvPr id="156" name="Google Shape;156;g267fa7e41f7_0_22:notes"/>
+          <p:cNvPr id="154" name="Google Shape;154;g25f0fc31a45_0_220:notes"/>
           <p:cNvSpPr txBox="1"/>
           <p:nvPr>
             <p:ph idx="1" type="body"/>
@@ -1312,13 +1384,9 @@
                 <a:cs typeface="Tahoma"/>
                 <a:sym typeface="Tahoma"/>
               </a:rPr>
-              <a:t>From a list of one thousand accuracy scores, the calculated mean score was approximately 0.78 with a standard deviation of 0.02, as shown in the histogram. The median was 0.78. The minimum accuracy score that was reached was approximately 0.71, while the maximum accuracy score was 0.84.</a:t>
-            </a:r>
-            <a:endParaRPr>
-              <a:solidFill>
-                <a:schemeClr val="dk1"/>
-              </a:solidFill>
-            </a:endParaRPr>
+              <a:t>Here is the distribution of 1000 accuracy scores. The center of the histogram looks to be about 0.78.</a:t>
+            </a:r>
+            <a:endParaRPr/>
           </a:p>
         </p:txBody>
       </p:sp>
@@ -1349,7 +1417,7 @@
       </p:grpSpPr>
       <p:sp>
         <p:nvSpPr>
-          <p:cNvPr id="161" name="Google Shape;161;g25f0fc31a45_0_201:notes"/>
+          <p:cNvPr id="161" name="Google Shape;161;g267fa7e41f7_0_22:notes"/>
           <p:cNvSpPr/>
           <p:nvPr>
             <p:ph idx="2" type="sldImg"/>
@@ -1384,7 +1452,7 @@
       </p:sp>
       <p:sp>
         <p:nvSpPr>
-          <p:cNvPr id="162" name="Google Shape;162;g25f0fc31a45_0_201:notes"/>
+          <p:cNvPr id="162" name="Google Shape;162;g267fa7e41f7_0_22:notes"/>
           <p:cNvSpPr txBox="1"/>
           <p:nvPr>
             <p:ph idx="1" type="body"/>
@@ -1406,6 +1474,9 @@
           <a:lstStyle/>
           <a:p>
             <a:pPr indent="0" lvl="0" marL="0" rtl="0" algn="l">
+              <a:lnSpc>
+                <a:spcPct val="200000"/>
+              </a:lnSpc>
               <a:spcBef>
                 <a:spcPts val="0"/>
               </a:spcBef>
@@ -1420,30 +1491,22 @@
               <a:buNone/>
             </a:pPr>
             <a:r>
-              <a:rPr lang="en">
+              <a:rPr lang="en" sz="1200">
                 <a:solidFill>
                   <a:schemeClr val="dk1"/>
                 </a:solidFill>
+                <a:latin typeface="Tahoma"/>
+                <a:ea typeface="Tahoma"/>
+                <a:cs typeface="Tahoma"/>
+                <a:sym typeface="Tahoma"/>
               </a:rPr>
-              <a:t>Now, </a:t>
-            </a:r>
-            <a:r>
-              <a:rPr lang="en">
-                <a:solidFill>
-                  <a:schemeClr val="dk1"/>
-                </a:solidFill>
-              </a:rPr>
-              <a:t>let's</a:t>
-            </a:r>
-            <a:r>
-              <a:rPr lang="en">
-                <a:solidFill>
-                  <a:schemeClr val="dk1"/>
-                </a:solidFill>
-              </a:rPr>
-              <a:t> discuss Convolutional Neural Networks.</a:t>
-            </a:r>
-            <a:endParaRPr/>
+              <a:t>From a list of one thousand accuracy scores, the calculated mean score was approximately 0.78 with a standard deviation of 0.02, as shown in the histogram. The median was 0.78. The minimum accuracy score that was reached was approximately 0.71, while the maximum accuracy score was 0.84. What could improve the accuracy score is a larger dataset with less missing values. Filling the missing values with the mode is a useful starting point in improving the data, but this adds an inaccurate level of variability to the dataset. </a:t>
+            </a:r>
+            <a:endParaRPr>
+              <a:solidFill>
+                <a:schemeClr val="dk1"/>
+              </a:solidFill>
+            </a:endParaRPr>
           </a:p>
         </p:txBody>
       </p:sp>
@@ -1460,7 +1523,7 @@
   <p:cSld>
     <p:spTree>
       <p:nvGrpSpPr>
-        <p:cNvPr id="165" name="Shape 165"/>
+        <p:cNvPr id="166" name="Shape 166"/>
         <p:cNvGrpSpPr/>
         <p:nvPr/>
       </p:nvGrpSpPr>
@@ -1474,7 +1537,7 @@
       </p:grpSpPr>
       <p:sp>
         <p:nvSpPr>
-          <p:cNvPr id="166" name="Google Shape;166;g267fa7e41f7_0_0:notes"/>
+          <p:cNvPr id="167" name="Google Shape;167;g25f0fc31a45_0_201:notes"/>
           <p:cNvSpPr/>
           <p:nvPr>
             <p:ph idx="2" type="sldImg"/>
@@ -1509,7 +1572,7 @@
       </p:sp>
       <p:sp>
         <p:nvSpPr>
-          <p:cNvPr id="167" name="Google Shape;167;g267fa7e41f7_0_0:notes"/>
+          <p:cNvPr id="168" name="Google Shape;168;g25f0fc31a45_0_201:notes"/>
           <p:cNvSpPr txBox="1"/>
           <p:nvPr>
             <p:ph idx="1" type="body"/>
@@ -1531,9 +1594,6 @@
           <a:lstStyle/>
           <a:p>
             <a:pPr indent="0" lvl="0" marL="0" rtl="0" algn="l">
-              <a:lnSpc>
-                <a:spcPct val="115000"/>
-              </a:lnSpc>
               <a:spcBef>
                 <a:spcPts val="0"/>
               </a:spcBef>
@@ -1553,40 +1613,25 @@
                   <a:schemeClr val="dk1"/>
                 </a:solidFill>
               </a:rPr>
-              <a:t>DICOM medical images of ROI masked images were converted from DICOM format to to JPG format for both training, Validation, and test datasets. The images are sourced from directories defined by the metadata and are written to train or test folders based on pathology attributes.</a:t>
-            </a:r>
-            <a:endParaRPr>
-              <a:solidFill>
-                <a:schemeClr val="dk1"/>
-              </a:solidFill>
-            </a:endParaRPr>
-          </a:p>
-          <a:p>
-            <a:pPr indent="0" lvl="0" marL="0" rtl="0" algn="l">
-              <a:lnSpc>
-                <a:spcPct val="200000"/>
-              </a:lnSpc>
-              <a:spcBef>
-                <a:spcPts val="0"/>
-              </a:spcBef>
-              <a:spcAft>
-                <a:spcPts val="0"/>
-              </a:spcAft>
-              <a:buClr>
-                <a:schemeClr val="dk1"/>
-              </a:buClr>
-              <a:buSzPts val="1100"/>
-              <a:buFont typeface="Arial"/>
-              <a:buNone/>
-            </a:pPr>
-            <a:r>
-              <a:t/>
-            </a:r>
-            <a:endParaRPr>
-              <a:solidFill>
-                <a:schemeClr val="dk1"/>
-              </a:solidFill>
-            </a:endParaRPr>
+              <a:t>Now, </a:t>
+            </a:r>
+            <a:r>
+              <a:rPr lang="en">
+                <a:solidFill>
+                  <a:schemeClr val="dk1"/>
+                </a:solidFill>
+              </a:rPr>
+              <a:t>let's</a:t>
+            </a:r>
+            <a:r>
+              <a:rPr lang="en">
+                <a:solidFill>
+                  <a:schemeClr val="dk1"/>
+                </a:solidFill>
+              </a:rPr>
+              <a:t> discuss Convolutional Neural Networks.</a:t>
+            </a:r>
+            <a:endParaRPr/>
           </a:p>
         </p:txBody>
       </p:sp>
@@ -1617,7 +1662,7 @@
       </p:grpSpPr>
       <p:sp>
         <p:nvSpPr>
-          <p:cNvPr id="172" name="Google Shape;172;g267fa7e41f7_0_33:notes"/>
+          <p:cNvPr id="172" name="Google Shape;172;g26dcf2d24f4_1_13:notes"/>
           <p:cNvSpPr/>
           <p:nvPr>
             <p:ph idx="2" type="sldImg"/>
@@ -1652,7 +1697,7 @@
       </p:sp>
       <p:sp>
         <p:nvSpPr>
-          <p:cNvPr id="173" name="Google Shape;173;g267fa7e41f7_0_33:notes"/>
+          <p:cNvPr id="173" name="Google Shape;173;g26dcf2d24f4_1_13:notes"/>
           <p:cNvSpPr txBox="1"/>
           <p:nvPr>
             <p:ph idx="1" type="body"/>
@@ -1673,71 +1718,20 @@
           </a:bodyPr>
           <a:lstStyle/>
           <a:p>
-            <a:pPr indent="457200" lvl="0" marL="0" rtl="0" algn="l">
-              <a:lnSpc>
-                <a:spcPct val="200000"/>
-              </a:lnSpc>
-              <a:spcBef>
-                <a:spcPts val="0"/>
-              </a:spcBef>
-              <a:spcAft>
-                <a:spcPts val="0"/>
-              </a:spcAft>
-              <a:buClr>
-                <a:schemeClr val="dk1"/>
-              </a:buClr>
-              <a:buSzPts val="1100"/>
-              <a:buFont typeface="Arial"/>
-              <a:buNone/>
-            </a:pPr>
-            <a:r>
-              <a:rPr lang="en" sz="1200">
-                <a:solidFill>
-                  <a:schemeClr val="dk1"/>
-                </a:solidFill>
-                <a:latin typeface="Tahoma"/>
-                <a:ea typeface="Tahoma"/>
-                <a:cs typeface="Tahoma"/>
-                <a:sym typeface="Tahoma"/>
-              </a:rPr>
-              <a:t>CNN was applied to recognize patterns and structures within the mammogram images and was built using TensorFlow's Keras API.Several layers, including convolutional layers, pooling layers, and fully connected layers, were used in the architecture, which was fine-tuned through various iterations. The layers of the model are as outlined in the slide </a:t>
-            </a:r>
-            <a:endParaRPr sz="1200">
-              <a:solidFill>
-                <a:schemeClr val="dk1"/>
-              </a:solidFill>
-              <a:latin typeface="Tahoma"/>
-              <a:ea typeface="Tahoma"/>
-              <a:cs typeface="Tahoma"/>
-              <a:sym typeface="Tahoma"/>
-            </a:endParaRPr>
-          </a:p>
-          <a:p>
             <a:pPr indent="0" lvl="0" marL="0" rtl="0" algn="l">
-              <a:lnSpc>
-                <a:spcPct val="200000"/>
-              </a:lnSpc>
-              <a:spcBef>
-                <a:spcPts val="0"/>
-              </a:spcBef>
-              <a:spcAft>
-                <a:spcPts val="0"/>
-              </a:spcAft>
-              <a:buClr>
-                <a:schemeClr val="dk1"/>
-              </a:buClr>
-              <a:buSzPts val="1100"/>
-              <a:buFont typeface="Arial"/>
-              <a:buNone/>
-            </a:pPr>
-            <a:r>
-              <a:t/>
-            </a:r>
-            <a:endParaRPr>
-              <a:solidFill>
-                <a:schemeClr val="dk1"/>
-              </a:solidFill>
-            </a:endParaRPr>
+              <a:spcBef>
+                <a:spcPts val="0"/>
+              </a:spcBef>
+              <a:spcAft>
+                <a:spcPts val="0"/>
+              </a:spcAft>
+              <a:buNone/>
+            </a:pPr>
+            <a:r>
+              <a:rPr lang="en"/>
+              <a:t>Convolutional neural networks are a form of deep learning that is modeled after the human brain, specifically the neuron. It consists of an input layer, output layer, and at least one intermediate layer that performs the convolution, which is when the weights of the nodes are applied to each pixel of the image. Weights are replicated across the nodes of each layer. The goal is for each weight to reach an optimal value.</a:t>
+            </a:r>
+            <a:endParaRPr/>
           </a:p>
         </p:txBody>
       </p:sp>
@@ -1768,7 +1762,7 @@
       </p:grpSpPr>
       <p:sp>
         <p:nvSpPr>
-          <p:cNvPr id="178" name="Google Shape;178;g26807f2c6c4_1_6:notes"/>
+          <p:cNvPr id="178" name="Google Shape;178;g267fa7e41f7_0_0:notes"/>
           <p:cNvSpPr/>
           <p:nvPr>
             <p:ph idx="2" type="sldImg"/>
@@ -1803,7 +1797,7 @@
       </p:sp>
       <p:sp>
         <p:nvSpPr>
-          <p:cNvPr id="179" name="Google Shape;179;g26807f2c6c4_1_6:notes"/>
+          <p:cNvPr id="179" name="Google Shape;179;g267fa7e41f7_0_0:notes"/>
           <p:cNvSpPr txBox="1"/>
           <p:nvPr>
             <p:ph idx="1" type="body"/>
@@ -1826,7 +1820,7 @@
           <a:p>
             <a:pPr indent="0" lvl="0" marL="0" rtl="0" algn="l">
               <a:lnSpc>
-                <a:spcPct val="200000"/>
+                <a:spcPct val="115000"/>
               </a:lnSpc>
               <a:spcBef>
                 <a:spcPts val="0"/>
@@ -1846,14 +1840,57 @@
                 <a:solidFill>
                   <a:schemeClr val="dk1"/>
                 </a:solidFill>
-                <a:latin typeface="Tahoma"/>
-                <a:ea typeface="Tahoma"/>
-                <a:cs typeface="Tahoma"/>
-                <a:sym typeface="Tahoma"/>
               </a:rPr>
-              <a:t>The model is then compiled with the Adam optimizer, a categorical cross-entropy loss function, and is set to evaluate its performance based on accuracy.</a:t>
-            </a:r>
-            <a:endParaRPr/>
+              <a:t>D.I.C.O.M stands for Digital Imaging and Communications In Medicine. It is the standard protocol in displaying and transmitting medical images. The mammograms with R.O.I. masked images were converted from D.I.C.O.M. format to to J.P.G. format for both training, validation, and test datasets. The images are sourced from directories defined by the metadata and are written to the training, validation, and test directories with subdirectories assigned to each classification label: benign, </a:t>
+            </a:r>
+            <a:r>
+              <a:rPr lang="en">
+                <a:solidFill>
+                  <a:schemeClr val="dk1"/>
+                </a:solidFill>
+              </a:rPr>
+              <a:t>malignant</a:t>
+            </a:r>
+            <a:r>
+              <a:rPr lang="en">
+                <a:solidFill>
+                  <a:schemeClr val="dk1"/>
+                </a:solidFill>
+              </a:rPr>
+              <a:t>, and benign without callback. Benign without callback means that the mammogram was marked as worth tracking, but there is no follow-up with the patient.</a:t>
+            </a:r>
+            <a:endParaRPr>
+              <a:solidFill>
+                <a:schemeClr val="dk1"/>
+              </a:solidFill>
+            </a:endParaRPr>
+          </a:p>
+          <a:p>
+            <a:pPr indent="0" lvl="0" marL="0" rtl="0" algn="l">
+              <a:lnSpc>
+                <a:spcPct val="200000"/>
+              </a:lnSpc>
+              <a:spcBef>
+                <a:spcPts val="0"/>
+              </a:spcBef>
+              <a:spcAft>
+                <a:spcPts val="0"/>
+              </a:spcAft>
+              <a:buClr>
+                <a:schemeClr val="dk1"/>
+              </a:buClr>
+              <a:buSzPts val="1100"/>
+              <a:buFont typeface="Arial"/>
+              <a:buNone/>
+            </a:pPr>
+            <a:r>
+              <a:t/>
+            </a:r>
+            <a:endParaRPr>
+              <a:solidFill>
+                <a:schemeClr val="dk1"/>
+              </a:solidFill>
+            </a:endParaRPr>
           </a:p>
         </p:txBody>
       </p:sp>
@@ -1884,7 +1921,7 @@
       </p:grpSpPr>
       <p:sp>
         <p:nvSpPr>
-          <p:cNvPr id="184" name="Google Shape;184;g267fa7e41f7_0_38:notes"/>
+          <p:cNvPr id="184" name="Google Shape;184;g267fa7e41f7_0_33:notes"/>
           <p:cNvSpPr/>
           <p:nvPr>
             <p:ph idx="2" type="sldImg"/>
@@ -1919,7 +1956,7 @@
       </p:sp>
       <p:sp>
         <p:nvSpPr>
-          <p:cNvPr id="185" name="Google Shape;185;g267fa7e41f7_0_38:notes"/>
+          <p:cNvPr id="185" name="Google Shape;185;g267fa7e41f7_0_33:notes"/>
           <p:cNvSpPr txBox="1"/>
           <p:nvPr>
             <p:ph idx="1" type="body"/>
@@ -1941,18 +1978,22 @@
           <a:lstStyle/>
           <a:p>
             <a:pPr indent="0" lvl="0" marL="0" rtl="0" algn="l">
-              <a:spcBef>
-                <a:spcPts val="0"/>
-              </a:spcBef>
-              <a:spcAft>
-                <a:spcPts val="0"/>
-              </a:spcAft>
-              <a:buNone/>
-            </a:pPr>
-            <a:r>
-              <a:rPr lang="en"/>
-              <a:t>A depicted in the graph, </a:t>
-            </a:r>
+              <a:lnSpc>
+                <a:spcPct val="200000"/>
+              </a:lnSpc>
+              <a:spcBef>
+                <a:spcPts val="0"/>
+              </a:spcBef>
+              <a:spcAft>
+                <a:spcPts val="0"/>
+              </a:spcAft>
+              <a:buClr>
+                <a:schemeClr val="dk1"/>
+              </a:buClr>
+              <a:buSzPts val="1100"/>
+              <a:buFont typeface="Arial"/>
+              <a:buNone/>
+            </a:pPr>
             <a:r>
               <a:rPr lang="en" sz="1200">
                 <a:solidFill>
@@ -1963,7 +2004,7 @@
                 <a:cs typeface="Tahoma"/>
                 <a:sym typeface="Tahoma"/>
               </a:rPr>
-              <a:t>In the training set, the model started with a 29.41% accuracy and improved to 76.47% by the 10th epoch. Loss decreased from 1.4259 in the 1st epoch to 0.5666 in the 10th epoch. In the validation set: accuracy began at 20.00% and peaked at 90.00% by the end of the 10th epoch. Loss reduced from 1.3224 in the 1st epoch to 0.5596 by the 10th epoch.</a:t>
+              <a:t>The convolutional neural network was applied to recognize patterns and structures within the mammogram images and was built using TensorFlow's Keras API. Several layers, including convolutional layers, pooling layers, and fully connected layers, were used in the architecture, which was fine-tuned through various iterations. </a:t>
             </a:r>
             <a:endParaRPr sz="1200">
               <a:solidFill>
@@ -2003,7 +2044,31 @@
                 <a:cs typeface="Tahoma"/>
                 <a:sym typeface="Tahoma"/>
               </a:rPr>
-              <a:t> </a:t>
+              <a:t>The input layer consists of </a:t>
+            </a:r>
+            <a:r>
+              <a:rPr lang="en" sz="1200">
+                <a:solidFill>
+                  <a:schemeClr val="dk1"/>
+                </a:solidFill>
+                <a:latin typeface="Tahoma"/>
+                <a:ea typeface="Tahoma"/>
+                <a:cs typeface="Tahoma"/>
+                <a:sym typeface="Tahoma"/>
+              </a:rPr>
+              <a:t>images</a:t>
+            </a:r>
+            <a:r>
+              <a:rPr lang="en" sz="1200">
+                <a:solidFill>
+                  <a:schemeClr val="dk1"/>
+                </a:solidFill>
+                <a:latin typeface="Tahoma"/>
+                <a:ea typeface="Tahoma"/>
+                <a:cs typeface="Tahoma"/>
+                <a:sym typeface="Tahoma"/>
+              </a:rPr>
+              <a:t> of 128 by 128 pixels with 3 color channels (R.G.B.).</a:t>
             </a:r>
             <a:endParaRPr sz="1200">
               <a:solidFill>
@@ -2043,7 +2108,7 @@
                 <a:cs typeface="Tahoma"/>
                 <a:sym typeface="Tahoma"/>
               </a:rPr>
-              <a:t>The model is showing promising performance, with the validation accuracy reaching 90.00%. There are fluctuations in validation metrics across epochs, potentially due to a small validation set. Several images couldn't be loaded, suggesting data-related issues that need addressing.</a:t>
+              <a:t>The convolutional layer consists of 32 filters of size 3 by 3 with a Rectified Linear Unit activation.</a:t>
             </a:r>
             <a:endParaRPr sz="1200">
               <a:solidFill>
@@ -2057,18 +2122,110 @@
           </a:p>
           <a:p>
             <a:pPr indent="0" lvl="0" marL="0" rtl="0" algn="l">
-              <a:spcBef>
-                <a:spcPts val="0"/>
-              </a:spcBef>
-              <a:spcAft>
-                <a:spcPts val="0"/>
-              </a:spcAft>
+              <a:lnSpc>
+                <a:spcPct val="200000"/>
+              </a:lnSpc>
+              <a:spcBef>
+                <a:spcPts val="0"/>
+              </a:spcBef>
+              <a:spcAft>
+                <a:spcPts val="0"/>
+              </a:spcAft>
+              <a:buClr>
+                <a:schemeClr val="dk1"/>
+              </a:buClr>
+              <a:buSzPts val="1100"/>
+              <a:buFont typeface="Arial"/>
+              <a:buNone/>
+            </a:pPr>
+            <a:r>
+              <a:rPr lang="en" sz="1200">
+                <a:solidFill>
+                  <a:schemeClr val="dk1"/>
+                </a:solidFill>
+                <a:latin typeface="Tahoma"/>
+                <a:ea typeface="Tahoma"/>
+                <a:cs typeface="Tahoma"/>
+                <a:sym typeface="Tahoma"/>
+              </a:rPr>
+              <a:t>The max pooling layer is of 2 by 2 pooling size.</a:t>
+            </a:r>
+            <a:endParaRPr sz="1200">
+              <a:solidFill>
+                <a:schemeClr val="dk1"/>
+              </a:solidFill>
+              <a:latin typeface="Tahoma"/>
+              <a:ea typeface="Tahoma"/>
+              <a:cs typeface="Tahoma"/>
+              <a:sym typeface="Tahoma"/>
+            </a:endParaRPr>
+          </a:p>
+          <a:p>
+            <a:pPr indent="0" lvl="0" marL="0" rtl="0" algn="l">
+              <a:lnSpc>
+                <a:spcPct val="200000"/>
+              </a:lnSpc>
+              <a:spcBef>
+                <a:spcPts val="0"/>
+              </a:spcBef>
+              <a:spcAft>
+                <a:spcPts val="0"/>
+              </a:spcAft>
+              <a:buClr>
+                <a:schemeClr val="dk1"/>
+              </a:buClr>
+              <a:buSzPts val="1100"/>
+              <a:buFont typeface="Arial"/>
+              <a:buNone/>
+            </a:pPr>
+            <a:r>
+              <a:rPr lang="en" sz="1200">
+                <a:solidFill>
+                  <a:schemeClr val="dk1"/>
+                </a:solidFill>
+                <a:latin typeface="Tahoma"/>
+                <a:ea typeface="Tahoma"/>
+                <a:cs typeface="Tahoma"/>
+                <a:sym typeface="Tahoma"/>
+              </a:rPr>
+              <a:t>Another convolutional layer is added, and consists of 64 filters of size 3 by 3 with Rectified Linear Unit activation.</a:t>
+            </a:r>
+            <a:endParaRPr sz="1200">
+              <a:solidFill>
+                <a:schemeClr val="dk1"/>
+              </a:solidFill>
+              <a:latin typeface="Tahoma"/>
+              <a:ea typeface="Tahoma"/>
+              <a:cs typeface="Tahoma"/>
+              <a:sym typeface="Tahoma"/>
+            </a:endParaRPr>
+          </a:p>
+          <a:p>
+            <a:pPr indent="0" lvl="0" marL="0" rtl="0" algn="l">
+              <a:lnSpc>
+                <a:spcPct val="200000"/>
+              </a:lnSpc>
+              <a:spcBef>
+                <a:spcPts val="0"/>
+              </a:spcBef>
+              <a:spcAft>
+                <a:spcPts val="0"/>
+              </a:spcAft>
+              <a:buClr>
+                <a:schemeClr val="dk1"/>
+              </a:buClr>
+              <a:buSzPts val="1100"/>
+              <a:buFont typeface="Arial"/>
               <a:buNone/>
             </a:pPr>
             <a:r>
               <a:t/>
             </a:r>
-            <a:endParaRPr/>
+            <a:endParaRPr>
+              <a:solidFill>
+                <a:schemeClr val="dk1"/>
+              </a:solidFill>
+            </a:endParaRPr>
           </a:p>
         </p:txBody>
       </p:sp>
@@ -2099,7 +2256,7 @@
       </p:grpSpPr>
       <p:sp>
         <p:nvSpPr>
-          <p:cNvPr id="190" name="Google Shape;190;g26807f2c6c4_1_13:notes"/>
+          <p:cNvPr id="190" name="Google Shape;190;g26807f2c6c4_1_6:notes"/>
           <p:cNvSpPr/>
           <p:nvPr>
             <p:ph idx="2" type="sldImg"/>
@@ -2134,7 +2291,7 @@
       </p:sp>
       <p:sp>
         <p:nvSpPr>
-          <p:cNvPr id="191" name="Google Shape;191;g26807f2c6c4_1_13:notes"/>
+          <p:cNvPr id="191" name="Google Shape;191;g26807f2c6c4_1_6:notes"/>
           <p:cNvSpPr txBox="1"/>
           <p:nvPr>
             <p:ph idx="1" type="body"/>
@@ -2182,9 +2339,260 @@
                 <a:cs typeface="Tahoma"/>
                 <a:sym typeface="Tahoma"/>
               </a:rPr>
-              <a:t>The model could not perform the prediction process. This could be related to incorrect loading or labeling of the images from the directory. There's a possibility that the model consistently predicts the same class for all images due to poor training or issues with the training data.</a:t>
-            </a:r>
-            <a:endParaRPr/>
+              <a:t>Another </a:t>
+            </a:r>
+            <a:r>
+              <a:rPr lang="en" sz="1200">
+                <a:solidFill>
+                  <a:schemeClr val="dk1"/>
+                </a:solidFill>
+                <a:latin typeface="Tahoma"/>
+                <a:ea typeface="Tahoma"/>
+                <a:cs typeface="Tahoma"/>
+                <a:sym typeface="Tahoma"/>
+              </a:rPr>
+              <a:t>max pooling layer of 2 by 2 pooling size is added.</a:t>
+            </a:r>
+            <a:endParaRPr sz="1200">
+              <a:solidFill>
+                <a:schemeClr val="dk1"/>
+              </a:solidFill>
+              <a:latin typeface="Tahoma"/>
+              <a:ea typeface="Tahoma"/>
+              <a:cs typeface="Tahoma"/>
+              <a:sym typeface="Tahoma"/>
+            </a:endParaRPr>
+          </a:p>
+          <a:p>
+            <a:pPr indent="0" lvl="0" marL="0" rtl="0" algn="l">
+              <a:lnSpc>
+                <a:spcPct val="200000"/>
+              </a:lnSpc>
+              <a:spcBef>
+                <a:spcPts val="0"/>
+              </a:spcBef>
+              <a:spcAft>
+                <a:spcPts val="0"/>
+              </a:spcAft>
+              <a:buClr>
+                <a:schemeClr val="dk1"/>
+              </a:buClr>
+              <a:buSzPts val="1100"/>
+              <a:buFont typeface="Arial"/>
+              <a:buNone/>
+            </a:pPr>
+            <a:r>
+              <a:rPr lang="en" sz="1200">
+                <a:solidFill>
+                  <a:schemeClr val="dk1"/>
+                </a:solidFill>
+                <a:latin typeface="Tahoma"/>
+                <a:ea typeface="Tahoma"/>
+                <a:cs typeface="Tahoma"/>
+                <a:sym typeface="Tahoma"/>
+              </a:rPr>
+              <a:t>The subsequent flattening layer, dense layer, and dropout layer are finishing touches to process the output of the convolutional layers to optimize prediction accuracy.</a:t>
+            </a:r>
+            <a:endParaRPr sz="1200">
+              <a:solidFill>
+                <a:schemeClr val="dk1"/>
+              </a:solidFill>
+              <a:latin typeface="Tahoma"/>
+              <a:ea typeface="Tahoma"/>
+              <a:cs typeface="Tahoma"/>
+              <a:sym typeface="Tahoma"/>
+            </a:endParaRPr>
+          </a:p>
+          <a:p>
+            <a:pPr indent="0" lvl="0" marL="0" rtl="0" algn="l">
+              <a:lnSpc>
+                <a:spcPct val="200000"/>
+              </a:lnSpc>
+              <a:spcBef>
+                <a:spcPts val="0"/>
+              </a:spcBef>
+              <a:spcAft>
+                <a:spcPts val="0"/>
+              </a:spcAft>
+              <a:buClr>
+                <a:schemeClr val="dk1"/>
+              </a:buClr>
+              <a:buSzPts val="1100"/>
+              <a:buFont typeface="Arial"/>
+              <a:buNone/>
+            </a:pPr>
+            <a:r>
+              <a:rPr lang="en" sz="1200">
+                <a:solidFill>
+                  <a:schemeClr val="dk1"/>
+                </a:solidFill>
+                <a:latin typeface="Tahoma"/>
+                <a:ea typeface="Tahoma"/>
+                <a:cs typeface="Tahoma"/>
+                <a:sym typeface="Tahoma"/>
+              </a:rPr>
+              <a:t>Lastly, the output layer consists of 3 neurons to represent the three pathologies.</a:t>
+            </a:r>
+            <a:endParaRPr sz="1200">
+              <a:solidFill>
+                <a:schemeClr val="dk1"/>
+              </a:solidFill>
+              <a:latin typeface="Tahoma"/>
+              <a:ea typeface="Tahoma"/>
+              <a:cs typeface="Tahoma"/>
+              <a:sym typeface="Tahoma"/>
+            </a:endParaRPr>
+          </a:p>
+          <a:p>
+            <a:pPr indent="0" lvl="0" marL="0" rtl="0" algn="l">
+              <a:lnSpc>
+                <a:spcPct val="200000"/>
+              </a:lnSpc>
+              <a:spcBef>
+                <a:spcPts val="0"/>
+              </a:spcBef>
+              <a:spcAft>
+                <a:spcPts val="0"/>
+              </a:spcAft>
+              <a:buClr>
+                <a:schemeClr val="dk1"/>
+              </a:buClr>
+              <a:buSzPts val="1100"/>
+              <a:buFont typeface="Arial"/>
+              <a:buNone/>
+            </a:pPr>
+            <a:r>
+              <a:rPr lang="en">
+                <a:solidFill>
+                  <a:schemeClr val="dk1"/>
+                </a:solidFill>
+                <a:latin typeface="Tahoma"/>
+                <a:ea typeface="Tahoma"/>
+                <a:cs typeface="Tahoma"/>
+                <a:sym typeface="Tahoma"/>
+              </a:rPr>
+              <a:t>The model is compiled using the Adam optimizer, a specific algorithm designed to update the network weights iteratively based on the training data. The Adam optimizer is favored in many machine learning applications due to its efficiency and low memory requirements. It combines the benefits of two other popular optimization methods, AdaGrad and RMSProp, providing an excellent balance between speed and accuracy in finding optimal solutions.</a:t>
+            </a:r>
+            <a:endParaRPr>
+              <a:solidFill>
+                <a:schemeClr val="dk1"/>
+              </a:solidFill>
+              <a:latin typeface="Tahoma"/>
+              <a:ea typeface="Tahoma"/>
+              <a:cs typeface="Tahoma"/>
+              <a:sym typeface="Tahoma"/>
+            </a:endParaRPr>
+          </a:p>
+          <a:p>
+            <a:pPr indent="0" lvl="0" marL="0" rtl="0" algn="l">
+              <a:lnSpc>
+                <a:spcPct val="115000"/>
+              </a:lnSpc>
+              <a:spcBef>
+                <a:spcPts val="1200"/>
+              </a:spcBef>
+              <a:spcAft>
+                <a:spcPts val="0"/>
+              </a:spcAft>
+              <a:buClr>
+                <a:schemeClr val="dk1"/>
+              </a:buClr>
+              <a:buSzPts val="1100"/>
+              <a:buFont typeface="Arial"/>
+              <a:buNone/>
+            </a:pPr>
+            <a:r>
+              <a:rPr lang="en">
+                <a:solidFill>
+                  <a:schemeClr val="dk1"/>
+                </a:solidFill>
+                <a:latin typeface="Tahoma"/>
+                <a:ea typeface="Tahoma"/>
+                <a:cs typeface="Tahoma"/>
+                <a:sym typeface="Tahoma"/>
+              </a:rPr>
+              <a:t>Alongside the Adam optimizer, the model employs a categorical cross-entropy loss function. This loss function is particularly suitable for classification problems where classes are mutually exclusive. In the context of a multi-class classification task, the categorical cross-entropy loss function measures the difference between the predicted probability distribution and the actual distribution of the target classes. The goal during training is to minimize this difference, leading the model to make predictions that closely align with the true labels.</a:t>
+            </a:r>
+            <a:endParaRPr>
+              <a:solidFill>
+                <a:schemeClr val="dk1"/>
+              </a:solidFill>
+              <a:latin typeface="Tahoma"/>
+              <a:ea typeface="Tahoma"/>
+              <a:cs typeface="Tahoma"/>
+              <a:sym typeface="Tahoma"/>
+            </a:endParaRPr>
+          </a:p>
+          <a:p>
+            <a:pPr indent="0" lvl="0" marL="0" rtl="0" algn="l">
+              <a:lnSpc>
+                <a:spcPct val="115000"/>
+              </a:lnSpc>
+              <a:spcBef>
+                <a:spcPts val="1200"/>
+              </a:spcBef>
+              <a:spcAft>
+                <a:spcPts val="0"/>
+              </a:spcAft>
+              <a:buClr>
+                <a:schemeClr val="dk1"/>
+              </a:buClr>
+              <a:buSzPts val="1100"/>
+              <a:buFont typeface="Arial"/>
+              <a:buNone/>
+            </a:pPr>
+            <a:r>
+              <a:rPr lang="en">
+                <a:solidFill>
+                  <a:schemeClr val="dk1"/>
+                </a:solidFill>
+                <a:latin typeface="Tahoma"/>
+                <a:ea typeface="Tahoma"/>
+                <a:cs typeface="Tahoma"/>
+                <a:sym typeface="Tahoma"/>
+              </a:rPr>
+              <a:t>The model's performance is set to be evaluated based on accuracy, which is a common metric for classification problems. Accuracy refers to the proportion of correctly classified instances out of the total number of instances. It provides a straightforward and intuitive measure of the model's ability to make correct predictions. While accuracy is a valuable metric, it's worth noting that it may not always provide a complete picture, especially in cases where the class distribution is imbalanced. In such scenarios, additional metrics such as precision, recall, or the F1 score might be considered to gain a more nuanced understanding of the model's performance.</a:t>
+            </a:r>
+            <a:endParaRPr>
+              <a:solidFill>
+                <a:schemeClr val="dk1"/>
+              </a:solidFill>
+              <a:latin typeface="Tahoma"/>
+              <a:ea typeface="Tahoma"/>
+              <a:cs typeface="Tahoma"/>
+              <a:sym typeface="Tahoma"/>
+            </a:endParaRPr>
+          </a:p>
+          <a:p>
+            <a:pPr indent="0" lvl="0" marL="0" rtl="0" algn="l">
+              <a:lnSpc>
+                <a:spcPct val="200000"/>
+              </a:lnSpc>
+              <a:spcBef>
+                <a:spcPts val="1200"/>
+              </a:spcBef>
+              <a:spcAft>
+                <a:spcPts val="0"/>
+              </a:spcAft>
+              <a:buClr>
+                <a:schemeClr val="dk1"/>
+              </a:buClr>
+              <a:buSzPts val="1100"/>
+              <a:buFont typeface="Arial"/>
+              <a:buNone/>
+            </a:pPr>
+            <a:r>
+              <a:t/>
+            </a:r>
+            <a:endParaRPr>
+              <a:solidFill>
+                <a:schemeClr val="dk1"/>
+              </a:solidFill>
+              <a:latin typeface="Tahoma"/>
+              <a:ea typeface="Tahoma"/>
+              <a:cs typeface="Tahoma"/>
+              <a:sym typeface="Tahoma"/>
+            </a:endParaRPr>
           </a:p>
         </p:txBody>
       </p:sp>
@@ -2291,7 +2699,7 @@
                   <a:schemeClr val="dk1"/>
                 </a:solidFill>
               </a:rPr>
-              <a:t>We will discuss the project background, the goal of the project, the dataset we used, the training methods we used, including Support Vector Machines and Convolutional Neural Networks, compare the two algorithms, and discuss future research as well as possible implications. </a:t>
+              <a:t>This is what will be discussed throughout the presentation. We will discuss the project background, the goal of the project, the dataset we used, the training methods we used, including Support Vector Machines and Convolutional Neural Networks, compare the two algorithms, and discuss future research as well as possible implications. </a:t>
             </a:r>
             <a:endParaRPr/>
           </a:p>
@@ -2324,7 +2732,7 @@
       </p:grpSpPr>
       <p:sp>
         <p:nvSpPr>
-          <p:cNvPr id="196" name="Google Shape;196;g267fa7e41f7_0_43:notes"/>
+          <p:cNvPr id="196" name="Google Shape;196;g26807f2c6c4_1_13:notes"/>
           <p:cNvSpPr/>
           <p:nvPr>
             <p:ph idx="2" type="sldImg"/>
@@ -2359,7 +2767,7 @@
       </p:sp>
       <p:sp>
         <p:nvSpPr>
-          <p:cNvPr id="197" name="Google Shape;197;g267fa7e41f7_0_43:notes"/>
+          <p:cNvPr id="197" name="Google Shape;197;g26807f2c6c4_1_13:notes"/>
           <p:cNvSpPr txBox="1"/>
           <p:nvPr>
             <p:ph idx="1" type="body"/>
@@ -2381,19 +2789,114 @@
           <a:lstStyle/>
           <a:p>
             <a:pPr indent="0" lvl="0" marL="0" rtl="0" algn="l">
-              <a:spcBef>
-                <a:spcPts val="0"/>
-              </a:spcBef>
-              <a:spcAft>
-                <a:spcPts val="0"/>
-              </a:spcAft>
-              <a:buNone/>
-            </a:pPr>
-            <a:r>
-              <a:rPr lang="en"/>
-              <a:t>Discussion and Results are still in progress and will be updated.</a:t>
-            </a:r>
-            <a:endParaRPr/>
+              <a:lnSpc>
+                <a:spcPct val="115000"/>
+              </a:lnSpc>
+              <a:spcBef>
+                <a:spcPts val="1200"/>
+              </a:spcBef>
+              <a:spcAft>
+                <a:spcPts val="0"/>
+              </a:spcAft>
+              <a:buClr>
+                <a:schemeClr val="dk1"/>
+              </a:buClr>
+              <a:buSzPts val="1100"/>
+              <a:buFont typeface="Arial"/>
+              <a:buNone/>
+            </a:pPr>
+            <a:r>
+              <a:rPr lang="en" sz="1200">
+                <a:solidFill>
+                  <a:schemeClr val="dk1"/>
+                </a:solidFill>
+                <a:latin typeface="Tahoma"/>
+                <a:ea typeface="Tahoma"/>
+                <a:cs typeface="Tahoma"/>
+                <a:sym typeface="Tahoma"/>
+              </a:rPr>
+              <a:t>The model encountered difficulties in executing the prediction process, and the root of this problem may lie in several areas. One possibility is that the images were not loaded or labeled correctly from the directory, leading to inconsistencies in the data input. Additionally, there's a concerning indication that the model may be predicting the same class for all images. This uniformity in prediction could stem from inadequate training or underlying issues with the training data itself.</a:t>
+            </a:r>
+            <a:endParaRPr sz="1200">
+              <a:solidFill>
+                <a:schemeClr val="dk1"/>
+              </a:solidFill>
+              <a:latin typeface="Tahoma"/>
+              <a:ea typeface="Tahoma"/>
+              <a:cs typeface="Tahoma"/>
+              <a:sym typeface="Tahoma"/>
+            </a:endParaRPr>
+          </a:p>
+          <a:p>
+            <a:pPr indent="0" lvl="0" marL="0" rtl="0" algn="l">
+              <a:lnSpc>
+                <a:spcPct val="115000"/>
+              </a:lnSpc>
+              <a:spcBef>
+                <a:spcPts val="1200"/>
+              </a:spcBef>
+              <a:spcAft>
+                <a:spcPts val="0"/>
+              </a:spcAft>
+              <a:buClr>
+                <a:schemeClr val="dk1"/>
+              </a:buClr>
+              <a:buSzPts val="1100"/>
+              <a:buFont typeface="Arial"/>
+              <a:buNone/>
+            </a:pPr>
+            <a:r>
+              <a:rPr lang="en" sz="1200">
+                <a:solidFill>
+                  <a:schemeClr val="dk1"/>
+                </a:solidFill>
+                <a:latin typeface="Tahoma"/>
+                <a:ea typeface="Tahoma"/>
+                <a:cs typeface="Tahoma"/>
+                <a:sym typeface="Tahoma"/>
+              </a:rPr>
+              <a:t> These challenges underscore the importance of rigorous validation and quality control at various stages of model development. Ensuring proper loading and labeling of images, along with careful evaluation of the training process, is essential to prevent such anomalies and achieve a model that can provide accurate and diverse predictions. Without addressing these foundational aspects, the model's performance may remain compromised, limiting its potential application and reliability.</a:t>
+            </a:r>
+            <a:endParaRPr sz="1200">
+              <a:solidFill>
+                <a:schemeClr val="dk1"/>
+              </a:solidFill>
+              <a:latin typeface="Tahoma"/>
+              <a:ea typeface="Tahoma"/>
+              <a:cs typeface="Tahoma"/>
+              <a:sym typeface="Tahoma"/>
+            </a:endParaRPr>
+          </a:p>
+          <a:p>
+            <a:pPr indent="0" lvl="0" marL="0" rtl="0" algn="l">
+              <a:lnSpc>
+                <a:spcPct val="200000"/>
+              </a:lnSpc>
+              <a:spcBef>
+                <a:spcPts val="1200"/>
+              </a:spcBef>
+              <a:spcAft>
+                <a:spcPts val="0"/>
+              </a:spcAft>
+              <a:buClr>
+                <a:schemeClr val="dk1"/>
+              </a:buClr>
+              <a:buSzPts val="1100"/>
+              <a:buFont typeface="Arial"/>
+              <a:buNone/>
+            </a:pPr>
+            <a:r>
+              <a:t/>
+            </a:r>
+            <a:endParaRPr sz="1200">
+              <a:solidFill>
+                <a:schemeClr val="dk1"/>
+              </a:solidFill>
+              <a:latin typeface="Tahoma"/>
+              <a:ea typeface="Tahoma"/>
+              <a:cs typeface="Tahoma"/>
+              <a:sym typeface="Tahoma"/>
+            </a:endParaRPr>
           </a:p>
         </p:txBody>
       </p:sp>
@@ -2424,7 +2927,7 @@
       </p:grpSpPr>
       <p:sp>
         <p:nvSpPr>
-          <p:cNvPr id="202" name="Google Shape;202;g25f0fc31a45_0_225:notes"/>
+          <p:cNvPr id="202" name="Google Shape;202;g267fa7e41f7_0_43:notes"/>
           <p:cNvSpPr/>
           <p:nvPr>
             <p:ph idx="2" type="sldImg"/>
@@ -2459,7 +2962,7 @@
       </p:sp>
       <p:sp>
         <p:nvSpPr>
-          <p:cNvPr id="203" name="Google Shape;203;g25f0fc31a45_0_225:notes"/>
+          <p:cNvPr id="203" name="Google Shape;203;g267fa7e41f7_0_43:notes"/>
           <p:cNvSpPr txBox="1"/>
           <p:nvPr>
             <p:ph idx="1" type="body"/>
@@ -2500,7 +3003,99 @@
                   <a:schemeClr val="dk1"/>
                 </a:solidFill>
               </a:rPr>
-              <a:t>Now, we will discuss future research and implications.</a:t>
+              <a:t>As depicted in the graph, </a:t>
+            </a:r>
+            <a:r>
+              <a:rPr lang="en" sz="1200">
+                <a:solidFill>
+                  <a:schemeClr val="dk1"/>
+                </a:solidFill>
+                <a:latin typeface="Tahoma"/>
+                <a:ea typeface="Tahoma"/>
+                <a:cs typeface="Tahoma"/>
+                <a:sym typeface="Tahoma"/>
+              </a:rPr>
+              <a:t>In the training set, the model started with a 29.41% accuracy and improved to 76.47% by the 10th epoch. Loss decreased from 1.4259 in the 1st epoch to 0.5666 in the 10th epoch. In the validation set: accuracy began at 20.00% and peaked at 90.00% by the end of the 10th epoch. Loss reduced from 1.3224 in the 1st epoch to 0.5596 by the 10th epoch.</a:t>
+            </a:r>
+            <a:endParaRPr sz="1200">
+              <a:solidFill>
+                <a:schemeClr val="dk1"/>
+              </a:solidFill>
+              <a:latin typeface="Tahoma"/>
+              <a:ea typeface="Tahoma"/>
+              <a:cs typeface="Tahoma"/>
+              <a:sym typeface="Tahoma"/>
+            </a:endParaRPr>
+          </a:p>
+          <a:p>
+            <a:pPr indent="0" lvl="0" marL="0" rtl="0" algn="l">
+              <a:lnSpc>
+                <a:spcPct val="200000"/>
+              </a:lnSpc>
+              <a:spcBef>
+                <a:spcPts val="0"/>
+              </a:spcBef>
+              <a:spcAft>
+                <a:spcPts val="0"/>
+              </a:spcAft>
+              <a:buClr>
+                <a:schemeClr val="dk1"/>
+              </a:buClr>
+              <a:buSzPts val="1100"/>
+              <a:buFont typeface="Arial"/>
+              <a:buNone/>
+            </a:pPr>
+            <a:r>
+              <a:rPr lang="en" sz="1200">
+                <a:solidFill>
+                  <a:schemeClr val="dk1"/>
+                </a:solidFill>
+                <a:latin typeface="Tahoma"/>
+                <a:ea typeface="Tahoma"/>
+                <a:cs typeface="Tahoma"/>
+                <a:sym typeface="Tahoma"/>
+              </a:rPr>
+              <a:t> </a:t>
+            </a:r>
+            <a:endParaRPr sz="1200">
+              <a:solidFill>
+                <a:schemeClr val="dk1"/>
+              </a:solidFill>
+              <a:latin typeface="Tahoma"/>
+              <a:ea typeface="Tahoma"/>
+              <a:cs typeface="Tahoma"/>
+              <a:sym typeface="Tahoma"/>
+            </a:endParaRPr>
+          </a:p>
+          <a:p>
+            <a:pPr indent="0" lvl="0" marL="0" rtl="0" algn="l">
+              <a:lnSpc>
+                <a:spcPct val="200000"/>
+              </a:lnSpc>
+              <a:spcBef>
+                <a:spcPts val="0"/>
+              </a:spcBef>
+              <a:spcAft>
+                <a:spcPts val="0"/>
+              </a:spcAft>
+              <a:buClr>
+                <a:schemeClr val="dk1"/>
+              </a:buClr>
+              <a:buSzPts val="1100"/>
+              <a:buFont typeface="Arial"/>
+              <a:buNone/>
+            </a:pPr>
+            <a:r>
+              <a:rPr lang="en" sz="1200">
+                <a:solidFill>
+                  <a:schemeClr val="dk1"/>
+                </a:solidFill>
+                <a:latin typeface="Tahoma"/>
+                <a:ea typeface="Tahoma"/>
+                <a:cs typeface="Tahoma"/>
+                <a:sym typeface="Tahoma"/>
+              </a:rPr>
+              <a:t>The model is showing promising performance, with the validation accuracy reaching 90.00%. There are fluctuations in validation metrics across epochs, potentially due to a small validation set. Several images couldn't be loaded, suggesting data-related issues that need addressing.</a:t>
             </a:r>
             <a:endParaRPr/>
           </a:p>
@@ -2519,7 +3114,7 @@
   <p:cSld>
     <p:spTree>
       <p:nvGrpSpPr>
-        <p:cNvPr id="206" name="Shape 206"/>
+        <p:cNvPr id="209" name="Shape 209"/>
         <p:cNvGrpSpPr/>
         <p:nvPr/>
       </p:nvGrpSpPr>
@@ -2533,7 +3128,7 @@
       </p:grpSpPr>
       <p:sp>
         <p:nvSpPr>
-          <p:cNvPr id="207" name="Google Shape;207;g25f0fc31a45_0_234:notes"/>
+          <p:cNvPr id="210" name="Google Shape;210;g26dcf2d24f4_1_18:notes"/>
           <p:cNvSpPr/>
           <p:nvPr>
             <p:ph idx="2" type="sldImg"/>
@@ -2568,7 +3163,7 @@
       </p:sp>
       <p:sp>
         <p:nvSpPr>
-          <p:cNvPr id="208" name="Google Shape;208;g25f0fc31a45_0_234:notes"/>
+          <p:cNvPr id="211" name="Google Shape;211;g26dcf2d24f4_1_18:notes"/>
           <p:cNvSpPr txBox="1"/>
           <p:nvPr>
             <p:ph idx="1" type="body"/>
@@ -2596,36 +3191,11 @@
               <a:spcAft>
                 <a:spcPts val="0"/>
               </a:spcAft>
-              <a:buClr>
-                <a:schemeClr val="dk1"/>
-              </a:buClr>
-              <a:buSzPts val="1100"/>
-              <a:buFont typeface="Arial"/>
-              <a:buNone/>
-            </a:pPr>
-            <a:r>
-              <a:rPr lang="en">
-                <a:solidFill>
-                  <a:schemeClr val="dk1"/>
-                </a:solidFill>
-              </a:rPr>
-              <a:t>It is important to note that this project is for an </a:t>
-            </a:r>
-            <a:r>
-              <a:rPr lang="en">
-                <a:solidFill>
-                  <a:schemeClr val="dk1"/>
-                </a:solidFill>
-              </a:rPr>
-              <a:t>Introduction</a:t>
-            </a:r>
-            <a:r>
-              <a:rPr lang="en">
-                <a:solidFill>
-                  <a:schemeClr val="dk1"/>
-                </a:solidFill>
-              </a:rPr>
-              <a:t> to Artificial Intelligence class. We acknowledge that the results of this project are nowhere near the quality needed for real world medical applications, this was an important first step in our journey to understanding Artificial Intelligence and how to use it.  We gained a deeper understanding of computer vision and machine learning concepts, applied the concepts we learned at a deeper level than the course content covered, and we were able to expand our technical skills. </a:t>
+              <a:buNone/>
+            </a:pPr>
+            <a:r>
+              <a:rPr lang="en"/>
+              <a:t>Let’s compare support vector machines and convolutional neural networks.</a:t>
             </a:r>
             <a:endParaRPr/>
           </a:p>
@@ -2644,7 +3214,7 @@
   <p:cSld>
     <p:spTree>
       <p:nvGrpSpPr>
-        <p:cNvPr id="212" name="Shape 212"/>
+        <p:cNvPr id="214" name="Shape 214"/>
         <p:cNvGrpSpPr/>
         <p:nvPr/>
       </p:nvGrpSpPr>
@@ -2658,7 +3228,7 @@
       </p:grpSpPr>
       <p:sp>
         <p:nvSpPr>
-          <p:cNvPr id="213" name="Google Shape;213;g25f0fc31a45_0_229:notes"/>
+          <p:cNvPr id="215" name="Google Shape;215;g26dcf2d24f4_1_22:notes"/>
           <p:cNvSpPr/>
           <p:nvPr>
             <p:ph idx="2" type="sldImg"/>
@@ -2693,7 +3263,7 @@
       </p:sp>
       <p:sp>
         <p:nvSpPr>
-          <p:cNvPr id="214" name="Google Shape;214;g25f0fc31a45_0_229:notes"/>
+          <p:cNvPr id="216" name="Google Shape;216;g26dcf2d24f4_1_22:notes"/>
           <p:cNvSpPr txBox="1"/>
           <p:nvPr>
             <p:ph idx="1" type="body"/>
@@ -2721,20 +3291,73 @@
               <a:spcAft>
                 <a:spcPts val="0"/>
               </a:spcAft>
-              <a:buClr>
-                <a:schemeClr val="dk1"/>
-              </a:buClr>
-              <a:buSzPts val="1100"/>
-              <a:buFont typeface="Arial"/>
-              <a:buNone/>
-            </a:pPr>
-            <a:r>
-              <a:rPr lang="en">
-                <a:solidFill>
-                  <a:schemeClr val="dk1"/>
-                </a:solidFill>
-              </a:rPr>
-              <a:t>This is where we will add potential improvements in the project</a:t>
+              <a:buNone/>
+            </a:pPr>
+            <a:r>
+              <a:rPr lang="en"/>
+              <a:t>Both support vector machines and convolutional neural networks were effective in training upon existing tabular data and images to predict the presence of breast cancer.</a:t>
+            </a:r>
+            <a:endParaRPr/>
+          </a:p>
+          <a:p>
+            <a:pPr indent="0" lvl="0" marL="0" rtl="0" algn="l">
+              <a:spcBef>
+                <a:spcPts val="0"/>
+              </a:spcBef>
+              <a:spcAft>
+                <a:spcPts val="0"/>
+              </a:spcAft>
+              <a:buNone/>
+            </a:pPr>
+            <a:r>
+              <a:t/>
+            </a:r>
+            <a:endParaRPr/>
+          </a:p>
+          <a:p>
+            <a:pPr indent="0" lvl="0" marL="0" rtl="0" algn="l">
+              <a:spcBef>
+                <a:spcPts val="0"/>
+              </a:spcBef>
+              <a:spcAft>
+                <a:spcPts val="0"/>
+              </a:spcAft>
+              <a:buNone/>
+            </a:pPr>
+            <a:r>
+              <a:rPr lang="en"/>
+              <a:t>Our C.N.N. was able to reach accuracy levels (post-validation) that our S.V.M. classifier could not. The global max accuracy the C.N.N. reached was 0.90. The global max accuracy the S.V.M. reached was 0.84.</a:t>
+            </a:r>
+            <a:endParaRPr/>
+          </a:p>
+          <a:p>
+            <a:pPr indent="0" lvl="0" marL="0" rtl="0" algn="l">
+              <a:spcBef>
+                <a:spcPts val="0"/>
+              </a:spcBef>
+              <a:spcAft>
+                <a:spcPts val="0"/>
+              </a:spcAft>
+              <a:buNone/>
+            </a:pPr>
+            <a:r>
+              <a:t/>
+            </a:r>
+            <a:endParaRPr/>
+          </a:p>
+          <a:p>
+            <a:pPr indent="0" lvl="0" marL="0" rtl="0" algn="l">
+              <a:spcBef>
+                <a:spcPts val="0"/>
+              </a:spcBef>
+              <a:spcAft>
+                <a:spcPts val="0"/>
+              </a:spcAft>
+              <a:buNone/>
+            </a:pPr>
+            <a:r>
+              <a:rPr lang="en"/>
+              <a:t>Although the C.N.N. performed better than the S.V.M. with our particular dataset, using both can give a more conclusive result in detecting breast cancer.</a:t>
             </a:r>
             <a:endParaRPr/>
           </a:p>
@@ -2753,7 +3376,7 @@
   <p:cSld>
     <p:spTree>
       <p:nvGrpSpPr>
-        <p:cNvPr id="218" name="Shape 218"/>
+        <p:cNvPr id="220" name="Shape 220"/>
         <p:cNvGrpSpPr/>
         <p:nvPr/>
       </p:nvGrpSpPr>
@@ -2767,7 +3390,7 @@
       </p:grpSpPr>
       <p:sp>
         <p:nvSpPr>
-          <p:cNvPr id="219" name="Google Shape;219;g267fa7e41f7_0_27:notes"/>
+          <p:cNvPr id="221" name="Google Shape;221;g25f0fc31a45_0_225:notes"/>
           <p:cNvSpPr/>
           <p:nvPr>
             <p:ph idx="2" type="sldImg"/>
@@ -2802,7 +3425,1481 @@
       </p:sp>
       <p:sp>
         <p:nvSpPr>
-          <p:cNvPr id="220" name="Google Shape;220;g267fa7e41f7_0_27:notes"/>
+          <p:cNvPr id="222" name="Google Shape;222;g25f0fc31a45_0_225:notes"/>
+          <p:cNvSpPr txBox="1"/>
+          <p:nvPr>
+            <p:ph idx="1" type="body"/>
+          </p:nvPr>
+        </p:nvSpPr>
+        <p:spPr>
+          <a:xfrm>
+            <a:off x="685800" y="4343400"/>
+            <a:ext cx="5486400" cy="4114800"/>
+          </a:xfrm>
+          <a:prstGeom prst="rect">
+            <a:avLst/>
+          </a:prstGeom>
+        </p:spPr>
+        <p:txBody>
+          <a:bodyPr anchorCtr="0" anchor="t" bIns="91425" lIns="91425" spcFirstLastPara="1" rIns="91425" wrap="square" tIns="91425">
+            <a:noAutofit/>
+          </a:bodyPr>
+          <a:lstStyle/>
+          <a:p>
+            <a:pPr indent="0" lvl="0" marL="0" rtl="0" algn="l">
+              <a:spcBef>
+                <a:spcPts val="0"/>
+              </a:spcBef>
+              <a:spcAft>
+                <a:spcPts val="0"/>
+              </a:spcAft>
+              <a:buClr>
+                <a:schemeClr val="dk1"/>
+              </a:buClr>
+              <a:buSzPts val="1100"/>
+              <a:buFont typeface="Arial"/>
+              <a:buNone/>
+            </a:pPr>
+            <a:r>
+              <a:rPr lang="en">
+                <a:solidFill>
+                  <a:schemeClr val="dk1"/>
+                </a:solidFill>
+              </a:rPr>
+              <a:t>Now, we will discuss future research and implications.</a:t>
+            </a:r>
+            <a:endParaRPr/>
+          </a:p>
+        </p:txBody>
+      </p:sp>
+    </p:spTree>
+  </p:cSld>
+  <p:clrMapOvr>
+    <a:masterClrMapping/>
+  </p:clrMapOvr>
+</p:notes>
+</file>
+
+<file path=ppt/notesSlides/notesSlide25.xml><?xml version="1.0" encoding="utf-8"?>
+<p:notes xmlns:a="http://schemas.openxmlformats.org/drawingml/2006/main" xmlns:r="http://schemas.openxmlformats.org/officeDocument/2006/relationships" xmlns:mc="http://schemas.openxmlformats.org/markup-compatibility/2006" xmlns:mv="urn:schemas-microsoft-com:mac:vml" xmlns:p="http://schemas.openxmlformats.org/presentationml/2006/main" xmlns:c="http://schemas.openxmlformats.org/drawingml/2006/chart" xmlns:dgm="http://schemas.openxmlformats.org/drawingml/2006/diagram" xmlns:o="urn:schemas-microsoft-com:office:office" xmlns:v="urn:schemas-microsoft-com:vml" xmlns:pvml="urn:schemas-microsoft-com:office:powerpoint" xmlns:com="http://schemas.openxmlformats.org/drawingml/2006/compatibility" xmlns:p14="http://schemas.microsoft.com/office/powerpoint/2010/main" xmlns:p15="http://schemas.microsoft.com/office/powerpoint/2012/main" xmlns:ahyp="http://schemas.microsoft.com/office/drawing/2018/hyperlinkcolor" showMasterPhAnim="0" showMasterSp="0">
+  <p:cSld>
+    <p:spTree>
+      <p:nvGrpSpPr>
+        <p:cNvPr id="225" name="Shape 225"/>
+        <p:cNvGrpSpPr/>
+        <p:nvPr/>
+      </p:nvGrpSpPr>
+      <p:grpSpPr>
+        <a:xfrm>
+          <a:off x="0" y="0"/>
+          <a:ext cx="0" cy="0"/>
+          <a:chOff x="0" y="0"/>
+          <a:chExt cx="0" cy="0"/>
+        </a:xfrm>
+      </p:grpSpPr>
+      <p:sp>
+        <p:nvSpPr>
+          <p:cNvPr id="226" name="Google Shape;226;g25f0fc31a45_0_234:notes"/>
+          <p:cNvSpPr/>
+          <p:nvPr>
+            <p:ph idx="2" type="sldImg"/>
+          </p:nvPr>
+        </p:nvSpPr>
+        <p:spPr>
+          <a:xfrm>
+            <a:off x="381300" y="685800"/>
+            <a:ext cx="6096000" cy="3429000"/>
+          </a:xfrm>
+          <a:custGeom>
+            <a:rect b="b" l="l" r="r" t="t"/>
+            <a:pathLst>
+              <a:path extrusionOk="0" h="120000" w="120000">
+                <a:moveTo>
+                  <a:pt x="0" y="0"/>
+                </a:moveTo>
+                <a:lnTo>
+                  <a:pt x="120000" y="0"/>
+                </a:lnTo>
+                <a:lnTo>
+                  <a:pt x="120000" y="120000"/>
+                </a:lnTo>
+                <a:lnTo>
+                  <a:pt x="0" y="120000"/>
+                </a:lnTo>
+                <a:close/>
+              </a:path>
+            </a:pathLst>
+          </a:custGeom>
+        </p:spPr>
+      </p:sp>
+      <p:sp>
+        <p:nvSpPr>
+          <p:cNvPr id="227" name="Google Shape;227;g25f0fc31a45_0_234:notes"/>
+          <p:cNvSpPr txBox="1"/>
+          <p:nvPr>
+            <p:ph idx="1" type="body"/>
+          </p:nvPr>
+        </p:nvSpPr>
+        <p:spPr>
+          <a:xfrm>
+            <a:off x="685800" y="4343400"/>
+            <a:ext cx="5486400" cy="4114800"/>
+          </a:xfrm>
+          <a:prstGeom prst="rect">
+            <a:avLst/>
+          </a:prstGeom>
+        </p:spPr>
+        <p:txBody>
+          <a:bodyPr anchorCtr="0" anchor="t" bIns="91425" lIns="91425" spcFirstLastPara="1" rIns="91425" wrap="square" tIns="91425">
+            <a:noAutofit/>
+          </a:bodyPr>
+          <a:lstStyle/>
+          <a:p>
+            <a:pPr indent="0" lvl="0" marL="0" rtl="0" algn="l">
+              <a:lnSpc>
+                <a:spcPct val="115000"/>
+              </a:lnSpc>
+              <a:spcBef>
+                <a:spcPts val="1200"/>
+              </a:spcBef>
+              <a:spcAft>
+                <a:spcPts val="0"/>
+              </a:spcAft>
+              <a:buClr>
+                <a:schemeClr val="dk1"/>
+              </a:buClr>
+              <a:buSzPts val="1100"/>
+              <a:buFont typeface="Arial"/>
+              <a:buNone/>
+            </a:pPr>
+            <a:r>
+              <a:rPr lang="en">
+                <a:solidFill>
+                  <a:schemeClr val="dk1"/>
+                </a:solidFill>
+              </a:rPr>
+              <a:t>This project, undertaken as part of an Introduction to Artificial Intelligence class, represents a significant milestone in our educational journey. We readily acknowledge that the results we achieved are not yet refined enough to meet the stringent demands of real-world medical applications. However, this project should not be underestimated, as it served as a crucial stepping stone in our exploration of Artificial Intelligence and its practical utilization.</a:t>
+            </a:r>
+            <a:endParaRPr>
+              <a:solidFill>
+                <a:schemeClr val="dk1"/>
+              </a:solidFill>
+            </a:endParaRPr>
+          </a:p>
+          <a:p>
+            <a:pPr indent="0" lvl="0" marL="0" rtl="0" algn="l">
+              <a:lnSpc>
+                <a:spcPct val="115000"/>
+              </a:lnSpc>
+              <a:spcBef>
+                <a:spcPts val="1200"/>
+              </a:spcBef>
+              <a:spcAft>
+                <a:spcPts val="0"/>
+              </a:spcAft>
+              <a:buClr>
+                <a:schemeClr val="dk1"/>
+              </a:buClr>
+              <a:buSzPts val="1100"/>
+              <a:buFont typeface="Arial"/>
+              <a:buNone/>
+            </a:pPr>
+            <a:r>
+              <a:rPr lang="en">
+                <a:solidFill>
+                  <a:schemeClr val="dk1"/>
+                </a:solidFill>
+              </a:rPr>
+              <a:t> </a:t>
+            </a:r>
+            <a:endParaRPr>
+              <a:solidFill>
+                <a:schemeClr val="dk1"/>
+              </a:solidFill>
+            </a:endParaRPr>
+          </a:p>
+          <a:p>
+            <a:pPr indent="0" lvl="0" marL="0" rtl="0" algn="l">
+              <a:lnSpc>
+                <a:spcPct val="115000"/>
+              </a:lnSpc>
+              <a:spcBef>
+                <a:spcPts val="1200"/>
+              </a:spcBef>
+              <a:spcAft>
+                <a:spcPts val="0"/>
+              </a:spcAft>
+              <a:buClr>
+                <a:schemeClr val="dk1"/>
+              </a:buClr>
+              <a:buSzPts val="1100"/>
+              <a:buFont typeface="Arial"/>
+              <a:buNone/>
+            </a:pPr>
+            <a:r>
+              <a:rPr lang="en">
+                <a:solidFill>
+                  <a:schemeClr val="dk1"/>
+                </a:solidFill>
+              </a:rPr>
+              <a:t>Our engagement with this project facilitated a deeper understanding of computer vision and machine learning. Not only did we dive into these complex concepts beyond the foundational level covered in our coursework, but we also took the opportunity to apply our theoretical knowledge in a tangible context. Through hands-on experience, we were able to expand our technical skills, enhancing our understanding of how AI can be harnessed in various fields, including the ever-critical domain of healthcare.</a:t>
+            </a:r>
+            <a:endParaRPr>
+              <a:solidFill>
+                <a:schemeClr val="dk1"/>
+              </a:solidFill>
+            </a:endParaRPr>
+          </a:p>
+          <a:p>
+            <a:pPr indent="0" lvl="0" marL="0" rtl="0" algn="l">
+              <a:lnSpc>
+                <a:spcPct val="115000"/>
+              </a:lnSpc>
+              <a:spcBef>
+                <a:spcPts val="1200"/>
+              </a:spcBef>
+              <a:spcAft>
+                <a:spcPts val="0"/>
+              </a:spcAft>
+              <a:buClr>
+                <a:schemeClr val="dk1"/>
+              </a:buClr>
+              <a:buSzPts val="1100"/>
+              <a:buFont typeface="Arial"/>
+              <a:buNone/>
+            </a:pPr>
+            <a:r>
+              <a:rPr lang="en">
+                <a:solidFill>
+                  <a:schemeClr val="dk1"/>
+                </a:solidFill>
+              </a:rPr>
+              <a:t> </a:t>
+            </a:r>
+            <a:endParaRPr>
+              <a:solidFill>
+                <a:schemeClr val="dk1"/>
+              </a:solidFill>
+            </a:endParaRPr>
+          </a:p>
+          <a:p>
+            <a:pPr indent="0" lvl="0" marL="0" rtl="0" algn="l">
+              <a:lnSpc>
+                <a:spcPct val="115000"/>
+              </a:lnSpc>
+              <a:spcBef>
+                <a:spcPts val="1200"/>
+              </a:spcBef>
+              <a:spcAft>
+                <a:spcPts val="0"/>
+              </a:spcAft>
+              <a:buClr>
+                <a:schemeClr val="dk1"/>
+              </a:buClr>
+              <a:buSzPts val="1100"/>
+              <a:buFont typeface="Arial"/>
+              <a:buNone/>
+            </a:pPr>
+            <a:r>
+              <a:rPr lang="en">
+                <a:solidFill>
+                  <a:schemeClr val="dk1"/>
+                </a:solidFill>
+              </a:rPr>
+              <a:t>This project is symbolic of the learning process itself, a blend of theory and practice that pushed boundaries and challenged us to grow. It has instilled in us a deeper appreciation for the capabilities and potential of AI, providing a solid foundation upon which we can build in our future studies and professional pursuits.</a:t>
+            </a:r>
+            <a:endParaRPr>
+              <a:solidFill>
+                <a:schemeClr val="dk1"/>
+              </a:solidFill>
+            </a:endParaRPr>
+          </a:p>
+          <a:p>
+            <a:pPr indent="0" lvl="0" marL="0" rtl="0" algn="l">
+              <a:spcBef>
+                <a:spcPts val="1200"/>
+              </a:spcBef>
+              <a:spcAft>
+                <a:spcPts val="0"/>
+              </a:spcAft>
+              <a:buClr>
+                <a:schemeClr val="dk1"/>
+              </a:buClr>
+              <a:buSzPts val="1100"/>
+              <a:buFont typeface="Arial"/>
+              <a:buNone/>
+            </a:pPr>
+            <a:r>
+              <a:t/>
+            </a:r>
+            <a:endParaRPr>
+              <a:solidFill>
+                <a:schemeClr val="dk1"/>
+              </a:solidFill>
+            </a:endParaRPr>
+          </a:p>
+        </p:txBody>
+      </p:sp>
+    </p:spTree>
+  </p:cSld>
+  <p:clrMapOvr>
+    <a:masterClrMapping/>
+  </p:clrMapOvr>
+</p:notes>
+</file>
+
+<file path=ppt/notesSlides/notesSlide26.xml><?xml version="1.0" encoding="utf-8"?>
+<p:notes xmlns:a="http://schemas.openxmlformats.org/drawingml/2006/main" xmlns:r="http://schemas.openxmlformats.org/officeDocument/2006/relationships" xmlns:mc="http://schemas.openxmlformats.org/markup-compatibility/2006" xmlns:mv="urn:schemas-microsoft-com:mac:vml" xmlns:p="http://schemas.openxmlformats.org/presentationml/2006/main" xmlns:c="http://schemas.openxmlformats.org/drawingml/2006/chart" xmlns:dgm="http://schemas.openxmlformats.org/drawingml/2006/diagram" xmlns:o="urn:schemas-microsoft-com:office:office" xmlns:v="urn:schemas-microsoft-com:vml" xmlns:pvml="urn:schemas-microsoft-com:office:powerpoint" xmlns:com="http://schemas.openxmlformats.org/drawingml/2006/compatibility" xmlns:p14="http://schemas.microsoft.com/office/powerpoint/2010/main" xmlns:p15="http://schemas.microsoft.com/office/powerpoint/2012/main" xmlns:ahyp="http://schemas.microsoft.com/office/drawing/2018/hyperlinkcolor" showMasterPhAnim="0" showMasterSp="0">
+  <p:cSld>
+    <p:spTree>
+      <p:nvGrpSpPr>
+        <p:cNvPr id="231" name="Shape 231"/>
+        <p:cNvGrpSpPr/>
+        <p:nvPr/>
+      </p:nvGrpSpPr>
+      <p:grpSpPr>
+        <a:xfrm>
+          <a:off x="0" y="0"/>
+          <a:ext cx="0" cy="0"/>
+          <a:chOff x="0" y="0"/>
+          <a:chExt cx="0" cy="0"/>
+        </a:xfrm>
+      </p:grpSpPr>
+      <p:sp>
+        <p:nvSpPr>
+          <p:cNvPr id="232" name="Google Shape;232;g25f0fc31a45_0_229:notes"/>
+          <p:cNvSpPr/>
+          <p:nvPr>
+            <p:ph idx="2" type="sldImg"/>
+          </p:nvPr>
+        </p:nvSpPr>
+        <p:spPr>
+          <a:xfrm>
+            <a:off x="381300" y="685800"/>
+            <a:ext cx="6096000" cy="3429000"/>
+          </a:xfrm>
+          <a:custGeom>
+            <a:rect b="b" l="l" r="r" t="t"/>
+            <a:pathLst>
+              <a:path extrusionOk="0" h="120000" w="120000">
+                <a:moveTo>
+                  <a:pt x="0" y="0"/>
+                </a:moveTo>
+                <a:lnTo>
+                  <a:pt x="120000" y="0"/>
+                </a:lnTo>
+                <a:lnTo>
+                  <a:pt x="120000" y="120000"/>
+                </a:lnTo>
+                <a:lnTo>
+                  <a:pt x="0" y="120000"/>
+                </a:lnTo>
+                <a:close/>
+              </a:path>
+            </a:pathLst>
+          </a:custGeom>
+        </p:spPr>
+      </p:sp>
+      <p:sp>
+        <p:nvSpPr>
+          <p:cNvPr id="233" name="Google Shape;233;g25f0fc31a45_0_229:notes"/>
+          <p:cNvSpPr txBox="1"/>
+          <p:nvPr>
+            <p:ph idx="1" type="body"/>
+          </p:nvPr>
+        </p:nvSpPr>
+        <p:spPr>
+          <a:xfrm>
+            <a:off x="685800" y="4343400"/>
+            <a:ext cx="5486400" cy="4114800"/>
+          </a:xfrm>
+          <a:prstGeom prst="rect">
+            <a:avLst/>
+          </a:prstGeom>
+        </p:spPr>
+        <p:txBody>
+          <a:bodyPr anchorCtr="0" anchor="t" bIns="91425" lIns="91425" spcFirstLastPara="1" rIns="91425" wrap="square" tIns="91425">
+            <a:noAutofit/>
+          </a:bodyPr>
+          <a:lstStyle/>
+          <a:p>
+            <a:pPr indent="0" lvl="0" marL="0" rtl="0" algn="l">
+              <a:spcBef>
+                <a:spcPts val="0"/>
+              </a:spcBef>
+              <a:spcAft>
+                <a:spcPts val="0"/>
+              </a:spcAft>
+              <a:buClr>
+                <a:schemeClr val="dk1"/>
+              </a:buClr>
+              <a:buSzPts val="1100"/>
+              <a:buFont typeface="Arial"/>
+              <a:buNone/>
+            </a:pPr>
+            <a:r>
+              <a:rPr lang="en">
+                <a:solidFill>
+                  <a:schemeClr val="dk1"/>
+                </a:solidFill>
+              </a:rPr>
+              <a:t>This experiment is beneficial, but not without acknowledging its shortcoming. There can be many improvements if this experiment is carried out again. A larger dataset with less missing values can increase the accuracy of the predictions of the S.V.M. classifier. Alternative methods can be explored to mitigate the impact of missing values, such as applying parametric or non-parametric bootstrapping to the data.</a:t>
+            </a:r>
+            <a:endParaRPr>
+              <a:solidFill>
+                <a:schemeClr val="dk1"/>
+              </a:solidFill>
+            </a:endParaRPr>
+          </a:p>
+          <a:p>
+            <a:pPr indent="0" lvl="0" marL="0" rtl="0" algn="l">
+              <a:spcBef>
+                <a:spcPts val="0"/>
+              </a:spcBef>
+              <a:spcAft>
+                <a:spcPts val="0"/>
+              </a:spcAft>
+              <a:buClr>
+                <a:schemeClr val="dk1"/>
+              </a:buClr>
+              <a:buSzPts val="1100"/>
+              <a:buFont typeface="Arial"/>
+              <a:buNone/>
+            </a:pPr>
+            <a:r>
+              <a:t/>
+            </a:r>
+            <a:endParaRPr>
+              <a:solidFill>
+                <a:schemeClr val="dk1"/>
+              </a:solidFill>
+            </a:endParaRPr>
+          </a:p>
+          <a:p>
+            <a:pPr indent="0" lvl="0" marL="0" rtl="0" algn="l">
+              <a:spcBef>
+                <a:spcPts val="0"/>
+              </a:spcBef>
+              <a:spcAft>
+                <a:spcPts val="0"/>
+              </a:spcAft>
+              <a:buClr>
+                <a:schemeClr val="dk1"/>
+              </a:buClr>
+              <a:buSzPts val="1100"/>
+              <a:buFont typeface="Arial"/>
+              <a:buNone/>
+            </a:pPr>
+            <a:r>
+              <a:rPr lang="en">
+                <a:solidFill>
+                  <a:schemeClr val="dk1"/>
+                </a:solidFill>
+              </a:rPr>
+              <a:t>An improved way to convert the </a:t>
+            </a:r>
+            <a:r>
+              <a:rPr lang="en">
+                <a:solidFill>
+                  <a:schemeClr val="dk1"/>
+                </a:solidFill>
+              </a:rPr>
+              <a:t>images</a:t>
+            </a:r>
+            <a:r>
+              <a:rPr lang="en">
+                <a:solidFill>
+                  <a:schemeClr val="dk1"/>
+                </a:solidFill>
+              </a:rPr>
+              <a:t> to J.P.G can be explored to reduce the loss of data during conversion. Next, the organization and transport of the images to its correct classification directory was difficult using Python; therefore, exploring a less time-consuming method would prove useful to future researchers.</a:t>
+            </a:r>
+            <a:endParaRPr>
+              <a:solidFill>
+                <a:schemeClr val="dk1"/>
+              </a:solidFill>
+            </a:endParaRPr>
+          </a:p>
+        </p:txBody>
+      </p:sp>
+    </p:spTree>
+  </p:cSld>
+  <p:clrMapOvr>
+    <a:masterClrMapping/>
+  </p:clrMapOvr>
+</p:notes>
+</file>
+
+<file path=ppt/notesSlides/notesSlide27.xml><?xml version="1.0" encoding="utf-8"?>
+<p:notes xmlns:a="http://schemas.openxmlformats.org/drawingml/2006/main" xmlns:r="http://schemas.openxmlformats.org/officeDocument/2006/relationships" xmlns:mc="http://schemas.openxmlformats.org/markup-compatibility/2006" xmlns:mv="urn:schemas-microsoft-com:mac:vml" xmlns:p="http://schemas.openxmlformats.org/presentationml/2006/main" xmlns:c="http://schemas.openxmlformats.org/drawingml/2006/chart" xmlns:dgm="http://schemas.openxmlformats.org/drawingml/2006/diagram" xmlns:o="urn:schemas-microsoft-com:office:office" xmlns:v="urn:schemas-microsoft-com:vml" xmlns:pvml="urn:schemas-microsoft-com:office:powerpoint" xmlns:com="http://schemas.openxmlformats.org/drawingml/2006/compatibility" xmlns:p14="http://schemas.microsoft.com/office/powerpoint/2010/main" xmlns:p15="http://schemas.microsoft.com/office/powerpoint/2012/main" xmlns:ahyp="http://schemas.microsoft.com/office/drawing/2018/hyperlinkcolor" showMasterPhAnim="0" showMasterSp="0">
+  <p:cSld>
+    <p:spTree>
+      <p:nvGrpSpPr>
+        <p:cNvPr id="237" name="Shape 237"/>
+        <p:cNvGrpSpPr/>
+        <p:nvPr/>
+      </p:nvGrpSpPr>
+      <p:grpSpPr>
+        <a:xfrm>
+          <a:off x="0" y="0"/>
+          <a:ext cx="0" cy="0"/>
+          <a:chOff x="0" y="0"/>
+          <a:chExt cx="0" cy="0"/>
+        </a:xfrm>
+      </p:grpSpPr>
+      <p:sp>
+        <p:nvSpPr>
+          <p:cNvPr id="238" name="Google Shape;238;g26dcf2d24f4_0_0:notes"/>
+          <p:cNvSpPr/>
+          <p:nvPr>
+            <p:ph idx="2" type="sldImg"/>
+          </p:nvPr>
+        </p:nvSpPr>
+        <p:spPr>
+          <a:xfrm>
+            <a:off x="381300" y="685800"/>
+            <a:ext cx="6096000" cy="3429000"/>
+          </a:xfrm>
+          <a:custGeom>
+            <a:rect b="b" l="l" r="r" t="t"/>
+            <a:pathLst>
+              <a:path extrusionOk="0" h="120000" w="120000">
+                <a:moveTo>
+                  <a:pt x="0" y="0"/>
+                </a:moveTo>
+                <a:lnTo>
+                  <a:pt x="120000" y="0"/>
+                </a:lnTo>
+                <a:lnTo>
+                  <a:pt x="120000" y="120000"/>
+                </a:lnTo>
+                <a:lnTo>
+                  <a:pt x="0" y="120000"/>
+                </a:lnTo>
+                <a:close/>
+              </a:path>
+            </a:pathLst>
+          </a:custGeom>
+        </p:spPr>
+      </p:sp>
+      <p:sp>
+        <p:nvSpPr>
+          <p:cNvPr id="239" name="Google Shape;239;g26dcf2d24f4_0_0:notes"/>
+          <p:cNvSpPr txBox="1"/>
+          <p:nvPr>
+            <p:ph idx="1" type="body"/>
+          </p:nvPr>
+        </p:nvSpPr>
+        <p:spPr>
+          <a:xfrm>
+            <a:off x="685800" y="4343400"/>
+            <a:ext cx="5486400" cy="4114800"/>
+          </a:xfrm>
+          <a:prstGeom prst="rect">
+            <a:avLst/>
+          </a:prstGeom>
+        </p:spPr>
+        <p:txBody>
+          <a:bodyPr anchorCtr="0" anchor="t" bIns="91425" lIns="91425" spcFirstLastPara="1" rIns="91425" wrap="square" tIns="91425">
+            <a:noAutofit/>
+          </a:bodyPr>
+          <a:lstStyle/>
+          <a:p>
+            <a:pPr indent="0" lvl="0" marL="0" rtl="0" algn="l">
+              <a:lnSpc>
+                <a:spcPct val="115000"/>
+              </a:lnSpc>
+              <a:spcBef>
+                <a:spcPts val="1200"/>
+              </a:spcBef>
+              <a:spcAft>
+                <a:spcPts val="0"/>
+              </a:spcAft>
+              <a:buClr>
+                <a:schemeClr val="dk1"/>
+              </a:buClr>
+              <a:buSzPts val="1100"/>
+              <a:buFont typeface="Arial"/>
+              <a:buNone/>
+            </a:pPr>
+            <a:r>
+              <a:rPr lang="en"/>
+              <a:t>The integration of computer vision and machine learning in the detection of breast cancer through mammograms has had a significant impact on healthcare. We  will outline some of the key implications and areas of impact:</a:t>
+            </a:r>
+            <a:endParaRPr/>
+          </a:p>
+          <a:p>
+            <a:pPr indent="0" lvl="0" marL="0" rtl="0" algn="l">
+              <a:lnSpc>
+                <a:spcPct val="115000"/>
+              </a:lnSpc>
+              <a:spcBef>
+                <a:spcPts val="1200"/>
+              </a:spcBef>
+              <a:spcAft>
+                <a:spcPts val="0"/>
+              </a:spcAft>
+              <a:buClr>
+                <a:schemeClr val="dk1"/>
+              </a:buClr>
+              <a:buSzPts val="1100"/>
+              <a:buFont typeface="Arial"/>
+              <a:buNone/>
+            </a:pPr>
+            <a:r>
+              <a:rPr lang="en"/>
+              <a:t>Improved Accuracy:</a:t>
+            </a:r>
+            <a:endParaRPr/>
+          </a:p>
+          <a:p>
+            <a:pPr indent="0" lvl="0" marL="0" rtl="0" algn="l">
+              <a:lnSpc>
+                <a:spcPct val="115000"/>
+              </a:lnSpc>
+              <a:spcBef>
+                <a:spcPts val="1200"/>
+              </a:spcBef>
+              <a:spcAft>
+                <a:spcPts val="0"/>
+              </a:spcAft>
+              <a:buClr>
+                <a:schemeClr val="dk1"/>
+              </a:buClr>
+              <a:buSzPts val="1100"/>
+              <a:buFont typeface="Arial"/>
+              <a:buNone/>
+            </a:pPr>
+            <a:r>
+              <a:rPr lang="en"/>
+              <a:t>- Early Detection: Machine learning algorithms can analyze mammograms with great detail, identifying subtle patterns and abnormalities that might be missed by human eyes. This can lead to earlier detection of cancerous tissues.</a:t>
+            </a:r>
+            <a:endParaRPr/>
+          </a:p>
+          <a:p>
+            <a:pPr indent="0" lvl="0" marL="0" rtl="0" algn="l">
+              <a:lnSpc>
+                <a:spcPct val="115000"/>
+              </a:lnSpc>
+              <a:spcBef>
+                <a:spcPts val="1200"/>
+              </a:spcBef>
+              <a:spcAft>
+                <a:spcPts val="0"/>
+              </a:spcAft>
+              <a:buClr>
+                <a:schemeClr val="dk1"/>
+              </a:buClr>
+              <a:buSzPts val="1100"/>
+              <a:buFont typeface="Arial"/>
+              <a:buNone/>
+            </a:pPr>
+            <a:r>
+              <a:rPr lang="en"/>
+              <a:t>- Reduced False Positives/Negatives: Advanced models help in reducing false positives and negatives, leading to more accurate diagnoses.</a:t>
+            </a:r>
+            <a:endParaRPr/>
+          </a:p>
+          <a:p>
+            <a:pPr indent="0" lvl="0" marL="0" rtl="0" algn="l">
+              <a:lnSpc>
+                <a:spcPct val="115000"/>
+              </a:lnSpc>
+              <a:spcBef>
+                <a:spcPts val="1200"/>
+              </a:spcBef>
+              <a:spcAft>
+                <a:spcPts val="0"/>
+              </a:spcAft>
+              <a:buClr>
+                <a:schemeClr val="dk1"/>
+              </a:buClr>
+              <a:buSzPts val="1100"/>
+              <a:buFont typeface="Arial"/>
+              <a:buNone/>
+            </a:pPr>
+            <a:r>
+              <a:rPr lang="en"/>
+              <a:t> </a:t>
+            </a:r>
+            <a:endParaRPr/>
+          </a:p>
+          <a:p>
+            <a:pPr indent="0" lvl="0" marL="0" rtl="0" algn="l">
+              <a:lnSpc>
+                <a:spcPct val="115000"/>
+              </a:lnSpc>
+              <a:spcBef>
+                <a:spcPts val="1200"/>
+              </a:spcBef>
+              <a:spcAft>
+                <a:spcPts val="0"/>
+              </a:spcAft>
+              <a:buClr>
+                <a:schemeClr val="dk1"/>
+              </a:buClr>
+              <a:buSzPts val="1100"/>
+              <a:buFont typeface="Arial"/>
+              <a:buNone/>
+            </a:pPr>
+            <a:r>
+              <a:rPr lang="en"/>
+              <a:t> Efficiency and Scalability:</a:t>
+            </a:r>
+            <a:endParaRPr/>
+          </a:p>
+          <a:p>
+            <a:pPr indent="0" lvl="0" marL="0" rtl="0" algn="l">
+              <a:lnSpc>
+                <a:spcPct val="115000"/>
+              </a:lnSpc>
+              <a:spcBef>
+                <a:spcPts val="1200"/>
+              </a:spcBef>
+              <a:spcAft>
+                <a:spcPts val="0"/>
+              </a:spcAft>
+              <a:buClr>
+                <a:schemeClr val="dk1"/>
+              </a:buClr>
+              <a:buSzPts val="1100"/>
+              <a:buFont typeface="Arial"/>
+              <a:buNone/>
+            </a:pPr>
+            <a:r>
+              <a:rPr lang="en"/>
+              <a:t>- Faster Analysis: Automated analysis of mammograms speeds up the diagnostic process, allowing more patients to be screened in less time.</a:t>
+            </a:r>
+            <a:endParaRPr/>
+          </a:p>
+          <a:p>
+            <a:pPr indent="0" lvl="0" marL="0" rtl="0" algn="l">
+              <a:lnSpc>
+                <a:spcPct val="115000"/>
+              </a:lnSpc>
+              <a:spcBef>
+                <a:spcPts val="1200"/>
+              </a:spcBef>
+              <a:spcAft>
+                <a:spcPts val="0"/>
+              </a:spcAft>
+              <a:buClr>
+                <a:schemeClr val="dk1"/>
+              </a:buClr>
+              <a:buSzPts val="1100"/>
+              <a:buFont typeface="Arial"/>
+              <a:buNone/>
+            </a:pPr>
+            <a:r>
+              <a:rPr lang="en"/>
+              <a:t>- Consistency: Algorithms provide consistent analysis without fatigue, unlike human radiologists who may vary in their interpretations.</a:t>
+            </a:r>
+            <a:endParaRPr/>
+          </a:p>
+          <a:p>
+            <a:pPr indent="0" lvl="0" marL="0" rtl="0" algn="l">
+              <a:lnSpc>
+                <a:spcPct val="115000"/>
+              </a:lnSpc>
+              <a:spcBef>
+                <a:spcPts val="1200"/>
+              </a:spcBef>
+              <a:spcAft>
+                <a:spcPts val="0"/>
+              </a:spcAft>
+              <a:buClr>
+                <a:schemeClr val="dk1"/>
+              </a:buClr>
+              <a:buSzPts val="1100"/>
+              <a:buFont typeface="Arial"/>
+              <a:buNone/>
+            </a:pPr>
+            <a:r>
+              <a:rPr lang="en"/>
+              <a:t> </a:t>
+            </a:r>
+            <a:endParaRPr/>
+          </a:p>
+          <a:p>
+            <a:pPr indent="0" lvl="0" marL="0" rtl="0" algn="l">
+              <a:lnSpc>
+                <a:spcPct val="115000"/>
+              </a:lnSpc>
+              <a:spcBef>
+                <a:spcPts val="1200"/>
+              </a:spcBef>
+              <a:spcAft>
+                <a:spcPts val="0"/>
+              </a:spcAft>
+              <a:buClr>
+                <a:schemeClr val="dk1"/>
+              </a:buClr>
+              <a:buSzPts val="1100"/>
+              <a:buFont typeface="Arial"/>
+              <a:buNone/>
+            </a:pPr>
+            <a:r>
+              <a:rPr lang="en"/>
+              <a:t> Personalized Treatment:</a:t>
+            </a:r>
+            <a:endParaRPr/>
+          </a:p>
+          <a:p>
+            <a:pPr indent="0" lvl="0" marL="0" rtl="0" algn="l">
+              <a:lnSpc>
+                <a:spcPct val="115000"/>
+              </a:lnSpc>
+              <a:spcBef>
+                <a:spcPts val="1200"/>
+              </a:spcBef>
+              <a:spcAft>
+                <a:spcPts val="0"/>
+              </a:spcAft>
+              <a:buClr>
+                <a:schemeClr val="dk1"/>
+              </a:buClr>
+              <a:buSzPts val="1100"/>
+              <a:buFont typeface="Arial"/>
+              <a:buNone/>
+            </a:pPr>
+            <a:r>
+              <a:rPr lang="en"/>
+              <a:t>- Tailored Approach: Machine learning can integrate various data sources, including patient history, to provide a more personalized risk assessment and treatment plan.</a:t>
+            </a:r>
+            <a:endParaRPr/>
+          </a:p>
+          <a:p>
+            <a:pPr indent="0" lvl="0" marL="0" rtl="0" algn="l">
+              <a:lnSpc>
+                <a:spcPct val="115000"/>
+              </a:lnSpc>
+              <a:spcBef>
+                <a:spcPts val="1200"/>
+              </a:spcBef>
+              <a:spcAft>
+                <a:spcPts val="0"/>
+              </a:spcAft>
+              <a:buClr>
+                <a:schemeClr val="dk1"/>
+              </a:buClr>
+              <a:buSzPts val="1100"/>
+              <a:buFont typeface="Arial"/>
+              <a:buNone/>
+            </a:pPr>
+            <a:r>
+              <a:rPr lang="en"/>
+              <a:t> </a:t>
+            </a:r>
+            <a:endParaRPr/>
+          </a:p>
+          <a:p>
+            <a:pPr indent="0" lvl="0" marL="0" rtl="0" algn="l">
+              <a:lnSpc>
+                <a:spcPct val="115000"/>
+              </a:lnSpc>
+              <a:spcBef>
+                <a:spcPts val="1200"/>
+              </a:spcBef>
+              <a:spcAft>
+                <a:spcPts val="0"/>
+              </a:spcAft>
+              <a:buClr>
+                <a:schemeClr val="dk1"/>
+              </a:buClr>
+              <a:buSzPts val="1100"/>
+              <a:buFont typeface="Arial"/>
+              <a:buNone/>
+            </a:pPr>
+            <a:r>
+              <a:rPr lang="en"/>
+              <a:t> Accessibility:</a:t>
+            </a:r>
+            <a:endParaRPr/>
+          </a:p>
+          <a:p>
+            <a:pPr indent="0" lvl="0" marL="0" rtl="0" algn="l">
+              <a:lnSpc>
+                <a:spcPct val="115000"/>
+              </a:lnSpc>
+              <a:spcBef>
+                <a:spcPts val="1200"/>
+              </a:spcBef>
+              <a:spcAft>
+                <a:spcPts val="0"/>
+              </a:spcAft>
+              <a:buClr>
+                <a:schemeClr val="dk1"/>
+              </a:buClr>
+              <a:buSzPts val="1100"/>
+              <a:buFont typeface="Arial"/>
+              <a:buNone/>
+            </a:pPr>
+            <a:r>
+              <a:rPr lang="en"/>
+              <a:t>- Remote Areas: Automated analysis can make mammogram screening more accessible in remote or underserved areas where specialist radiologists may not be readily available.</a:t>
+            </a:r>
+            <a:endParaRPr/>
+          </a:p>
+          <a:p>
+            <a:pPr indent="0" lvl="0" marL="0" rtl="0" algn="l">
+              <a:lnSpc>
+                <a:spcPct val="115000"/>
+              </a:lnSpc>
+              <a:spcBef>
+                <a:spcPts val="1200"/>
+              </a:spcBef>
+              <a:spcAft>
+                <a:spcPts val="0"/>
+              </a:spcAft>
+              <a:buClr>
+                <a:schemeClr val="dk1"/>
+              </a:buClr>
+              <a:buSzPts val="1100"/>
+              <a:buFont typeface="Arial"/>
+              <a:buNone/>
+            </a:pPr>
+            <a:r>
+              <a:rPr lang="en"/>
+              <a:t>- Cost Reduction: Automation can potentially reduce healthcare costs, making screening more accessible to a broader population.</a:t>
+            </a:r>
+            <a:endParaRPr/>
+          </a:p>
+          <a:p>
+            <a:pPr indent="0" lvl="0" marL="0" rtl="0" algn="l">
+              <a:lnSpc>
+                <a:spcPct val="115000"/>
+              </a:lnSpc>
+              <a:spcBef>
+                <a:spcPts val="1200"/>
+              </a:spcBef>
+              <a:spcAft>
+                <a:spcPts val="0"/>
+              </a:spcAft>
+              <a:buClr>
+                <a:schemeClr val="dk1"/>
+              </a:buClr>
+              <a:buSzPts val="1100"/>
+              <a:buFont typeface="Arial"/>
+              <a:buNone/>
+            </a:pPr>
+            <a:r>
+              <a:rPr lang="en"/>
+              <a:t> </a:t>
+            </a:r>
+            <a:endParaRPr/>
+          </a:p>
+          <a:p>
+            <a:pPr indent="0" lvl="0" marL="0" rtl="0" algn="l">
+              <a:lnSpc>
+                <a:spcPct val="115000"/>
+              </a:lnSpc>
+              <a:spcBef>
+                <a:spcPts val="1200"/>
+              </a:spcBef>
+              <a:spcAft>
+                <a:spcPts val="0"/>
+              </a:spcAft>
+              <a:buClr>
+                <a:schemeClr val="dk1"/>
+              </a:buClr>
+              <a:buSzPts val="1100"/>
+              <a:buFont typeface="Arial"/>
+              <a:buNone/>
+            </a:pPr>
+            <a:r>
+              <a:rPr lang="en"/>
+              <a:t>Ethical and Regulatory Considerations:</a:t>
+            </a:r>
+            <a:endParaRPr/>
+          </a:p>
+          <a:p>
+            <a:pPr indent="0" lvl="0" marL="0" rtl="0" algn="l">
+              <a:lnSpc>
+                <a:spcPct val="115000"/>
+              </a:lnSpc>
+              <a:spcBef>
+                <a:spcPts val="1200"/>
+              </a:spcBef>
+              <a:spcAft>
+                <a:spcPts val="0"/>
+              </a:spcAft>
+              <a:buClr>
+                <a:schemeClr val="dk1"/>
+              </a:buClr>
+              <a:buSzPts val="1100"/>
+              <a:buFont typeface="Arial"/>
+              <a:buNone/>
+            </a:pPr>
+            <a:r>
+              <a:rPr lang="en"/>
+              <a:t>- Data Privacy: The use of patient data in training machine learning models raises concerns about privacy and consent.</a:t>
+            </a:r>
+            <a:endParaRPr/>
+          </a:p>
+          <a:p>
+            <a:pPr indent="0" lvl="0" marL="0" rtl="0" algn="l">
+              <a:lnSpc>
+                <a:spcPct val="115000"/>
+              </a:lnSpc>
+              <a:spcBef>
+                <a:spcPts val="1200"/>
+              </a:spcBef>
+              <a:spcAft>
+                <a:spcPts val="0"/>
+              </a:spcAft>
+              <a:buClr>
+                <a:schemeClr val="dk1"/>
+              </a:buClr>
+              <a:buSzPts val="1100"/>
+              <a:buFont typeface="Arial"/>
+              <a:buNone/>
+            </a:pPr>
+            <a:r>
+              <a:rPr lang="en"/>
+              <a:t>- Regulatory Compliance: Ensuring that algorithms meet regulatory standards and clinical guidelines is essential for their integration into medical practice.</a:t>
+            </a:r>
+            <a:endParaRPr/>
+          </a:p>
+          <a:p>
+            <a:pPr indent="0" lvl="0" marL="0" rtl="0" algn="l">
+              <a:lnSpc>
+                <a:spcPct val="115000"/>
+              </a:lnSpc>
+              <a:spcBef>
+                <a:spcPts val="1200"/>
+              </a:spcBef>
+              <a:spcAft>
+                <a:spcPts val="0"/>
+              </a:spcAft>
+              <a:buClr>
+                <a:schemeClr val="dk1"/>
+              </a:buClr>
+              <a:buSzPts val="1100"/>
+              <a:buFont typeface="Arial"/>
+              <a:buNone/>
+            </a:pPr>
+            <a:r>
+              <a:rPr lang="en"/>
+              <a:t> </a:t>
+            </a:r>
+            <a:endParaRPr/>
+          </a:p>
+          <a:p>
+            <a:pPr indent="0" lvl="0" marL="0" rtl="0" algn="l">
+              <a:lnSpc>
+                <a:spcPct val="115000"/>
+              </a:lnSpc>
+              <a:spcBef>
+                <a:spcPts val="1200"/>
+              </a:spcBef>
+              <a:spcAft>
+                <a:spcPts val="0"/>
+              </a:spcAft>
+              <a:buClr>
+                <a:schemeClr val="dk1"/>
+              </a:buClr>
+              <a:buSzPts val="1100"/>
+              <a:buFont typeface="Arial"/>
+              <a:buNone/>
+            </a:pPr>
+            <a:r>
+              <a:rPr lang="en"/>
+              <a:t> Integration with Healthcare Systems:</a:t>
+            </a:r>
+            <a:endParaRPr/>
+          </a:p>
+          <a:p>
+            <a:pPr indent="0" lvl="0" marL="0" rtl="0" algn="l">
+              <a:lnSpc>
+                <a:spcPct val="115000"/>
+              </a:lnSpc>
+              <a:spcBef>
+                <a:spcPts val="1200"/>
+              </a:spcBef>
+              <a:spcAft>
+                <a:spcPts val="0"/>
+              </a:spcAft>
+              <a:buClr>
+                <a:schemeClr val="dk1"/>
+              </a:buClr>
+              <a:buSzPts val="1100"/>
+              <a:buFont typeface="Arial"/>
+              <a:buNone/>
+            </a:pPr>
+            <a:r>
+              <a:rPr lang="en"/>
+              <a:t>- Interoperability: Integrating machine learning models with existing healthcare systems and workflows can be challenging but is vital for practical implementation.</a:t>
+            </a:r>
+            <a:endParaRPr/>
+          </a:p>
+          <a:p>
+            <a:pPr indent="0" lvl="0" marL="0" rtl="0" algn="l">
+              <a:lnSpc>
+                <a:spcPct val="115000"/>
+              </a:lnSpc>
+              <a:spcBef>
+                <a:spcPts val="1200"/>
+              </a:spcBef>
+              <a:spcAft>
+                <a:spcPts val="0"/>
+              </a:spcAft>
+              <a:buClr>
+                <a:schemeClr val="dk1"/>
+              </a:buClr>
+              <a:buSzPts val="1100"/>
+              <a:buFont typeface="Arial"/>
+              <a:buNone/>
+            </a:pPr>
+            <a:r>
+              <a:rPr lang="en"/>
+              <a:t>- Continuous Learning: Models need continuous updating and validation with new data to remain effective and relevant.</a:t>
+            </a:r>
+            <a:endParaRPr/>
+          </a:p>
+          <a:p>
+            <a:pPr indent="0" lvl="0" marL="0" rtl="0" algn="l">
+              <a:lnSpc>
+                <a:spcPct val="115000"/>
+              </a:lnSpc>
+              <a:spcBef>
+                <a:spcPts val="1200"/>
+              </a:spcBef>
+              <a:spcAft>
+                <a:spcPts val="0"/>
+              </a:spcAft>
+              <a:buClr>
+                <a:schemeClr val="dk1"/>
+              </a:buClr>
+              <a:buSzPts val="1100"/>
+              <a:buFont typeface="Arial"/>
+              <a:buNone/>
+            </a:pPr>
+            <a:r>
+              <a:rPr lang="en"/>
+              <a:t> </a:t>
+            </a:r>
+            <a:endParaRPr/>
+          </a:p>
+          <a:p>
+            <a:pPr indent="0" lvl="0" marL="0" rtl="0" algn="l">
+              <a:lnSpc>
+                <a:spcPct val="115000"/>
+              </a:lnSpc>
+              <a:spcBef>
+                <a:spcPts val="1200"/>
+              </a:spcBef>
+              <a:spcAft>
+                <a:spcPts val="0"/>
+              </a:spcAft>
+              <a:buClr>
+                <a:schemeClr val="dk1"/>
+              </a:buClr>
+              <a:buSzPts val="1100"/>
+              <a:buFont typeface="Arial"/>
+              <a:buNone/>
+            </a:pPr>
+            <a:r>
+              <a:rPr lang="en"/>
+              <a:t> Educational and Psychological Aspects:</a:t>
+            </a:r>
+            <a:endParaRPr/>
+          </a:p>
+          <a:p>
+            <a:pPr indent="0" lvl="0" marL="0" rtl="0" algn="l">
+              <a:lnSpc>
+                <a:spcPct val="115000"/>
+              </a:lnSpc>
+              <a:spcBef>
+                <a:spcPts val="1200"/>
+              </a:spcBef>
+              <a:spcAft>
+                <a:spcPts val="0"/>
+              </a:spcAft>
+              <a:buClr>
+                <a:schemeClr val="dk1"/>
+              </a:buClr>
+              <a:buSzPts val="1100"/>
+              <a:buFont typeface="Arial"/>
+              <a:buNone/>
+            </a:pPr>
+            <a:r>
+              <a:rPr lang="en"/>
+              <a:t>- Patient Understanding: Clear communication with patients about how machine learning is used in their care is essential for trust and understanding.</a:t>
+            </a:r>
+            <a:endParaRPr/>
+          </a:p>
+          <a:p>
+            <a:pPr indent="0" lvl="0" marL="0" rtl="0" algn="l">
+              <a:lnSpc>
+                <a:spcPct val="115000"/>
+              </a:lnSpc>
+              <a:spcBef>
+                <a:spcPts val="1200"/>
+              </a:spcBef>
+              <a:spcAft>
+                <a:spcPts val="0"/>
+              </a:spcAft>
+              <a:buClr>
+                <a:schemeClr val="dk1"/>
+              </a:buClr>
+              <a:buSzPts val="1100"/>
+              <a:buFont typeface="Arial"/>
+              <a:buNone/>
+            </a:pPr>
+            <a:r>
+              <a:rPr lang="en"/>
+              <a:t>- Professional Development: Radiologists and healthcare professionals must be trained to work alongside AI systems, understanding their limitations and strengths.</a:t>
+            </a:r>
+            <a:endParaRPr/>
+          </a:p>
+          <a:p>
+            <a:pPr indent="0" lvl="0" marL="0" rtl="0" algn="l">
+              <a:lnSpc>
+                <a:spcPct val="115000"/>
+              </a:lnSpc>
+              <a:spcBef>
+                <a:spcPts val="1200"/>
+              </a:spcBef>
+              <a:spcAft>
+                <a:spcPts val="0"/>
+              </a:spcAft>
+              <a:buClr>
+                <a:schemeClr val="dk1"/>
+              </a:buClr>
+              <a:buSzPts val="1100"/>
+              <a:buFont typeface="Arial"/>
+              <a:buNone/>
+            </a:pPr>
+            <a:r>
+              <a:rPr lang="en"/>
+              <a:t> </a:t>
+            </a:r>
+            <a:endParaRPr/>
+          </a:p>
+          <a:p>
+            <a:pPr indent="0" lvl="0" marL="0" rtl="0" algn="l">
+              <a:lnSpc>
+                <a:spcPct val="115000"/>
+              </a:lnSpc>
+              <a:spcBef>
+                <a:spcPts val="1200"/>
+              </a:spcBef>
+              <a:spcAft>
+                <a:spcPts val="0"/>
+              </a:spcAft>
+              <a:buClr>
+                <a:schemeClr val="dk1"/>
+              </a:buClr>
+              <a:buSzPts val="1100"/>
+              <a:buFont typeface="Arial"/>
+              <a:buNone/>
+            </a:pPr>
+            <a:r>
+              <a:rPr lang="en"/>
+              <a:t>Research and Innovation:</a:t>
+            </a:r>
+            <a:endParaRPr/>
+          </a:p>
+          <a:p>
+            <a:pPr indent="0" lvl="0" marL="0" rtl="0" algn="l">
+              <a:lnSpc>
+                <a:spcPct val="115000"/>
+              </a:lnSpc>
+              <a:spcBef>
+                <a:spcPts val="1200"/>
+              </a:spcBef>
+              <a:spcAft>
+                <a:spcPts val="0"/>
+              </a:spcAft>
+              <a:buClr>
+                <a:schemeClr val="dk1"/>
+              </a:buClr>
+              <a:buSzPts val="1100"/>
+              <a:buFont typeface="Arial"/>
+              <a:buNone/>
+            </a:pPr>
+            <a:r>
+              <a:rPr lang="en"/>
+              <a:t>- New Insights: Analysis of large datasets can uncover new insights into breast cancer, contributing to research and development of new treatments.</a:t>
+            </a:r>
+            <a:endParaRPr/>
+          </a:p>
+          <a:p>
+            <a:pPr indent="0" lvl="0" marL="0" rtl="0" algn="l">
+              <a:lnSpc>
+                <a:spcPct val="115000"/>
+              </a:lnSpc>
+              <a:spcBef>
+                <a:spcPts val="1200"/>
+              </a:spcBef>
+              <a:spcAft>
+                <a:spcPts val="0"/>
+              </a:spcAft>
+              <a:buClr>
+                <a:schemeClr val="dk1"/>
+              </a:buClr>
+              <a:buSzPts val="1100"/>
+              <a:buFont typeface="Arial"/>
+              <a:buNone/>
+            </a:pPr>
+            <a:r>
+              <a:rPr lang="en"/>
+              <a:t>- Collaboration: The field encourages collaboration between medical professionals, data scientists, and engineers, fostering innovation.</a:t>
+            </a:r>
+            <a:endParaRPr/>
+          </a:p>
+          <a:p>
+            <a:pPr indent="0" lvl="0" marL="0" rtl="0" algn="l">
+              <a:lnSpc>
+                <a:spcPct val="115000"/>
+              </a:lnSpc>
+              <a:spcBef>
+                <a:spcPts val="1200"/>
+              </a:spcBef>
+              <a:spcAft>
+                <a:spcPts val="0"/>
+              </a:spcAft>
+              <a:buClr>
+                <a:schemeClr val="dk1"/>
+              </a:buClr>
+              <a:buSzPts val="1100"/>
+              <a:buFont typeface="Arial"/>
+              <a:buNone/>
+            </a:pPr>
+            <a:r>
+              <a:rPr lang="en"/>
+              <a:t> </a:t>
+            </a:r>
+            <a:endParaRPr/>
+          </a:p>
+          <a:p>
+            <a:pPr indent="0" lvl="0" marL="0" rtl="0" algn="l">
+              <a:lnSpc>
+                <a:spcPct val="115000"/>
+              </a:lnSpc>
+              <a:spcBef>
+                <a:spcPts val="1200"/>
+              </a:spcBef>
+              <a:spcAft>
+                <a:spcPts val="0"/>
+              </a:spcAft>
+              <a:buClr>
+                <a:schemeClr val="dk1"/>
+              </a:buClr>
+              <a:buSzPts val="1100"/>
+              <a:buFont typeface="Arial"/>
+              <a:buNone/>
+            </a:pPr>
+            <a:r>
+              <a:rPr lang="en"/>
+              <a:t> Conclusion:</a:t>
+            </a:r>
+            <a:endParaRPr/>
+          </a:p>
+          <a:p>
+            <a:pPr indent="0" lvl="0" marL="0" rtl="0" algn="l">
+              <a:lnSpc>
+                <a:spcPct val="115000"/>
+              </a:lnSpc>
+              <a:spcBef>
+                <a:spcPts val="1200"/>
+              </a:spcBef>
+              <a:spcAft>
+                <a:spcPts val="0"/>
+              </a:spcAft>
+              <a:buClr>
+                <a:schemeClr val="dk1"/>
+              </a:buClr>
+              <a:buSzPts val="1100"/>
+              <a:buFont typeface="Arial"/>
+              <a:buNone/>
+            </a:pPr>
+            <a:r>
+              <a:rPr lang="en"/>
+              <a:t>The application of computer vision and machine learning in breast cancer detection through mammograms represents a significant advancement in medical diagnostics. While offering the promise of improved accuracy, efficiency, and accessibility, it also brings challenges in integration, regulation, ethics, and education. Continuous research, collaboration, development, and careful consideration of these factors are essential to fully realize the benefits of this technology in breast cancer care.</a:t>
+            </a:r>
+            <a:endParaRPr/>
+          </a:p>
+          <a:p>
+            <a:pPr indent="0" lvl="0" marL="0" rtl="0" algn="l">
+              <a:spcBef>
+                <a:spcPts val="1200"/>
+              </a:spcBef>
+              <a:spcAft>
+                <a:spcPts val="0"/>
+              </a:spcAft>
+              <a:buNone/>
+            </a:pPr>
+            <a:r>
+              <a:t/>
+            </a:r>
+            <a:endParaRPr/>
+          </a:p>
+        </p:txBody>
+      </p:sp>
+    </p:spTree>
+  </p:cSld>
+  <p:clrMapOvr>
+    <a:masterClrMapping/>
+  </p:clrMapOvr>
+</p:notes>
+</file>
+
+<file path=ppt/notesSlides/notesSlide28.xml><?xml version="1.0" encoding="utf-8"?>
+<p:notes xmlns:a="http://schemas.openxmlformats.org/drawingml/2006/main" xmlns:r="http://schemas.openxmlformats.org/officeDocument/2006/relationships" xmlns:mc="http://schemas.openxmlformats.org/markup-compatibility/2006" xmlns:mv="urn:schemas-microsoft-com:mac:vml" xmlns:p="http://schemas.openxmlformats.org/presentationml/2006/main" xmlns:c="http://schemas.openxmlformats.org/drawingml/2006/chart" xmlns:dgm="http://schemas.openxmlformats.org/drawingml/2006/diagram" xmlns:o="urn:schemas-microsoft-com:office:office" xmlns:v="urn:schemas-microsoft-com:vml" xmlns:pvml="urn:schemas-microsoft-com:office:powerpoint" xmlns:com="http://schemas.openxmlformats.org/drawingml/2006/compatibility" xmlns:p14="http://schemas.microsoft.com/office/powerpoint/2010/main" xmlns:p15="http://schemas.microsoft.com/office/powerpoint/2012/main" xmlns:ahyp="http://schemas.microsoft.com/office/drawing/2018/hyperlinkcolor" showMasterPhAnim="0" showMasterSp="0">
+  <p:cSld>
+    <p:spTree>
+      <p:nvGrpSpPr>
+        <p:cNvPr id="243" name="Shape 243"/>
+        <p:cNvGrpSpPr/>
+        <p:nvPr/>
+      </p:nvGrpSpPr>
+      <p:grpSpPr>
+        <a:xfrm>
+          <a:off x="0" y="0"/>
+          <a:ext cx="0" cy="0"/>
+          <a:chOff x="0" y="0"/>
+          <a:chExt cx="0" cy="0"/>
+        </a:xfrm>
+      </p:grpSpPr>
+      <p:sp>
+        <p:nvSpPr>
+          <p:cNvPr id="244" name="Google Shape;244;g267fa7e41f7_0_27:notes"/>
+          <p:cNvSpPr/>
+          <p:nvPr>
+            <p:ph idx="2" type="sldImg"/>
+          </p:nvPr>
+        </p:nvSpPr>
+        <p:spPr>
+          <a:xfrm>
+            <a:off x="381300" y="685800"/>
+            <a:ext cx="6096000" cy="3429000"/>
+          </a:xfrm>
+          <a:custGeom>
+            <a:rect b="b" l="l" r="r" t="t"/>
+            <a:pathLst>
+              <a:path extrusionOk="0" h="120000" w="120000">
+                <a:moveTo>
+                  <a:pt x="0" y="0"/>
+                </a:moveTo>
+                <a:lnTo>
+                  <a:pt x="120000" y="0"/>
+                </a:lnTo>
+                <a:lnTo>
+                  <a:pt x="120000" y="120000"/>
+                </a:lnTo>
+                <a:lnTo>
+                  <a:pt x="0" y="120000"/>
+                </a:lnTo>
+                <a:close/>
+              </a:path>
+            </a:pathLst>
+          </a:custGeom>
+        </p:spPr>
+      </p:sp>
+      <p:sp>
+        <p:nvSpPr>
+          <p:cNvPr id="245" name="Google Shape;245;g267fa7e41f7_0_27:notes"/>
           <p:cNvSpPr txBox="1"/>
           <p:nvPr>
             <p:ph idx="1" type="body"/>
@@ -3259,7 +5356,7 @@
             </a:pPr>
             <a:r>
               <a:rPr lang="en"/>
-              <a:t>The purpose of this project is to develop and compare two distinct methods for predicting breast cancer in patients. The first approach will utilize Support Vector Machines (SVM), trained on structured tabular data containing patient medical histories, laboratory results, and other relevant information. The second approach will implement Convolutional Neural Networks (CNN), designed to analyze patient mammograms, which provide visual insights into potential cancerous growths. The ultimate goal is to compare the predictive accuracy of these two algorithms, identifying their respective strengths and weaknesses, and determining which method offers the most reliable and efficient prediction.</a:t>
+              <a:t>The purpose of this project is to develop and compare two distinct methods for predicting breast cancer in patients. The first approach will utilize Support Vector Machines (SVM’s), trained on structured tabular data containing patient medical histories, laboratory results, and other relevant information. The second approach will implement Convolutional Neural Networks (CNN’s), designed to analyze patient mammograms, which provide visual insights into potential cancerous growths. The ultimate goal is to compare the predictive accuracy of these two algorithms, identifying their respective strengths and weaknesses, and determining which method offers the most reliable and efficient prediction.</a:t>
             </a:r>
             <a:endParaRPr/>
           </a:p>
@@ -3478,7 +5575,7 @@
             </a:pPr>
             <a:r>
               <a:rPr lang="en"/>
-              <a:t>Now, here's where our methodology comes into play. We've divided this dataset into two main parts: a training set and a testing set. This division was guided by the BIRADS category, a standardized system to evaluate the images. Specifically, we allocated 20% of the cases for testing and the remaining 80% for training. It's important to note that this split was carried out separately for all mass cases and all calcification cases, allowing for a more refined and targeted analysis.</a:t>
+              <a:t>Now, here's where our methodology comes into play. We've divided this dataset into two main parts: a training set and a testing set. This division was guided by the BIRADS category, a standardized system to evaluate the images. Specifically, we allocated 20% of the cases for testing and the remaining 80% for training. It's important to note that this split was carried out separately for all mass cases and all calcification cases, allowing for a more refined and targeted analysis. In our case, we are using only the data pertaining to the abnormality type “mass” to identify lesions.</a:t>
             </a:r>
             <a:endParaRPr/>
           </a:p>
@@ -3864,7 +5961,7 @@
       </p:grpSpPr>
       <p:sp>
         <p:nvSpPr>
-          <p:cNvPr id="129" name="Google Shape;129;g25f0fc31a45_0_205:notes"/>
+          <p:cNvPr id="129" name="Google Shape;129;g26dcf2d24f4_1_4:notes"/>
           <p:cNvSpPr/>
           <p:nvPr>
             <p:ph idx="2" type="sldImg"/>
@@ -3899,7 +5996,7 @@
       </p:sp>
       <p:sp>
         <p:nvSpPr>
-          <p:cNvPr id="130" name="Google Shape;130;g25f0fc31a45_0_205:notes"/>
+          <p:cNvPr id="130" name="Google Shape;130;g26dcf2d24f4_1_4:notes"/>
           <p:cNvSpPr txBox="1"/>
           <p:nvPr>
             <p:ph idx="1" type="body"/>
@@ -3921,79 +6018,58 @@
           <a:lstStyle/>
           <a:p>
             <a:pPr indent="0" lvl="0" marL="0" rtl="0" algn="l">
-              <a:lnSpc>
-                <a:spcPct val="200000"/>
-              </a:lnSpc>
-              <a:spcBef>
-                <a:spcPts val="0"/>
-              </a:spcBef>
-              <a:spcAft>
-                <a:spcPts val="0"/>
-              </a:spcAft>
-              <a:buClr>
-                <a:schemeClr val="dk1"/>
-              </a:buClr>
-              <a:buSzPts val="1100"/>
-              <a:buFont typeface="Arial"/>
-              <a:buNone/>
-            </a:pPr>
-            <a:r>
-              <a:rPr lang="en" sz="1200">
-                <a:solidFill>
-                  <a:schemeClr val="dk1"/>
-                </a:solidFill>
-                <a:latin typeface="Tahoma"/>
-                <a:ea typeface="Tahoma"/>
-                <a:cs typeface="Tahoma"/>
-                <a:sym typeface="Tahoma"/>
-              </a:rPr>
-              <a:t>After combining the training and test data, unneeded columns were removed. This is because these features were more closely aligned to metadata than as determinants in breast cancer diagnosis. The values for abnormality type, in particular, were all “mass”, which is a given for the data that was being used, so this column was excluded.</a:t>
-            </a:r>
-            <a:endParaRPr sz="1200">
-              <a:solidFill>
-                <a:schemeClr val="dk1"/>
-              </a:solidFill>
-              <a:latin typeface="Tahoma"/>
-              <a:ea typeface="Tahoma"/>
-              <a:cs typeface="Tahoma"/>
-              <a:sym typeface="Tahoma"/>
-            </a:endParaRPr>
-          </a:p>
-          <a:p>
-            <a:pPr indent="457200" lvl="0" marL="0" rtl="0" algn="l">
-              <a:lnSpc>
-                <a:spcPct val="200000"/>
-              </a:lnSpc>
-              <a:spcBef>
-                <a:spcPts val="0"/>
-              </a:spcBef>
-              <a:spcAft>
-                <a:spcPts val="0"/>
-              </a:spcAft>
-              <a:buClr>
-                <a:schemeClr val="dk1"/>
-              </a:buClr>
-              <a:buSzPts val="1100"/>
-              <a:buFont typeface="Arial"/>
-              <a:buNone/>
-            </a:pPr>
-            <a:r>
-              <a:rPr lang="en" sz="1200">
-                <a:solidFill>
-                  <a:schemeClr val="dk1"/>
-                </a:solidFill>
-                <a:latin typeface="Tahoma"/>
-                <a:ea typeface="Tahoma"/>
-                <a:cs typeface="Tahoma"/>
-                <a:sym typeface="Tahoma"/>
-              </a:rPr>
-              <a:t>Rows with not-a-number (NaN) values were replaced with the mode of the feature that was associated with that NaN cell. After validating that there were no more NaN values in the data, one-hot encoding was applied to the categorical variables, which are left or right breast, image view, abnormality id, mass shape, mass margins. This encoding converts each categorical variable into a format that the model can train upon to improve prediction accuracy. </a:t>
-            </a:r>
-            <a:endParaRPr>
-              <a:solidFill>
-                <a:schemeClr val="dk1"/>
-              </a:solidFill>
-            </a:endParaRPr>
+              <a:spcBef>
+                <a:spcPts val="0"/>
+              </a:spcBef>
+              <a:spcAft>
+                <a:spcPts val="0"/>
+              </a:spcAft>
+              <a:buNone/>
+            </a:pPr>
+            <a:r>
+              <a:rPr lang="en"/>
+              <a:t>Support vector machines are supervised learning models in machine learning. In S.V.M., data is mapped to multiple dimensions in the feature space where a </a:t>
+            </a:r>
+            <a:r>
+              <a:rPr lang="en"/>
+              <a:t>separator</a:t>
+            </a:r>
+            <a:r>
+              <a:rPr lang="en"/>
+              <a:t>, or hyperplane, is optimized and separates the categories as best as it can. </a:t>
+            </a:r>
+            <a:endParaRPr/>
+          </a:p>
+          <a:p>
+            <a:pPr indent="0" lvl="0" marL="0" rtl="0" algn="l">
+              <a:spcBef>
+                <a:spcPts val="0"/>
+              </a:spcBef>
+              <a:spcAft>
+                <a:spcPts val="0"/>
+              </a:spcAft>
+              <a:buNone/>
+            </a:pPr>
+            <a:r>
+              <a:t/>
+            </a:r>
+            <a:endParaRPr/>
+          </a:p>
+          <a:p>
+            <a:pPr indent="0" lvl="0" marL="0" rtl="0" algn="l">
+              <a:spcBef>
+                <a:spcPts val="0"/>
+              </a:spcBef>
+              <a:spcAft>
+                <a:spcPts val="0"/>
+              </a:spcAft>
+              <a:buNone/>
+            </a:pPr>
+            <a:r>
+              <a:rPr lang="en"/>
+              <a:t>Support vector machines are commonly used in classification and regression on both linear and non-linear data.</a:t>
+            </a:r>
+            <a:endParaRPr/>
           </a:p>
         </p:txBody>
       </p:sp>
@@ -10529,7 +12605,7 @@
             </a:pPr>
             <a:r>
               <a:rPr lang="en"/>
-              <a:t>Features</a:t>
+              <a:t>Tabular Data Pre-Processing</a:t>
             </a:r>
             <a:endParaRPr/>
           </a:p>
@@ -10558,97 +12634,42 @@
           </a:bodyPr>
           <a:lstStyle/>
           <a:p>
-            <a:pPr indent="-342900" lvl="0" marL="457200" rtl="0" algn="l">
-              <a:spcBef>
-                <a:spcPts val="0"/>
-              </a:spcBef>
-              <a:spcAft>
-                <a:spcPts val="0"/>
-              </a:spcAft>
-              <a:buSzPts val="1800"/>
+            <a:pPr indent="-355600" lvl="0" marL="457200" rtl="0" algn="l">
+              <a:spcBef>
+                <a:spcPts val="0"/>
+              </a:spcBef>
+              <a:spcAft>
+                <a:spcPts val="0"/>
+              </a:spcAft>
+              <a:buSzPts val="2000"/>
               <a:buChar char="●"/>
             </a:pPr>
             <a:r>
-              <a:rPr b="1" lang="en" sz="1800"/>
-              <a:t>Target variable</a:t>
-            </a:r>
-            <a:endParaRPr b="1" sz="1800"/>
-          </a:p>
-          <a:p>
-            <a:pPr indent="-342900" lvl="1" marL="914400" rtl="0" algn="l">
-              <a:spcBef>
-                <a:spcPts val="0"/>
-              </a:spcBef>
-              <a:spcAft>
-                <a:spcPts val="0"/>
-              </a:spcAft>
-              <a:buClr>
-                <a:srgbClr val="000000"/>
-              </a:buClr>
-              <a:buSzPts val="1800"/>
-              <a:buChar char="○"/>
-            </a:pPr>
-            <a:r>
-              <a:rPr lang="en" sz="1800">
-                <a:solidFill>
-                  <a:srgbClr val="000000"/>
-                </a:solidFill>
-              </a:rPr>
-              <a:t>pathology: “BENIGN”, “MALIGNANT”, “BENIGN_WITHOUT_CALLBACK”</a:t>
-            </a:r>
-            <a:endParaRPr sz="1800">
-              <a:solidFill>
-                <a:srgbClr val="000000"/>
-              </a:solidFill>
-            </a:endParaRPr>
-          </a:p>
-          <a:p>
-            <a:pPr indent="-342900" lvl="0" marL="457200" rtl="0" algn="l">
-              <a:spcBef>
-                <a:spcPts val="0"/>
-              </a:spcBef>
-              <a:spcAft>
-                <a:spcPts val="0"/>
-              </a:spcAft>
-              <a:buSzPts val="1800"/>
+              <a:rPr lang="en" sz="2000"/>
+              <a:t>Removed unneeded columns: </a:t>
+            </a:r>
+            <a:r>
+              <a:rPr lang="en" sz="2000"/>
+              <a:t>patient_id, abnormality_type, image file path, cropped image file path, and ROI mask file path</a:t>
+            </a:r>
+            <a:endParaRPr sz="2000"/>
+          </a:p>
+          <a:p>
+            <a:pPr indent="-355600" lvl="0" marL="457200" rtl="0" algn="l">
+              <a:spcBef>
+                <a:spcPts val="0"/>
+              </a:spcBef>
+              <a:spcAft>
+                <a:spcPts val="0"/>
+              </a:spcAft>
+              <a:buSzPts val="2000"/>
               <a:buChar char="●"/>
             </a:pPr>
             <a:r>
-              <a:rPr b="1" lang="en" sz="1800"/>
-              <a:t>Explanatory variables:</a:t>
-            </a:r>
-            <a:endParaRPr b="1" sz="1800"/>
-          </a:p>
-          <a:p>
-            <a:pPr indent="-342900" lvl="1" marL="914400" rtl="0" algn="l">
-              <a:lnSpc>
-                <a:spcPct val="100000"/>
-              </a:lnSpc>
-              <a:spcBef>
-                <a:spcPts val="0"/>
-              </a:spcBef>
-              <a:spcAft>
-                <a:spcPts val="0"/>
-              </a:spcAft>
-              <a:buClr>
-                <a:srgbClr val="000000"/>
-              </a:buClr>
-              <a:buSzPts val="1800"/>
-              <a:buChar char="○"/>
-            </a:pPr>
-            <a:r>
-              <a:rPr lang="en" sz="1800">
-                <a:solidFill>
-                  <a:srgbClr val="000000"/>
-                </a:solidFill>
-              </a:rPr>
-              <a:t>breast density, left or right breast, image view, abnormality id, mass shape, mass margins, assessment, and subtlety</a:t>
-            </a:r>
-            <a:endParaRPr sz="1800">
-              <a:solidFill>
-                <a:srgbClr val="000000"/>
-              </a:solidFill>
-            </a:endParaRPr>
+              <a:rPr lang="en" sz="2000"/>
+              <a:t>Replace NaN with mode of corresponding feature</a:t>
+            </a:r>
+            <a:endParaRPr sz="2000"/>
           </a:p>
         </p:txBody>
       </p:sp>
@@ -10711,7 +12732,7 @@
             </a:pPr>
             <a:r>
               <a:rPr lang="en"/>
-              <a:t>Model Training</a:t>
+              <a:t>Features</a:t>
             </a:r>
             <a:endParaRPr/>
           </a:p>
@@ -10736,7 +12757,7 @@
         </p:spPr>
         <p:txBody>
           <a:bodyPr anchorCtr="0" anchor="t" bIns="91425" lIns="91425" spcFirstLastPara="1" rIns="91425" wrap="square" tIns="91425">
-            <a:normAutofit lnSpcReduction="10000"/>
+            <a:normAutofit/>
           </a:bodyPr>
           <a:lstStyle/>
           <a:p>
@@ -10748,13 +12769,41 @@
                 <a:spcPts val="0"/>
               </a:spcAft>
               <a:buSzPts val="1800"/>
-              <a:buAutoNum type="arabicPeriod"/>
-            </a:pPr>
-            <a:r>
-              <a:rPr lang="en" sz="1800"/>
-              <a:t>x_train, x_test, y_train, y_test was created from scikit-learn’s train_test_split with test size of 0.20</a:t>
-            </a:r>
-            <a:endParaRPr sz="1800"/>
+              <a:buChar char="●"/>
+            </a:pPr>
+            <a:r>
+              <a:rPr b="1" lang="en" sz="1800"/>
+              <a:t>Target variable</a:t>
+            </a:r>
+            <a:endParaRPr b="1" sz="1800"/>
+          </a:p>
+          <a:p>
+            <a:pPr indent="-342900" lvl="1" marL="914400" rtl="0" algn="l">
+              <a:spcBef>
+                <a:spcPts val="0"/>
+              </a:spcBef>
+              <a:spcAft>
+                <a:spcPts val="0"/>
+              </a:spcAft>
+              <a:buClr>
+                <a:srgbClr val="000000"/>
+              </a:buClr>
+              <a:buSzPts val="1800"/>
+              <a:buChar char="○"/>
+            </a:pPr>
+            <a:r>
+              <a:rPr lang="en" sz="1800">
+                <a:solidFill>
+                  <a:srgbClr val="000000"/>
+                </a:solidFill>
+              </a:rPr>
+              <a:t>pathology: “BENIGN”, “MALIGNANT”, “BENIGN_WITHOUT_CALLBACK”</a:t>
+            </a:r>
+            <a:endParaRPr sz="1800">
+              <a:solidFill>
+                <a:srgbClr val="000000"/>
+              </a:solidFill>
+            </a:endParaRPr>
           </a:p>
           <a:p>
             <a:pPr indent="-342900" lvl="0" marL="457200" rtl="0" algn="l">
@@ -10765,47 +12814,44 @@
                 <a:spcPts val="0"/>
               </a:spcAft>
               <a:buSzPts val="1800"/>
-              <a:buAutoNum type="arabicPeriod"/>
-            </a:pPr>
-            <a:r>
-              <a:rPr lang="en" sz="1800"/>
-              <a:t>Support Vector Classification (SVC) object used to predict the data points</a:t>
-            </a:r>
-            <a:endParaRPr sz="1800"/>
-          </a:p>
-          <a:p>
-            <a:pPr indent="-342900" lvl="0" marL="457200" rtl="0" algn="l">
-              <a:spcBef>
-                <a:spcPts val="0"/>
-              </a:spcBef>
-              <a:spcAft>
-                <a:spcPts val="0"/>
-              </a:spcAft>
+              <a:buChar char="●"/>
+            </a:pPr>
+            <a:r>
+              <a:rPr b="1" lang="en" sz="1800"/>
+              <a:t>Explanatory variables:</a:t>
+            </a:r>
+            <a:endParaRPr b="1" sz="1800"/>
+          </a:p>
+          <a:p>
+            <a:pPr indent="-342900" lvl="1" marL="914400" rtl="0" algn="l">
+              <a:lnSpc>
+                <a:spcPct val="100000"/>
+              </a:lnSpc>
+              <a:spcBef>
+                <a:spcPts val="0"/>
+              </a:spcBef>
+              <a:spcAft>
+                <a:spcPts val="0"/>
+              </a:spcAft>
+              <a:buClr>
+                <a:srgbClr val="000000"/>
+              </a:buClr>
               <a:buSzPts val="1800"/>
-              <a:buAutoNum type="arabicPeriod"/>
-            </a:pPr>
-            <a:r>
-              <a:rPr lang="en" sz="1800"/>
-              <a:t>Accuracy scores were calculated from the  predictions and y_test data</a:t>
-            </a:r>
-            <a:endParaRPr sz="1800"/>
-          </a:p>
-          <a:p>
-            <a:pPr indent="-342900" lvl="0" marL="457200" rtl="0" algn="l">
-              <a:spcBef>
-                <a:spcPts val="0"/>
-              </a:spcBef>
-              <a:spcAft>
-                <a:spcPts val="0"/>
-              </a:spcAft>
-              <a:buSzPts val="1800"/>
-              <a:buAutoNum type="arabicPeriod"/>
-            </a:pPr>
-            <a:r>
-              <a:rPr lang="en" sz="1800"/>
-              <a:t>Predictions and accuracy scores calculated 1000 times for score distribution</a:t>
-            </a:r>
-            <a:endParaRPr sz="1800"/>
+              <a:buChar char="○"/>
+            </a:pPr>
+            <a:r>
+              <a:rPr lang="en" sz="1800">
+                <a:solidFill>
+                  <a:srgbClr val="000000"/>
+                </a:solidFill>
+              </a:rPr>
+              <a:t>breast density, left or right breast, image view, abnormality id, mass shape, mass margins, assessment, and subtlety</a:t>
+            </a:r>
+            <a:endParaRPr sz="1800">
+              <a:solidFill>
+                <a:srgbClr val="000000"/>
+              </a:solidFill>
+            </a:endParaRPr>
           </a:p>
         </p:txBody>
       </p:sp>
@@ -10844,6 +12890,163 @@
         </p:nvSpPr>
         <p:spPr>
           <a:xfrm>
+            <a:off x="729450" y="1318650"/>
+            <a:ext cx="7688700" cy="535200"/>
+          </a:xfrm>
+          <a:prstGeom prst="rect">
+            <a:avLst/>
+          </a:prstGeom>
+        </p:spPr>
+        <p:txBody>
+          <a:bodyPr anchorCtr="0" anchor="t" bIns="91425" lIns="91425" spcFirstLastPara="1" rIns="91425" wrap="square" tIns="91425">
+            <a:normAutofit fontScale="90000"/>
+          </a:bodyPr>
+          <a:lstStyle/>
+          <a:p>
+            <a:pPr indent="0" lvl="0" marL="0" rtl="0" algn="l">
+              <a:spcBef>
+                <a:spcPts val="0"/>
+              </a:spcBef>
+              <a:spcAft>
+                <a:spcPts val="0"/>
+              </a:spcAft>
+              <a:buNone/>
+            </a:pPr>
+            <a:r>
+              <a:rPr lang="en"/>
+              <a:t>Model Training</a:t>
+            </a:r>
+            <a:endParaRPr/>
+          </a:p>
+        </p:txBody>
+      </p:sp>
+      <p:sp>
+        <p:nvSpPr>
+          <p:cNvPr id="151" name="Google Shape;151;p24"/>
+          <p:cNvSpPr txBox="1"/>
+          <p:nvPr>
+            <p:ph idx="1" type="body"/>
+          </p:nvPr>
+        </p:nvSpPr>
+        <p:spPr>
+          <a:xfrm>
+            <a:off x="729450" y="2078875"/>
+            <a:ext cx="7688700" cy="2261100"/>
+          </a:xfrm>
+          <a:prstGeom prst="rect">
+            <a:avLst/>
+          </a:prstGeom>
+        </p:spPr>
+        <p:txBody>
+          <a:bodyPr anchorCtr="0" anchor="t" bIns="91425" lIns="91425" spcFirstLastPara="1" rIns="91425" wrap="square" tIns="91425">
+            <a:normAutofit lnSpcReduction="10000"/>
+          </a:bodyPr>
+          <a:lstStyle/>
+          <a:p>
+            <a:pPr indent="-342900" lvl="0" marL="457200" rtl="0" algn="l">
+              <a:spcBef>
+                <a:spcPts val="0"/>
+              </a:spcBef>
+              <a:spcAft>
+                <a:spcPts val="0"/>
+              </a:spcAft>
+              <a:buSzPts val="1800"/>
+              <a:buAutoNum type="arabicPeriod"/>
+            </a:pPr>
+            <a:r>
+              <a:rPr lang="en" sz="1800"/>
+              <a:t>x_train, x_test, y_train, y_test was created from scikit-learn’s train_test_split with test size of 0.20</a:t>
+            </a:r>
+            <a:endParaRPr sz="1800"/>
+          </a:p>
+          <a:p>
+            <a:pPr indent="-342900" lvl="0" marL="457200" rtl="0" algn="l">
+              <a:spcBef>
+                <a:spcPts val="0"/>
+              </a:spcBef>
+              <a:spcAft>
+                <a:spcPts val="0"/>
+              </a:spcAft>
+              <a:buSzPts val="1800"/>
+              <a:buAutoNum type="arabicPeriod"/>
+            </a:pPr>
+            <a:r>
+              <a:rPr lang="en" sz="1800"/>
+              <a:t>Support Vector Classification (SVC) object used to predict the data points</a:t>
+            </a:r>
+            <a:endParaRPr sz="1800"/>
+          </a:p>
+          <a:p>
+            <a:pPr indent="-342900" lvl="0" marL="457200" rtl="0" algn="l">
+              <a:spcBef>
+                <a:spcPts val="0"/>
+              </a:spcBef>
+              <a:spcAft>
+                <a:spcPts val="0"/>
+              </a:spcAft>
+              <a:buSzPts val="1800"/>
+              <a:buAutoNum type="arabicPeriod"/>
+            </a:pPr>
+            <a:r>
+              <a:rPr lang="en" sz="1800"/>
+              <a:t>Accuracy scores were calculated from the  predictions and y_test data</a:t>
+            </a:r>
+            <a:endParaRPr sz="1800"/>
+          </a:p>
+          <a:p>
+            <a:pPr indent="-342900" lvl="0" marL="457200" rtl="0" algn="l">
+              <a:spcBef>
+                <a:spcPts val="0"/>
+              </a:spcBef>
+              <a:spcAft>
+                <a:spcPts val="0"/>
+              </a:spcAft>
+              <a:buSzPts val="1800"/>
+              <a:buAutoNum type="arabicPeriod"/>
+            </a:pPr>
+            <a:r>
+              <a:rPr lang="en" sz="1800"/>
+              <a:t>Predictions and accuracy scores calculated 1000 times for score distribution</a:t>
+            </a:r>
+            <a:endParaRPr sz="1800"/>
+          </a:p>
+        </p:txBody>
+      </p:sp>
+    </p:spTree>
+  </p:cSld>
+  <p:clrMapOvr>
+    <a:masterClrMapping/>
+  </p:clrMapOvr>
+</p:sld>
+</file>
+
+<file path=ppt/slides/slide13.xml><?xml version="1.0" encoding="utf-8"?>
+<p:sld xmlns:a="http://schemas.openxmlformats.org/drawingml/2006/main" xmlns:r="http://schemas.openxmlformats.org/officeDocument/2006/relationships" xmlns:mc="http://schemas.openxmlformats.org/markup-compatibility/2006" xmlns:mv="urn:schemas-microsoft-com:mac:vml" xmlns:p="http://schemas.openxmlformats.org/presentationml/2006/main" xmlns:c="http://schemas.openxmlformats.org/drawingml/2006/chart" xmlns:dgm="http://schemas.openxmlformats.org/drawingml/2006/diagram" xmlns:o="urn:schemas-microsoft-com:office:office" xmlns:v="urn:schemas-microsoft-com:vml" xmlns:pvml="urn:schemas-microsoft-com:office:powerpoint" xmlns:com="http://schemas.openxmlformats.org/drawingml/2006/compatibility" xmlns:p14="http://schemas.microsoft.com/office/powerpoint/2010/main" xmlns:p15="http://schemas.microsoft.com/office/powerpoint/2012/main" xmlns:ahyp="http://schemas.microsoft.com/office/drawing/2018/hyperlinkcolor">
+  <p:cSld>
+    <p:spTree>
+      <p:nvGrpSpPr>
+        <p:cNvPr id="155" name="Shape 155"/>
+        <p:cNvGrpSpPr/>
+        <p:nvPr/>
+      </p:nvGrpSpPr>
+      <p:grpSpPr>
+        <a:xfrm>
+          <a:off x="0" y="0"/>
+          <a:ext cx="0" cy="0"/>
+          <a:chOff x="0" y="0"/>
+          <a:chExt cx="0" cy="0"/>
+        </a:xfrm>
+      </p:grpSpPr>
+      <p:sp>
+        <p:nvSpPr>
+          <p:cNvPr id="156" name="Google Shape;156;p25"/>
+          <p:cNvSpPr txBox="1"/>
+          <p:nvPr>
+            <p:ph type="title"/>
+          </p:nvPr>
+        </p:nvSpPr>
+        <p:spPr>
+          <a:xfrm>
             <a:off x="730000" y="1318650"/>
             <a:ext cx="3300900" cy="1687200"/>
           </a:xfrm>
@@ -10876,7 +13079,7 @@
       </p:sp>
       <p:sp>
         <p:nvSpPr>
-          <p:cNvPr id="151" name="Google Shape;151;p24"/>
+          <p:cNvPr id="157" name="Google Shape;157;p25"/>
           <p:cNvSpPr txBox="1"/>
           <p:nvPr>
             <p:ph idx="2" type="body"/>
@@ -10915,7 +13118,7 @@
       </p:sp>
       <p:pic>
         <p:nvPicPr>
-          <p:cNvPr id="152" name="Google Shape;152;p24"/>
+          <p:cNvPr id="158" name="Google Shape;158;p25"/>
           <p:cNvPicPr preferRelativeResize="0"/>
           <p:nvPr/>
         </p:nvPicPr>
@@ -10942,7 +13145,7 @@
       </p:pic>
       <p:sp>
         <p:nvSpPr>
-          <p:cNvPr id="153" name="Google Shape;153;p24"/>
+          <p:cNvPr id="159" name="Google Shape;159;p25"/>
           <p:cNvSpPr txBox="1"/>
           <p:nvPr>
             <p:ph idx="1" type="subTitle"/>
@@ -10977,180 +13180,6 @@
               <a:t>Distribution Histogram</a:t>
             </a:r>
             <a:endParaRPr/>
-          </a:p>
-        </p:txBody>
-      </p:sp>
-    </p:spTree>
-  </p:cSld>
-  <p:clrMapOvr>
-    <a:masterClrMapping/>
-  </p:clrMapOvr>
-</p:sld>
-</file>
-
-<file path=ppt/slides/slide13.xml><?xml version="1.0" encoding="utf-8"?>
-<p:sld xmlns:a="http://schemas.openxmlformats.org/drawingml/2006/main" xmlns:r="http://schemas.openxmlformats.org/officeDocument/2006/relationships" xmlns:mc="http://schemas.openxmlformats.org/markup-compatibility/2006" xmlns:mv="urn:schemas-microsoft-com:mac:vml" xmlns:p="http://schemas.openxmlformats.org/presentationml/2006/main" xmlns:c="http://schemas.openxmlformats.org/drawingml/2006/chart" xmlns:dgm="http://schemas.openxmlformats.org/drawingml/2006/diagram" xmlns:o="urn:schemas-microsoft-com:office:office" xmlns:v="urn:schemas-microsoft-com:vml" xmlns:pvml="urn:schemas-microsoft-com:office:powerpoint" xmlns:com="http://schemas.openxmlformats.org/drawingml/2006/compatibility" xmlns:p14="http://schemas.microsoft.com/office/powerpoint/2010/main" xmlns:p15="http://schemas.microsoft.com/office/powerpoint/2012/main" xmlns:ahyp="http://schemas.microsoft.com/office/drawing/2018/hyperlinkcolor">
-  <p:cSld>
-    <p:spTree>
-      <p:nvGrpSpPr>
-        <p:cNvPr id="157" name="Shape 157"/>
-        <p:cNvGrpSpPr/>
-        <p:nvPr/>
-      </p:nvGrpSpPr>
-      <p:grpSpPr>
-        <a:xfrm>
-          <a:off x="0" y="0"/>
-          <a:ext cx="0" cy="0"/>
-          <a:chOff x="0" y="0"/>
-          <a:chExt cx="0" cy="0"/>
-        </a:xfrm>
-      </p:grpSpPr>
-      <p:sp>
-        <p:nvSpPr>
-          <p:cNvPr id="158" name="Google Shape;158;p25"/>
-          <p:cNvSpPr txBox="1"/>
-          <p:nvPr>
-            <p:ph type="title"/>
-          </p:nvPr>
-        </p:nvSpPr>
-        <p:spPr>
-          <a:xfrm>
-            <a:off x="729450" y="1318650"/>
-            <a:ext cx="7688700" cy="535200"/>
-          </a:xfrm>
-          <a:prstGeom prst="rect">
-            <a:avLst/>
-          </a:prstGeom>
-        </p:spPr>
-        <p:txBody>
-          <a:bodyPr anchorCtr="0" anchor="t" bIns="91425" lIns="91425" spcFirstLastPara="1" rIns="91425" wrap="square" tIns="91425">
-            <a:normAutofit fontScale="90000"/>
-          </a:bodyPr>
-          <a:lstStyle/>
-          <a:p>
-            <a:pPr indent="0" lvl="0" marL="0" rtl="0" algn="l">
-              <a:spcBef>
-                <a:spcPts val="0"/>
-              </a:spcBef>
-              <a:spcAft>
-                <a:spcPts val="0"/>
-              </a:spcAft>
-              <a:buNone/>
-            </a:pPr>
-            <a:r>
-              <a:rPr lang="en"/>
-              <a:t>Discussion &amp; Results (2/2)</a:t>
-            </a:r>
-            <a:endParaRPr/>
-          </a:p>
-        </p:txBody>
-      </p:sp>
-      <p:sp>
-        <p:nvSpPr>
-          <p:cNvPr id="159" name="Google Shape;159;p25"/>
-          <p:cNvSpPr txBox="1"/>
-          <p:nvPr>
-            <p:ph idx="1" type="body"/>
-          </p:nvPr>
-        </p:nvSpPr>
-        <p:spPr>
-          <a:xfrm>
-            <a:off x="729450" y="2078875"/>
-            <a:ext cx="7688700" cy="2261100"/>
-          </a:xfrm>
-          <a:prstGeom prst="rect">
-            <a:avLst/>
-          </a:prstGeom>
-        </p:spPr>
-        <p:txBody>
-          <a:bodyPr anchorCtr="0" anchor="t" bIns="91425" lIns="91425" spcFirstLastPara="1" rIns="91425" wrap="square" tIns="91425">
-            <a:normAutofit/>
-          </a:bodyPr>
-          <a:lstStyle/>
-          <a:p>
-            <a:pPr indent="-355600" lvl="0" marL="457200" rtl="0" algn="l">
-              <a:spcBef>
-                <a:spcPts val="0"/>
-              </a:spcBef>
-              <a:spcAft>
-                <a:spcPts val="0"/>
-              </a:spcAft>
-              <a:buSzPts val="2000"/>
-              <a:buAutoNum type="arabicPeriod"/>
-            </a:pPr>
-            <a:r>
-              <a:rPr lang="en" sz="2000"/>
-              <a:t>Mean accuracy score = 0.78</a:t>
-            </a:r>
-            <a:endParaRPr sz="2000"/>
-          </a:p>
-          <a:p>
-            <a:pPr indent="-355600" lvl="0" marL="457200" rtl="0" algn="l">
-              <a:spcBef>
-                <a:spcPts val="0"/>
-              </a:spcBef>
-              <a:spcAft>
-                <a:spcPts val="0"/>
-              </a:spcAft>
-              <a:buSzPts val="2000"/>
-              <a:buAutoNum type="arabicPeriod"/>
-            </a:pPr>
-            <a:r>
-              <a:rPr lang="en" sz="2000"/>
-              <a:t>Standard deviation = 0.02</a:t>
-            </a:r>
-            <a:endParaRPr sz="2000"/>
-          </a:p>
-          <a:p>
-            <a:pPr indent="-355600" lvl="0" marL="457200" rtl="0" algn="l">
-              <a:spcBef>
-                <a:spcPts val="0"/>
-              </a:spcBef>
-              <a:spcAft>
-                <a:spcPts val="0"/>
-              </a:spcAft>
-              <a:buSzPts val="2000"/>
-              <a:buAutoNum type="arabicPeriod"/>
-            </a:pPr>
-            <a:r>
-              <a:rPr lang="en" sz="2000"/>
-              <a:t>Median = 0.78</a:t>
-            </a:r>
-            <a:endParaRPr sz="2000"/>
-          </a:p>
-          <a:p>
-            <a:pPr indent="-355600" lvl="0" marL="457200" rtl="0" algn="l">
-              <a:spcBef>
-                <a:spcPts val="0"/>
-              </a:spcBef>
-              <a:spcAft>
-                <a:spcPts val="0"/>
-              </a:spcAft>
-              <a:buSzPts val="2000"/>
-              <a:buAutoNum type="arabicPeriod"/>
-            </a:pPr>
-            <a:r>
-              <a:rPr lang="en" sz="2000"/>
-              <a:t>Minimum accuracy score reached = 0.71</a:t>
-            </a:r>
-            <a:endParaRPr sz="2000"/>
-          </a:p>
-          <a:p>
-            <a:pPr indent="-355600" lvl="0" marL="457200" rtl="0" algn="l">
-              <a:spcBef>
-                <a:spcPts val="0"/>
-              </a:spcBef>
-              <a:spcAft>
-                <a:spcPts val="0"/>
-              </a:spcAft>
-              <a:buSzPts val="2000"/>
-              <a:buAutoNum type="arabicPeriod"/>
-            </a:pPr>
-            <a:r>
-              <a:rPr lang="en" sz="2000"/>
-              <a:t>Maximum accuracy score reached = 0.84</a:t>
-            </a:r>
-            <a:endParaRPr sz="2000"/>
           </a:p>
         </p:txBody>
       </p:sp>
@@ -11189,71 +13218,6 @@
         </p:nvSpPr>
         <p:spPr>
           <a:xfrm>
-            <a:off x="729450" y="1322450"/>
-            <a:ext cx="7688400" cy="1518600"/>
-          </a:xfrm>
-          <a:prstGeom prst="rect">
-            <a:avLst/>
-          </a:prstGeom>
-        </p:spPr>
-        <p:txBody>
-          <a:bodyPr anchorCtr="0" anchor="t" bIns="91425" lIns="91425" spcFirstLastPara="1" rIns="91425" wrap="square" tIns="91425">
-            <a:normAutofit/>
-          </a:bodyPr>
-          <a:lstStyle/>
-          <a:p>
-            <a:pPr indent="0" lvl="0" marL="0" rtl="0" algn="l">
-              <a:spcBef>
-                <a:spcPts val="0"/>
-              </a:spcBef>
-              <a:spcAft>
-                <a:spcPts val="0"/>
-              </a:spcAft>
-              <a:buNone/>
-            </a:pPr>
-            <a:r>
-              <a:rPr lang="en"/>
-              <a:t>Convolutional Neural Network</a:t>
-            </a:r>
-            <a:endParaRPr/>
-          </a:p>
-        </p:txBody>
-      </p:sp>
-    </p:spTree>
-  </p:cSld>
-  <p:clrMapOvr>
-    <a:masterClrMapping/>
-  </p:clrMapOvr>
-</p:sld>
-</file>
-
-<file path=ppt/slides/slide15.xml><?xml version="1.0" encoding="utf-8"?>
-<p:sld xmlns:a="http://schemas.openxmlformats.org/drawingml/2006/main" xmlns:r="http://schemas.openxmlformats.org/officeDocument/2006/relationships" xmlns:mc="http://schemas.openxmlformats.org/markup-compatibility/2006" xmlns:mv="urn:schemas-microsoft-com:mac:vml" xmlns:p="http://schemas.openxmlformats.org/presentationml/2006/main" xmlns:c="http://schemas.openxmlformats.org/drawingml/2006/chart" xmlns:dgm="http://schemas.openxmlformats.org/drawingml/2006/diagram" xmlns:o="urn:schemas-microsoft-com:office:office" xmlns:v="urn:schemas-microsoft-com:vml" xmlns:pvml="urn:schemas-microsoft-com:office:powerpoint" xmlns:com="http://schemas.openxmlformats.org/drawingml/2006/compatibility" xmlns:p14="http://schemas.microsoft.com/office/powerpoint/2010/main" xmlns:p15="http://schemas.microsoft.com/office/powerpoint/2012/main" xmlns:ahyp="http://schemas.microsoft.com/office/drawing/2018/hyperlinkcolor">
-  <p:cSld>
-    <p:spTree>
-      <p:nvGrpSpPr>
-        <p:cNvPr id="168" name="Shape 168"/>
-        <p:cNvGrpSpPr/>
-        <p:nvPr/>
-      </p:nvGrpSpPr>
-      <p:grpSpPr>
-        <a:xfrm>
-          <a:off x="0" y="0"/>
-          <a:ext cx="0" cy="0"/>
-          <a:chOff x="0" y="0"/>
-          <a:chExt cx="0" cy="0"/>
-        </a:xfrm>
-      </p:grpSpPr>
-      <p:sp>
-        <p:nvSpPr>
-          <p:cNvPr id="169" name="Google Shape;169;p27"/>
-          <p:cNvSpPr txBox="1"/>
-          <p:nvPr>
-            <p:ph type="title"/>
-          </p:nvPr>
-        </p:nvSpPr>
-        <p:spPr>
-          <a:xfrm>
             <a:off x="729450" y="1318650"/>
             <a:ext cx="7688700" cy="535200"/>
           </a:xfrm>
@@ -11278,11 +13242,7 @@
             </a:pPr>
             <a:r>
               <a:rPr lang="en"/>
-              <a:t>Image </a:t>
-            </a:r>
-            <a:r>
-              <a:rPr lang="en"/>
-              <a:t>Pre-Processing</a:t>
+              <a:t>Discussion &amp; Results (2/2)</a:t>
             </a:r>
             <a:endParaRPr/>
           </a:p>
@@ -11290,7 +13250,7 @@
       </p:sp>
       <p:sp>
         <p:nvSpPr>
-          <p:cNvPr id="170" name="Google Shape;170;p27"/>
+          <p:cNvPr id="165" name="Google Shape;165;p26"/>
           <p:cNvSpPr txBox="1"/>
           <p:nvPr>
             <p:ph idx="1" type="body"/>
@@ -11307,124 +13267,158 @@
         </p:spPr>
         <p:txBody>
           <a:bodyPr anchorCtr="0" anchor="t" bIns="91425" lIns="91425" spcFirstLastPara="1" rIns="91425" wrap="square" tIns="91425">
-            <a:normAutofit fontScale="92500"/>
+            <a:normAutofit/>
           </a:bodyPr>
           <a:lstStyle/>
           <a:p>
-            <a:pPr indent="-334327" lvl="0" marL="457200" rtl="0" algn="l">
-              <a:spcBef>
-                <a:spcPts val="0"/>
-              </a:spcBef>
-              <a:spcAft>
-                <a:spcPts val="0"/>
-              </a:spcAft>
-              <a:buSzPct val="100000"/>
+            <a:pPr indent="-355600" lvl="0" marL="457200" rtl="0" algn="l">
+              <a:spcBef>
+                <a:spcPts val="0"/>
+              </a:spcBef>
+              <a:spcAft>
+                <a:spcPts val="0"/>
+              </a:spcAft>
+              <a:buSzPts val="2000"/>
               <a:buAutoNum type="arabicPeriod"/>
             </a:pPr>
             <a:r>
-              <a:rPr lang="en" sz="1800"/>
-              <a:t>Conversion of DICOM images to jpg</a:t>
-            </a:r>
-            <a:endParaRPr sz="1800"/>
-          </a:p>
-          <a:p>
-            <a:pPr indent="-334327" lvl="0" marL="457200" rtl="0" algn="l">
-              <a:spcBef>
-                <a:spcPts val="0"/>
-              </a:spcBef>
-              <a:spcAft>
-                <a:spcPts val="0"/>
-              </a:spcAft>
-              <a:buSzPct val="100000"/>
+              <a:rPr lang="en" sz="2000"/>
+              <a:t>Mean accuracy score = 0.78</a:t>
+            </a:r>
+            <a:endParaRPr sz="2000"/>
+          </a:p>
+          <a:p>
+            <a:pPr indent="-355600" lvl="0" marL="457200" rtl="0" algn="l">
+              <a:spcBef>
+                <a:spcPts val="0"/>
+              </a:spcBef>
+              <a:spcAft>
+                <a:spcPts val="0"/>
+              </a:spcAft>
+              <a:buSzPts val="2000"/>
               <a:buAutoNum type="arabicPeriod"/>
             </a:pPr>
             <a:r>
-              <a:rPr lang="en" sz="1800"/>
-              <a:t>Three directories of labeled images ( Training, Validation, and Test)</a:t>
-            </a:r>
-            <a:endParaRPr sz="1800"/>
-          </a:p>
-          <a:p>
-            <a:pPr indent="-334327" lvl="0" marL="457200" rtl="0" algn="l">
-              <a:spcBef>
-                <a:spcPts val="0"/>
-              </a:spcBef>
-              <a:spcAft>
-                <a:spcPts val="0"/>
-              </a:spcAft>
-              <a:buSzPct val="100000"/>
+              <a:rPr lang="en" sz="2000"/>
+              <a:t>Standard deviation = 0.02</a:t>
+            </a:r>
+            <a:endParaRPr sz="2000"/>
+          </a:p>
+          <a:p>
+            <a:pPr indent="-355600" lvl="0" marL="457200" rtl="0" algn="l">
+              <a:spcBef>
+                <a:spcPts val="0"/>
+              </a:spcBef>
+              <a:spcAft>
+                <a:spcPts val="0"/>
+              </a:spcAft>
+              <a:buSzPts val="2000"/>
               <a:buAutoNum type="arabicPeriod"/>
             </a:pPr>
             <a:r>
-              <a:rPr lang="en" sz="1800"/>
-              <a:t>Each directory contains 3 subfolders of labelled jpg </a:t>
-            </a:r>
-            <a:r>
-              <a:rPr lang="en" sz="1800"/>
-              <a:t>images</a:t>
-            </a:r>
-            <a:r>
-              <a:rPr lang="en" sz="1800"/>
-              <a:t> (Benign, </a:t>
-            </a:r>
-            <a:r>
-              <a:rPr lang="en" sz="1800"/>
-              <a:t>malignant</a:t>
-            </a:r>
-            <a:r>
-              <a:rPr lang="en" sz="1800"/>
-              <a:t>, Benign call back )</a:t>
-            </a:r>
-            <a:endParaRPr sz="1800"/>
-          </a:p>
-          <a:p>
-            <a:pPr indent="-334327" lvl="0" marL="457200" rtl="0" algn="l">
-              <a:spcBef>
-                <a:spcPts val="0"/>
-              </a:spcBef>
-              <a:spcAft>
-                <a:spcPts val="0"/>
-              </a:spcAft>
-              <a:buSzPct val="100000"/>
+              <a:rPr lang="en" sz="2000"/>
+              <a:t>Median = 0.78</a:t>
+            </a:r>
+            <a:endParaRPr sz="2000"/>
+          </a:p>
+          <a:p>
+            <a:pPr indent="-355600" lvl="0" marL="457200" rtl="0" algn="l">
+              <a:spcBef>
+                <a:spcPts val="0"/>
+              </a:spcBef>
+              <a:spcAft>
+                <a:spcPts val="0"/>
+              </a:spcAft>
+              <a:buSzPts val="2000"/>
               <a:buAutoNum type="arabicPeriod"/>
             </a:pPr>
             <a:r>
-              <a:rPr lang="en" sz="1800"/>
-              <a:t>Image size  = 128/ 128</a:t>
-            </a:r>
-            <a:endParaRPr sz="1800"/>
-          </a:p>
-          <a:p>
-            <a:pPr indent="-334327" lvl="0" marL="457200" rtl="0" algn="l">
-              <a:spcBef>
-                <a:spcPts val="0"/>
-              </a:spcBef>
-              <a:spcAft>
-                <a:spcPts val="0"/>
-              </a:spcAft>
-              <a:buSzPct val="100000"/>
+              <a:rPr lang="en" sz="2000"/>
+              <a:t>Minimum accuracy score reached = 0.71</a:t>
+            </a:r>
+            <a:endParaRPr sz="2000"/>
+          </a:p>
+          <a:p>
+            <a:pPr indent="-355600" lvl="0" marL="457200" rtl="0" algn="l">
+              <a:spcBef>
+                <a:spcPts val="0"/>
+              </a:spcBef>
+              <a:spcAft>
+                <a:spcPts val="0"/>
+              </a:spcAft>
+              <a:buSzPts val="2000"/>
               <a:buAutoNum type="arabicPeriod"/>
             </a:pPr>
             <a:r>
-              <a:rPr lang="en" sz="1800"/>
-              <a:t>Class labels = ['BENIGN', 'MALIGNANT', 'BENIGN_WITHOUT_CALLBACK']</a:t>
-            </a:r>
-            <a:endParaRPr sz="1800"/>
-          </a:p>
+              <a:rPr lang="en" sz="2000"/>
+              <a:t>Maximum accuracy score reached = 0.84</a:t>
+            </a:r>
+            <a:endParaRPr sz="2000"/>
+          </a:p>
+        </p:txBody>
+      </p:sp>
+    </p:spTree>
+  </p:cSld>
+  <p:clrMapOvr>
+    <a:masterClrMapping/>
+  </p:clrMapOvr>
+</p:sld>
+</file>
+
+<file path=ppt/slides/slide15.xml><?xml version="1.0" encoding="utf-8"?>
+<p:sld xmlns:a="http://schemas.openxmlformats.org/drawingml/2006/main" xmlns:r="http://schemas.openxmlformats.org/officeDocument/2006/relationships" xmlns:mc="http://schemas.openxmlformats.org/markup-compatibility/2006" xmlns:mv="urn:schemas-microsoft-com:mac:vml" xmlns:p="http://schemas.openxmlformats.org/presentationml/2006/main" xmlns:c="http://schemas.openxmlformats.org/drawingml/2006/chart" xmlns:dgm="http://schemas.openxmlformats.org/drawingml/2006/diagram" xmlns:o="urn:schemas-microsoft-com:office:office" xmlns:v="urn:schemas-microsoft-com:vml" xmlns:pvml="urn:schemas-microsoft-com:office:powerpoint" xmlns:com="http://schemas.openxmlformats.org/drawingml/2006/compatibility" xmlns:p14="http://schemas.microsoft.com/office/powerpoint/2010/main" xmlns:p15="http://schemas.microsoft.com/office/powerpoint/2012/main" xmlns:ahyp="http://schemas.microsoft.com/office/drawing/2018/hyperlinkcolor">
+  <p:cSld>
+    <p:spTree>
+      <p:nvGrpSpPr>
+        <p:cNvPr id="169" name="Shape 169"/>
+        <p:cNvGrpSpPr/>
+        <p:nvPr/>
+      </p:nvGrpSpPr>
+      <p:grpSpPr>
+        <a:xfrm>
+          <a:off x="0" y="0"/>
+          <a:ext cx="0" cy="0"/>
+          <a:chOff x="0" y="0"/>
+          <a:chExt cx="0" cy="0"/>
+        </a:xfrm>
+      </p:grpSpPr>
+      <p:sp>
+        <p:nvSpPr>
+          <p:cNvPr id="170" name="Google Shape;170;p27"/>
+          <p:cNvSpPr txBox="1"/>
+          <p:nvPr>
+            <p:ph type="title"/>
+          </p:nvPr>
+        </p:nvSpPr>
+        <p:spPr>
+          <a:xfrm>
+            <a:off x="729450" y="1322450"/>
+            <a:ext cx="7688400" cy="1518600"/>
+          </a:xfrm>
+          <a:prstGeom prst="rect">
+            <a:avLst/>
+          </a:prstGeom>
+        </p:spPr>
+        <p:txBody>
+          <a:bodyPr anchorCtr="0" anchor="t" bIns="91425" lIns="91425" spcFirstLastPara="1" rIns="91425" wrap="square" tIns="91425">
+            <a:normAutofit/>
+          </a:bodyPr>
+          <a:lstStyle/>
           <a:p>
             <a:pPr indent="0" lvl="0" marL="0" rtl="0" algn="l">
               <a:spcBef>
                 <a:spcPts val="0"/>
               </a:spcBef>
               <a:spcAft>
-                <a:spcPts val="1200"/>
-              </a:spcAft>
-              <a:buNone/>
-            </a:pPr>
-            <a:r>
-              <a:t/>
-            </a:r>
-            <a:endParaRPr sz="1800"/>
+                <a:spcPts val="0"/>
+              </a:spcAft>
+              <a:buNone/>
+            </a:pPr>
+            <a:r>
+              <a:rPr lang="en"/>
+              <a:t>Convolutional Neural Network</a:t>
+            </a:r>
+            <a:endParaRPr/>
           </a:p>
         </p:txBody>
       </p:sp>
@@ -11487,7 +13481,7 @@
             </a:pPr>
             <a:r>
               <a:rPr lang="en"/>
-              <a:t>Layers</a:t>
+              <a:t>What are Convolutional Neural Networks?</a:t>
             </a:r>
             <a:endParaRPr/>
           </a:p>
@@ -11503,8 +13497,8 @@
         </p:nvSpPr>
         <p:spPr>
           <a:xfrm>
-            <a:off x="639475" y="1779100"/>
-            <a:ext cx="7688700" cy="2492100"/>
+            <a:off x="729450" y="2078875"/>
+            <a:ext cx="7688700" cy="2261100"/>
           </a:xfrm>
           <a:prstGeom prst="rect">
             <a:avLst/>
@@ -11512,439 +13506,80 @@
         </p:spPr>
         <p:txBody>
           <a:bodyPr anchorCtr="0" anchor="t" bIns="91425" lIns="91425" spcFirstLastPara="1" rIns="91425" wrap="square" tIns="91425">
-            <a:noAutofit/>
+            <a:normAutofit/>
           </a:bodyPr>
           <a:lstStyle/>
           <a:p>
-            <a:pPr indent="0" lvl="0" marL="0" rtl="0" algn="l">
-              <a:lnSpc>
-                <a:spcPct val="200000"/>
-              </a:lnSpc>
-              <a:spcBef>
-                <a:spcPts val="0"/>
-              </a:spcBef>
-              <a:spcAft>
-                <a:spcPts val="0"/>
-              </a:spcAft>
-              <a:buNone/>
-            </a:pPr>
-            <a:r>
-              <a:rPr lang="en" sz="1175">
-                <a:solidFill>
-                  <a:srgbClr val="000000"/>
-                </a:solidFill>
-                <a:latin typeface="Tahoma"/>
-                <a:ea typeface="Tahoma"/>
-                <a:cs typeface="Tahoma"/>
-                <a:sym typeface="Tahoma"/>
-              </a:rPr>
-              <a:t>1-</a:t>
-            </a:r>
-            <a:r>
-              <a:rPr lang="en" sz="1075">
-                <a:solidFill>
-                  <a:srgbClr val="000000"/>
-                </a:solidFill>
-                <a:latin typeface="Times New Roman"/>
-                <a:ea typeface="Times New Roman"/>
-                <a:cs typeface="Times New Roman"/>
-                <a:sym typeface="Times New Roman"/>
-              </a:rPr>
-              <a:t>     </a:t>
-            </a:r>
-            <a:r>
-              <a:rPr lang="en" sz="1175">
-                <a:solidFill>
-                  <a:srgbClr val="000000"/>
-                </a:solidFill>
-                <a:latin typeface="Tahoma"/>
-                <a:ea typeface="Tahoma"/>
-                <a:cs typeface="Tahoma"/>
-                <a:sym typeface="Tahoma"/>
-              </a:rPr>
-              <a:t>Input Image:</a:t>
-            </a:r>
-            <a:endParaRPr sz="1175">
-              <a:solidFill>
-                <a:srgbClr val="000000"/>
-              </a:solidFill>
-              <a:latin typeface="Tahoma"/>
-              <a:ea typeface="Tahoma"/>
-              <a:cs typeface="Tahoma"/>
-              <a:sym typeface="Tahoma"/>
-            </a:endParaRPr>
-          </a:p>
-          <a:p>
-            <a:pPr indent="0" lvl="0" marL="0" rtl="0" algn="l">
-              <a:lnSpc>
-                <a:spcPct val="200000"/>
-              </a:lnSpc>
-              <a:spcBef>
-                <a:spcPts val="0"/>
-              </a:spcBef>
-              <a:spcAft>
-                <a:spcPts val="0"/>
-              </a:spcAft>
-              <a:buNone/>
-            </a:pPr>
-            <a:r>
-              <a:rPr lang="en" sz="1175">
-                <a:solidFill>
-                  <a:srgbClr val="000000"/>
-                </a:solidFill>
-                <a:latin typeface="Tahoma"/>
-                <a:ea typeface="Tahoma"/>
-                <a:cs typeface="Tahoma"/>
-                <a:sym typeface="Tahoma"/>
-              </a:rPr>
-              <a:t>·</a:t>
-            </a:r>
-            <a:r>
-              <a:rPr lang="en" sz="1075">
-                <a:solidFill>
-                  <a:srgbClr val="000000"/>
-                </a:solidFill>
-                <a:latin typeface="Times New Roman"/>
-                <a:ea typeface="Times New Roman"/>
-                <a:cs typeface="Times New Roman"/>
-                <a:sym typeface="Times New Roman"/>
-              </a:rPr>
-              <a:t>       </a:t>
-            </a:r>
-            <a:r>
-              <a:rPr lang="en" sz="1175">
-                <a:solidFill>
-                  <a:srgbClr val="000000"/>
-                </a:solidFill>
-                <a:latin typeface="Tahoma"/>
-                <a:ea typeface="Tahoma"/>
-                <a:cs typeface="Tahoma"/>
-                <a:sym typeface="Tahoma"/>
-              </a:rPr>
-              <a:t>Dimensions: 128x128 pixels</a:t>
-            </a:r>
-            <a:endParaRPr sz="1175">
-              <a:solidFill>
-                <a:srgbClr val="000000"/>
-              </a:solidFill>
-              <a:latin typeface="Tahoma"/>
-              <a:ea typeface="Tahoma"/>
-              <a:cs typeface="Tahoma"/>
-              <a:sym typeface="Tahoma"/>
-            </a:endParaRPr>
-          </a:p>
-          <a:p>
-            <a:pPr indent="0" lvl="0" marL="0" rtl="0" algn="l">
-              <a:lnSpc>
-                <a:spcPct val="200000"/>
-              </a:lnSpc>
-              <a:spcBef>
-                <a:spcPts val="0"/>
-              </a:spcBef>
-              <a:spcAft>
-                <a:spcPts val="0"/>
-              </a:spcAft>
-              <a:buNone/>
-            </a:pPr>
-            <a:r>
-              <a:rPr lang="en" sz="1175">
-                <a:solidFill>
-                  <a:srgbClr val="000000"/>
-                </a:solidFill>
-                <a:latin typeface="Tahoma"/>
-                <a:ea typeface="Tahoma"/>
-                <a:cs typeface="Tahoma"/>
-                <a:sym typeface="Tahoma"/>
-              </a:rPr>
-              <a:t>·</a:t>
-            </a:r>
-            <a:r>
-              <a:rPr lang="en" sz="1075">
-                <a:solidFill>
-                  <a:srgbClr val="000000"/>
-                </a:solidFill>
-                <a:latin typeface="Times New Roman"/>
-                <a:ea typeface="Times New Roman"/>
-                <a:cs typeface="Times New Roman"/>
-                <a:sym typeface="Times New Roman"/>
-              </a:rPr>
-              <a:t>       </a:t>
-            </a:r>
-            <a:r>
-              <a:rPr lang="en" sz="1175">
-                <a:solidFill>
-                  <a:srgbClr val="000000"/>
-                </a:solidFill>
-                <a:latin typeface="Tahoma"/>
-                <a:ea typeface="Tahoma"/>
-                <a:cs typeface="Tahoma"/>
-                <a:sym typeface="Tahoma"/>
-              </a:rPr>
-              <a:t>Channels: 3 (RGB)</a:t>
-            </a:r>
-            <a:endParaRPr sz="1175">
-              <a:solidFill>
-                <a:srgbClr val="000000"/>
-              </a:solidFill>
-              <a:latin typeface="Tahoma"/>
-              <a:ea typeface="Tahoma"/>
-              <a:cs typeface="Tahoma"/>
-              <a:sym typeface="Tahoma"/>
-            </a:endParaRPr>
-          </a:p>
-          <a:p>
-            <a:pPr indent="0" lvl="0" marL="0" rtl="0" algn="l">
-              <a:lnSpc>
-                <a:spcPct val="200000"/>
-              </a:lnSpc>
-              <a:spcBef>
-                <a:spcPts val="0"/>
-              </a:spcBef>
-              <a:spcAft>
-                <a:spcPts val="0"/>
-              </a:spcAft>
-              <a:buNone/>
-            </a:pPr>
-            <a:r>
-              <a:rPr lang="en" sz="1175">
-                <a:solidFill>
-                  <a:srgbClr val="000000"/>
-                </a:solidFill>
-                <a:latin typeface="Tahoma"/>
-                <a:ea typeface="Tahoma"/>
-                <a:cs typeface="Tahoma"/>
-                <a:sym typeface="Tahoma"/>
-              </a:rPr>
-              <a:t>2-</a:t>
-            </a:r>
-            <a:r>
-              <a:rPr lang="en" sz="1075">
-                <a:solidFill>
-                  <a:srgbClr val="000000"/>
-                </a:solidFill>
-                <a:latin typeface="Times New Roman"/>
-                <a:ea typeface="Times New Roman"/>
-                <a:cs typeface="Times New Roman"/>
-                <a:sym typeface="Times New Roman"/>
-              </a:rPr>
-              <a:t>     </a:t>
-            </a:r>
-            <a:r>
-              <a:rPr lang="en" sz="1175">
-                <a:solidFill>
-                  <a:srgbClr val="000000"/>
-                </a:solidFill>
-                <a:latin typeface="Tahoma"/>
-                <a:ea typeface="Tahoma"/>
-                <a:cs typeface="Tahoma"/>
-                <a:sym typeface="Tahoma"/>
-              </a:rPr>
-              <a:t>Layers:</a:t>
-            </a:r>
-            <a:endParaRPr sz="1175">
-              <a:solidFill>
-                <a:srgbClr val="000000"/>
-              </a:solidFill>
-              <a:latin typeface="Tahoma"/>
-              <a:ea typeface="Tahoma"/>
-              <a:cs typeface="Tahoma"/>
-              <a:sym typeface="Tahoma"/>
-            </a:endParaRPr>
-          </a:p>
-          <a:p>
-            <a:pPr indent="0" lvl="0" marL="0" rtl="0" algn="l">
-              <a:lnSpc>
-                <a:spcPct val="200000"/>
-              </a:lnSpc>
-              <a:spcBef>
-                <a:spcPts val="0"/>
-              </a:spcBef>
-              <a:spcAft>
-                <a:spcPts val="0"/>
-              </a:spcAft>
-              <a:buNone/>
-            </a:pPr>
-            <a:r>
-              <a:rPr lang="en" sz="1175">
-                <a:solidFill>
-                  <a:srgbClr val="000000"/>
-                </a:solidFill>
-                <a:latin typeface="Tahoma"/>
-                <a:ea typeface="Tahoma"/>
-                <a:cs typeface="Tahoma"/>
-                <a:sym typeface="Tahoma"/>
-              </a:rPr>
-              <a:t>·</a:t>
-            </a:r>
-            <a:r>
-              <a:rPr lang="en" sz="1075">
-                <a:solidFill>
-                  <a:srgbClr val="000000"/>
-                </a:solidFill>
-                <a:latin typeface="Times New Roman"/>
-                <a:ea typeface="Times New Roman"/>
-                <a:cs typeface="Times New Roman"/>
-                <a:sym typeface="Times New Roman"/>
-              </a:rPr>
-              <a:t>       </a:t>
-            </a:r>
-            <a:r>
-              <a:rPr lang="en" sz="1175">
-                <a:solidFill>
-                  <a:srgbClr val="000000"/>
-                </a:solidFill>
-                <a:latin typeface="Tahoma"/>
-                <a:ea typeface="Tahoma"/>
-                <a:cs typeface="Tahoma"/>
-                <a:sym typeface="Tahoma"/>
-              </a:rPr>
-              <a:t>Convolutional Layer: 32 filters of size 3x3 with ReLU activation.</a:t>
-            </a:r>
-            <a:endParaRPr sz="1175">
-              <a:solidFill>
-                <a:srgbClr val="000000"/>
-              </a:solidFill>
-              <a:latin typeface="Tahoma"/>
-              <a:ea typeface="Tahoma"/>
-              <a:cs typeface="Tahoma"/>
-              <a:sym typeface="Tahoma"/>
-            </a:endParaRPr>
-          </a:p>
-          <a:p>
-            <a:pPr indent="0" lvl="0" marL="0" rtl="0" algn="l">
-              <a:lnSpc>
-                <a:spcPct val="200000"/>
-              </a:lnSpc>
-              <a:spcBef>
-                <a:spcPts val="0"/>
-              </a:spcBef>
-              <a:spcAft>
-                <a:spcPts val="0"/>
-              </a:spcAft>
-              <a:buNone/>
-            </a:pPr>
-            <a:r>
-              <a:rPr lang="en" sz="1175">
-                <a:solidFill>
-                  <a:srgbClr val="000000"/>
-                </a:solidFill>
-                <a:latin typeface="Tahoma"/>
-                <a:ea typeface="Tahoma"/>
-                <a:cs typeface="Tahoma"/>
-                <a:sym typeface="Tahoma"/>
-              </a:rPr>
-              <a:t>·</a:t>
-            </a:r>
-            <a:r>
-              <a:rPr lang="en" sz="1075">
-                <a:solidFill>
-                  <a:srgbClr val="000000"/>
-                </a:solidFill>
-                <a:latin typeface="Times New Roman"/>
-                <a:ea typeface="Times New Roman"/>
-                <a:cs typeface="Times New Roman"/>
-                <a:sym typeface="Times New Roman"/>
-              </a:rPr>
-              <a:t>       </a:t>
-            </a:r>
-            <a:r>
-              <a:rPr lang="en" sz="1175">
-                <a:solidFill>
-                  <a:srgbClr val="000000"/>
-                </a:solidFill>
-                <a:latin typeface="Tahoma"/>
-                <a:ea typeface="Tahoma"/>
-                <a:cs typeface="Tahoma"/>
-                <a:sym typeface="Tahoma"/>
-              </a:rPr>
-              <a:t>Max Pooling Layer: 2x2 pooling size.</a:t>
-            </a:r>
-            <a:endParaRPr sz="1175">
-              <a:solidFill>
-                <a:srgbClr val="000000"/>
-              </a:solidFill>
-              <a:latin typeface="Tahoma"/>
-              <a:ea typeface="Tahoma"/>
-              <a:cs typeface="Tahoma"/>
-              <a:sym typeface="Tahoma"/>
-            </a:endParaRPr>
-          </a:p>
-          <a:p>
-            <a:pPr indent="0" lvl="0" marL="0" rtl="0" algn="l">
-              <a:lnSpc>
-                <a:spcPct val="200000"/>
-              </a:lnSpc>
-              <a:spcBef>
-                <a:spcPts val="0"/>
-              </a:spcBef>
-              <a:spcAft>
-                <a:spcPts val="0"/>
-              </a:spcAft>
-              <a:buNone/>
-            </a:pPr>
-            <a:r>
-              <a:rPr lang="en" sz="1175">
-                <a:solidFill>
-                  <a:srgbClr val="000000"/>
-                </a:solidFill>
-                <a:latin typeface="Tahoma"/>
-                <a:ea typeface="Tahoma"/>
-                <a:cs typeface="Tahoma"/>
-                <a:sym typeface="Tahoma"/>
-              </a:rPr>
-              <a:t>·</a:t>
-            </a:r>
-            <a:r>
-              <a:rPr lang="en" sz="1075">
-                <a:solidFill>
-                  <a:srgbClr val="000000"/>
-                </a:solidFill>
-                <a:latin typeface="Times New Roman"/>
-                <a:ea typeface="Times New Roman"/>
-                <a:cs typeface="Times New Roman"/>
-                <a:sym typeface="Times New Roman"/>
-              </a:rPr>
-              <a:t>       </a:t>
-            </a:r>
-            <a:r>
-              <a:rPr lang="en" sz="1175">
-                <a:solidFill>
-                  <a:srgbClr val="000000"/>
-                </a:solidFill>
-                <a:latin typeface="Tahoma"/>
-                <a:ea typeface="Tahoma"/>
-                <a:cs typeface="Tahoma"/>
-                <a:sym typeface="Tahoma"/>
-              </a:rPr>
-              <a:t>Convolutional Layer: 64 filters of size 3x3 with ReLU activation.</a:t>
-            </a:r>
-            <a:endParaRPr sz="1175">
-              <a:solidFill>
-                <a:srgbClr val="000000"/>
-              </a:solidFill>
-              <a:latin typeface="Tahoma"/>
-              <a:ea typeface="Tahoma"/>
-              <a:cs typeface="Tahoma"/>
-              <a:sym typeface="Tahoma"/>
-            </a:endParaRPr>
-          </a:p>
-          <a:p>
-            <a:pPr indent="0" lvl="0" marL="0" rtl="0" algn="l">
-              <a:lnSpc>
-                <a:spcPct val="200000"/>
-              </a:lnSpc>
-              <a:spcBef>
-                <a:spcPts val="0"/>
-              </a:spcBef>
-              <a:spcAft>
-                <a:spcPts val="0"/>
-              </a:spcAft>
-              <a:buNone/>
-            </a:pPr>
-            <a:r>
-              <a:t/>
-            </a:r>
-            <a:endParaRPr sz="1350"/>
+            <a:pPr indent="-342900" lvl="0" marL="457200" rtl="0" algn="l">
+              <a:spcBef>
+                <a:spcPts val="0"/>
+              </a:spcBef>
+              <a:spcAft>
+                <a:spcPts val="0"/>
+              </a:spcAft>
+              <a:buSzPts val="1800"/>
+              <a:buChar char="●"/>
+            </a:pPr>
+            <a:r>
+              <a:rPr b="1" lang="en" sz="1800"/>
+              <a:t>Convolutional neural networks</a:t>
+            </a:r>
+            <a:r>
+              <a:rPr lang="en" sz="1800"/>
+              <a:t> are a form of deep learning that is modeled after the human brain</a:t>
+            </a:r>
+            <a:endParaRPr sz="1800"/>
+          </a:p>
+          <a:p>
+            <a:pPr indent="-342900" lvl="0" marL="457200" rtl="0" algn="l">
+              <a:spcBef>
+                <a:spcPts val="0"/>
+              </a:spcBef>
+              <a:spcAft>
+                <a:spcPts val="0"/>
+              </a:spcAft>
+              <a:buSzPts val="1800"/>
+              <a:buChar char="●"/>
+            </a:pPr>
+            <a:r>
+              <a:rPr lang="en" sz="1800"/>
+              <a:t>Consists of input layer, output layer, and at least one intermediate layer that performs the convolution</a:t>
+            </a:r>
+            <a:endParaRPr sz="1800"/>
+          </a:p>
+          <a:p>
+            <a:pPr indent="-342900" lvl="0" marL="457200" rtl="0" algn="l">
+              <a:spcBef>
+                <a:spcPts val="0"/>
+              </a:spcBef>
+              <a:spcAft>
+                <a:spcPts val="0"/>
+              </a:spcAft>
+              <a:buSzPts val="1800"/>
+              <a:buChar char="●"/>
+            </a:pPr>
+            <a:r>
+              <a:rPr lang="en" sz="1800"/>
+              <a:t>Weights are replicated across the nodes of each layer</a:t>
+            </a:r>
+            <a:endParaRPr sz="1800"/>
+          </a:p>
+          <a:p>
+            <a:pPr indent="-342900" lvl="1" marL="914400" rtl="0" algn="l">
+              <a:spcBef>
+                <a:spcPts val="0"/>
+              </a:spcBef>
+              <a:spcAft>
+                <a:spcPts val="0"/>
+              </a:spcAft>
+              <a:buSzPts val="1800"/>
+              <a:buChar char="○"/>
+            </a:pPr>
+            <a:r>
+              <a:rPr lang="en" sz="1800"/>
+              <a:t>Goal is for each weight to reach an optimal value</a:t>
+            </a:r>
+            <a:endParaRPr sz="1800"/>
           </a:p>
         </p:txBody>
       </p:sp>
@@ -12007,22 +13642,11 @@
             </a:pPr>
             <a:r>
               <a:rPr lang="en"/>
-              <a:t>Layers</a:t>
-            </a:r>
-            <a:endParaRPr/>
-          </a:p>
-          <a:p>
-            <a:pPr indent="0" lvl="0" marL="0" rtl="0" algn="l">
-              <a:spcBef>
-                <a:spcPts val="0"/>
-              </a:spcBef>
-              <a:spcAft>
-                <a:spcPts val="0"/>
-              </a:spcAft>
-              <a:buNone/>
-            </a:pPr>
-            <a:r>
-              <a:t/>
+              <a:t>Image </a:t>
+            </a:r>
+            <a:r>
+              <a:rPr lang="en"/>
+              <a:t>Pre-Processing</a:t>
             </a:r>
             <a:endParaRPr/>
           </a:p>
@@ -12047,293 +13671,122 @@
         </p:spPr>
         <p:txBody>
           <a:bodyPr anchorCtr="0" anchor="t" bIns="91425" lIns="91425" spcFirstLastPara="1" rIns="91425" wrap="square" tIns="91425">
-            <a:normAutofit/>
+            <a:normAutofit fontScale="92500"/>
           </a:bodyPr>
           <a:lstStyle/>
           <a:p>
+            <a:pPr indent="-334327" lvl="0" marL="457200" rtl="0" algn="l">
+              <a:spcBef>
+                <a:spcPts val="0"/>
+              </a:spcBef>
+              <a:spcAft>
+                <a:spcPts val="0"/>
+              </a:spcAft>
+              <a:buSzPct val="100000"/>
+              <a:buAutoNum type="arabicPeriod"/>
+            </a:pPr>
+            <a:r>
+              <a:rPr lang="en" sz="1800"/>
+              <a:t>Conversion of DICOM images to jpg</a:t>
+            </a:r>
+            <a:endParaRPr sz="1800"/>
+          </a:p>
+          <a:p>
+            <a:pPr indent="-334327" lvl="0" marL="457200" rtl="0" algn="l">
+              <a:spcBef>
+                <a:spcPts val="0"/>
+              </a:spcBef>
+              <a:spcAft>
+                <a:spcPts val="0"/>
+              </a:spcAft>
+              <a:buSzPct val="100000"/>
+              <a:buAutoNum type="arabicPeriod"/>
+            </a:pPr>
+            <a:r>
+              <a:rPr lang="en" sz="1800"/>
+              <a:t>Three directories of labeled images ( Training, Validation, and Test)</a:t>
+            </a:r>
+            <a:endParaRPr sz="1800"/>
+          </a:p>
+          <a:p>
+            <a:pPr indent="-334327" lvl="0" marL="457200" rtl="0" algn="l">
+              <a:spcBef>
+                <a:spcPts val="0"/>
+              </a:spcBef>
+              <a:spcAft>
+                <a:spcPts val="0"/>
+              </a:spcAft>
+              <a:buSzPct val="100000"/>
+              <a:buAutoNum type="arabicPeriod"/>
+            </a:pPr>
+            <a:r>
+              <a:rPr lang="en" sz="1800"/>
+              <a:t>Each directory contains 3 subfolders of labelled jpg </a:t>
+            </a:r>
+            <a:r>
+              <a:rPr lang="en" sz="1800"/>
+              <a:t>images</a:t>
+            </a:r>
+            <a:r>
+              <a:rPr lang="en" sz="1800"/>
+              <a:t> (Benign, </a:t>
+            </a:r>
+            <a:r>
+              <a:rPr lang="en" sz="1800"/>
+              <a:t>malignant</a:t>
+            </a:r>
+            <a:r>
+              <a:rPr lang="en" sz="1800"/>
+              <a:t>, Benign call back )</a:t>
+            </a:r>
+            <a:endParaRPr sz="1800"/>
+          </a:p>
+          <a:p>
+            <a:pPr indent="-334327" lvl="0" marL="457200" rtl="0" algn="l">
+              <a:spcBef>
+                <a:spcPts val="0"/>
+              </a:spcBef>
+              <a:spcAft>
+                <a:spcPts val="0"/>
+              </a:spcAft>
+              <a:buSzPct val="100000"/>
+              <a:buAutoNum type="arabicPeriod"/>
+            </a:pPr>
+            <a:r>
+              <a:rPr lang="en" sz="1800"/>
+              <a:t>Image size  = 128/ 128</a:t>
+            </a:r>
+            <a:endParaRPr sz="1800"/>
+          </a:p>
+          <a:p>
+            <a:pPr indent="-334327" lvl="0" marL="457200" rtl="0" algn="l">
+              <a:spcBef>
+                <a:spcPts val="0"/>
+              </a:spcBef>
+              <a:spcAft>
+                <a:spcPts val="0"/>
+              </a:spcAft>
+              <a:buSzPct val="100000"/>
+              <a:buAutoNum type="arabicPeriod"/>
+            </a:pPr>
+            <a:r>
+              <a:rPr lang="en" sz="1800"/>
+              <a:t>Class labels = ['BENIGN', 'MALIGNANT', 'BENIGN_WITHOUT_CALLBACK']</a:t>
+            </a:r>
+            <a:endParaRPr sz="1800"/>
+          </a:p>
+          <a:p>
             <a:pPr indent="0" lvl="0" marL="0" rtl="0" algn="l">
-              <a:lnSpc>
-                <a:spcPct val="200000"/>
-              </a:lnSpc>
-              <a:spcBef>
-                <a:spcPts val="0"/>
-              </a:spcBef>
-              <a:spcAft>
-                <a:spcPts val="0"/>
-              </a:spcAft>
-              <a:buNone/>
-            </a:pPr>
-            <a:r>
-              <a:rPr lang="en" sz="1275">
-                <a:solidFill>
-                  <a:srgbClr val="000000"/>
-                </a:solidFill>
-                <a:latin typeface="Tahoma"/>
-                <a:ea typeface="Tahoma"/>
-                <a:cs typeface="Tahoma"/>
-                <a:sym typeface="Tahoma"/>
-              </a:rPr>
-              <a:t>·</a:t>
-            </a:r>
-            <a:r>
-              <a:rPr lang="en" sz="1175">
-                <a:solidFill>
-                  <a:srgbClr val="000000"/>
-                </a:solidFill>
-                <a:latin typeface="Times New Roman"/>
-                <a:ea typeface="Times New Roman"/>
-                <a:cs typeface="Times New Roman"/>
-                <a:sym typeface="Times New Roman"/>
-              </a:rPr>
-              <a:t>       </a:t>
-            </a:r>
-            <a:r>
-              <a:rPr lang="en" sz="1275">
-                <a:solidFill>
-                  <a:srgbClr val="000000"/>
-                </a:solidFill>
-                <a:latin typeface="Tahoma"/>
-                <a:ea typeface="Tahoma"/>
-                <a:cs typeface="Tahoma"/>
-                <a:sym typeface="Tahoma"/>
-              </a:rPr>
-              <a:t>Max Pooling Layer: 2x2 pooling size.</a:t>
-            </a:r>
-            <a:endParaRPr sz="1275">
-              <a:solidFill>
-                <a:srgbClr val="000000"/>
-              </a:solidFill>
-              <a:latin typeface="Tahoma"/>
-              <a:ea typeface="Tahoma"/>
-              <a:cs typeface="Tahoma"/>
-              <a:sym typeface="Tahoma"/>
-            </a:endParaRPr>
-          </a:p>
-          <a:p>
-            <a:pPr indent="0" lvl="0" marL="0" rtl="0" algn="l">
-              <a:lnSpc>
-                <a:spcPct val="200000"/>
-              </a:lnSpc>
-              <a:spcBef>
-                <a:spcPts val="0"/>
-              </a:spcBef>
-              <a:spcAft>
-                <a:spcPts val="0"/>
-              </a:spcAft>
-              <a:buNone/>
-            </a:pPr>
-            <a:r>
-              <a:rPr lang="en" sz="1275">
-                <a:solidFill>
-                  <a:srgbClr val="000000"/>
-                </a:solidFill>
-                <a:latin typeface="Tahoma"/>
-                <a:ea typeface="Tahoma"/>
-                <a:cs typeface="Tahoma"/>
-                <a:sym typeface="Tahoma"/>
-              </a:rPr>
-              <a:t>·</a:t>
-            </a:r>
-            <a:r>
-              <a:rPr lang="en" sz="1175">
-                <a:solidFill>
-                  <a:srgbClr val="000000"/>
-                </a:solidFill>
-                <a:latin typeface="Times New Roman"/>
-                <a:ea typeface="Times New Roman"/>
-                <a:cs typeface="Times New Roman"/>
-                <a:sym typeface="Times New Roman"/>
-              </a:rPr>
-              <a:t>       </a:t>
-            </a:r>
-            <a:r>
-              <a:rPr lang="en" sz="1275">
-                <a:solidFill>
-                  <a:srgbClr val="000000"/>
-                </a:solidFill>
-                <a:latin typeface="Tahoma"/>
-                <a:ea typeface="Tahoma"/>
-                <a:cs typeface="Tahoma"/>
-                <a:sym typeface="Tahoma"/>
-              </a:rPr>
-              <a:t>Flattening Layer: Convert 2D feature maps to 1D feature vector.</a:t>
-            </a:r>
-            <a:endParaRPr sz="1275">
-              <a:solidFill>
-                <a:srgbClr val="000000"/>
-              </a:solidFill>
-              <a:latin typeface="Tahoma"/>
-              <a:ea typeface="Tahoma"/>
-              <a:cs typeface="Tahoma"/>
-              <a:sym typeface="Tahoma"/>
-            </a:endParaRPr>
-          </a:p>
-          <a:p>
-            <a:pPr indent="0" lvl="0" marL="0" rtl="0" algn="l">
-              <a:lnSpc>
-                <a:spcPct val="200000"/>
-              </a:lnSpc>
-              <a:spcBef>
-                <a:spcPts val="0"/>
-              </a:spcBef>
-              <a:spcAft>
-                <a:spcPts val="0"/>
-              </a:spcAft>
-              <a:buNone/>
-            </a:pPr>
-            <a:r>
-              <a:rPr lang="en" sz="1275">
-                <a:solidFill>
-                  <a:srgbClr val="000000"/>
-                </a:solidFill>
-                <a:latin typeface="Tahoma"/>
-                <a:ea typeface="Tahoma"/>
-                <a:cs typeface="Tahoma"/>
-                <a:sym typeface="Tahoma"/>
-              </a:rPr>
-              <a:t>·</a:t>
-            </a:r>
-            <a:r>
-              <a:rPr lang="en" sz="1175">
-                <a:solidFill>
-                  <a:srgbClr val="000000"/>
-                </a:solidFill>
-                <a:latin typeface="Times New Roman"/>
-                <a:ea typeface="Times New Roman"/>
-                <a:cs typeface="Times New Roman"/>
-                <a:sym typeface="Times New Roman"/>
-              </a:rPr>
-              <a:t>       </a:t>
-            </a:r>
-            <a:r>
-              <a:rPr lang="en" sz="1275">
-                <a:solidFill>
-                  <a:srgbClr val="000000"/>
-                </a:solidFill>
-                <a:latin typeface="Tahoma"/>
-                <a:ea typeface="Tahoma"/>
-                <a:cs typeface="Tahoma"/>
-                <a:sym typeface="Tahoma"/>
-              </a:rPr>
-              <a:t>Dense Layer: 256 neurons with ReLU activation.</a:t>
-            </a:r>
-            <a:endParaRPr sz="1275">
-              <a:solidFill>
-                <a:srgbClr val="000000"/>
-              </a:solidFill>
-              <a:latin typeface="Tahoma"/>
-              <a:ea typeface="Tahoma"/>
-              <a:cs typeface="Tahoma"/>
-              <a:sym typeface="Tahoma"/>
-            </a:endParaRPr>
-          </a:p>
-          <a:p>
-            <a:pPr indent="0" lvl="0" marL="0" rtl="0" algn="l">
-              <a:lnSpc>
-                <a:spcPct val="200000"/>
-              </a:lnSpc>
-              <a:spcBef>
-                <a:spcPts val="0"/>
-              </a:spcBef>
-              <a:spcAft>
-                <a:spcPts val="0"/>
-              </a:spcAft>
-              <a:buNone/>
-            </a:pPr>
-            <a:r>
-              <a:rPr lang="en" sz="1275">
-                <a:solidFill>
-                  <a:srgbClr val="000000"/>
-                </a:solidFill>
-                <a:latin typeface="Tahoma"/>
-                <a:ea typeface="Tahoma"/>
-                <a:cs typeface="Tahoma"/>
-                <a:sym typeface="Tahoma"/>
-              </a:rPr>
-              <a:t>·</a:t>
-            </a:r>
-            <a:r>
-              <a:rPr lang="en" sz="1175">
-                <a:solidFill>
-                  <a:srgbClr val="000000"/>
-                </a:solidFill>
-                <a:latin typeface="Times New Roman"/>
-                <a:ea typeface="Times New Roman"/>
-                <a:cs typeface="Times New Roman"/>
-                <a:sym typeface="Times New Roman"/>
-              </a:rPr>
-              <a:t>       </a:t>
-            </a:r>
-            <a:r>
-              <a:rPr lang="en" sz="1275">
-                <a:solidFill>
-                  <a:srgbClr val="000000"/>
-                </a:solidFill>
-                <a:latin typeface="Tahoma"/>
-                <a:ea typeface="Tahoma"/>
-                <a:cs typeface="Tahoma"/>
-                <a:sym typeface="Tahoma"/>
-              </a:rPr>
-              <a:t>Dropout Layer: 50% dropout rate to prevent overfitting.</a:t>
-            </a:r>
-            <a:endParaRPr sz="1275">
-              <a:solidFill>
-                <a:srgbClr val="000000"/>
-              </a:solidFill>
-              <a:latin typeface="Tahoma"/>
-              <a:ea typeface="Tahoma"/>
-              <a:cs typeface="Tahoma"/>
-              <a:sym typeface="Tahoma"/>
-            </a:endParaRPr>
-          </a:p>
-          <a:p>
-            <a:pPr indent="0" lvl="0" marL="0" rtl="0" algn="l">
-              <a:lnSpc>
-                <a:spcPct val="200000"/>
-              </a:lnSpc>
-              <a:spcBef>
-                <a:spcPts val="0"/>
-              </a:spcBef>
-              <a:spcAft>
-                <a:spcPts val="0"/>
-              </a:spcAft>
-              <a:buNone/>
-            </a:pPr>
-            <a:r>
-              <a:rPr lang="en" sz="1275">
-                <a:solidFill>
-                  <a:srgbClr val="000000"/>
-                </a:solidFill>
-                <a:latin typeface="Tahoma"/>
-                <a:ea typeface="Tahoma"/>
-                <a:cs typeface="Tahoma"/>
-                <a:sym typeface="Tahoma"/>
-              </a:rPr>
-              <a:t>·</a:t>
-            </a:r>
-            <a:r>
-              <a:rPr lang="en" sz="1175">
-                <a:solidFill>
-                  <a:srgbClr val="000000"/>
-                </a:solidFill>
-                <a:latin typeface="Times New Roman"/>
-                <a:ea typeface="Times New Roman"/>
-                <a:cs typeface="Times New Roman"/>
-                <a:sym typeface="Times New Roman"/>
-              </a:rPr>
-              <a:t>       </a:t>
-            </a:r>
-            <a:r>
-              <a:rPr lang="en" sz="1275">
-                <a:solidFill>
-                  <a:srgbClr val="000000"/>
-                </a:solidFill>
-                <a:latin typeface="Tahoma"/>
-                <a:ea typeface="Tahoma"/>
-                <a:cs typeface="Tahoma"/>
-                <a:sym typeface="Tahoma"/>
-              </a:rPr>
-              <a:t>Output Layer: 3 neurons (for three classes) with Softmax activation.</a:t>
+              <a:spcBef>
+                <a:spcPts val="0"/>
+              </a:spcBef>
+              <a:spcAft>
+                <a:spcPts val="1200"/>
+              </a:spcAft>
+              <a:buNone/>
+            </a:pPr>
+            <a:r>
+              <a:t/>
             </a:r>
             <a:endParaRPr sz="1800"/>
           </a:p>
@@ -12398,40 +13851,311 @@
             </a:pPr>
             <a:r>
               <a:rPr lang="en"/>
-              <a:t>Model Training</a:t>
+              <a:t>Layers (1/2)</a:t>
             </a:r>
             <a:endParaRPr/>
           </a:p>
         </p:txBody>
       </p:sp>
-      <p:pic>
-        <p:nvPicPr>
+      <p:sp>
+        <p:nvSpPr>
           <p:cNvPr id="188" name="Google Shape;188;p30"/>
-          <p:cNvPicPr preferRelativeResize="0"/>
-          <p:nvPr/>
-        </p:nvPicPr>
-        <p:blipFill>
-          <a:blip r:embed="rId3">
-            <a:alphaModFix/>
-          </a:blip>
-          <a:stretch>
-            <a:fillRect/>
-          </a:stretch>
-        </p:blipFill>
+          <p:cNvSpPr txBox="1"/>
+          <p:nvPr>
+            <p:ph idx="1" type="body"/>
+          </p:nvPr>
+        </p:nvSpPr>
         <p:spPr>
           <a:xfrm>
-            <a:off x="3156825" y="1052325"/>
-            <a:ext cx="4644975" cy="3565625"/>
+            <a:off x="639475" y="1898075"/>
+            <a:ext cx="7688700" cy="2961600"/>
           </a:xfrm>
           <a:prstGeom prst="rect">
             <a:avLst/>
           </a:prstGeom>
-          <a:noFill/>
-          <a:ln>
-            <a:noFill/>
-          </a:ln>
         </p:spPr>
-      </p:pic>
+        <p:txBody>
+          <a:bodyPr anchorCtr="0" anchor="t" bIns="91425" lIns="91425" spcFirstLastPara="1" rIns="91425" wrap="square" tIns="91425">
+            <a:noAutofit/>
+          </a:bodyPr>
+          <a:lstStyle/>
+          <a:p>
+            <a:pPr indent="-336550" lvl="0" marL="457200" rtl="0" algn="l">
+              <a:lnSpc>
+                <a:spcPct val="150000"/>
+              </a:lnSpc>
+              <a:spcBef>
+                <a:spcPts val="0"/>
+              </a:spcBef>
+              <a:spcAft>
+                <a:spcPts val="0"/>
+              </a:spcAft>
+              <a:buClr>
+                <a:srgbClr val="000000"/>
+              </a:buClr>
+              <a:buSzPts val="1700"/>
+              <a:buAutoNum type="arabicPeriod"/>
+            </a:pPr>
+            <a:r>
+              <a:rPr lang="en" sz="1575">
+                <a:solidFill>
+                  <a:srgbClr val="000000"/>
+                </a:solidFill>
+              </a:rPr>
+              <a:t>Input Image</a:t>
+            </a:r>
+            <a:endParaRPr sz="1575">
+              <a:solidFill>
+                <a:srgbClr val="000000"/>
+              </a:solidFill>
+            </a:endParaRPr>
+          </a:p>
+          <a:p>
+            <a:pPr indent="-328612" lvl="0" marL="914400" rtl="0" algn="l">
+              <a:lnSpc>
+                <a:spcPct val="150000"/>
+              </a:lnSpc>
+              <a:spcBef>
+                <a:spcPts val="0"/>
+              </a:spcBef>
+              <a:spcAft>
+                <a:spcPts val="0"/>
+              </a:spcAft>
+              <a:buClr>
+                <a:srgbClr val="000000"/>
+              </a:buClr>
+              <a:buSzPts val="1575"/>
+              <a:buChar char="●"/>
+            </a:pPr>
+            <a:r>
+              <a:rPr b="1" lang="en" sz="1575">
+                <a:solidFill>
+                  <a:srgbClr val="000000"/>
+                </a:solidFill>
+              </a:rPr>
+              <a:t>Dimensions:</a:t>
+            </a:r>
+            <a:r>
+              <a:rPr lang="en" sz="1575">
+                <a:solidFill>
+                  <a:srgbClr val="000000"/>
+                </a:solidFill>
+              </a:rPr>
+              <a:t> 128x128 pixels</a:t>
+            </a:r>
+            <a:endParaRPr sz="1575">
+              <a:solidFill>
+                <a:srgbClr val="000000"/>
+              </a:solidFill>
+            </a:endParaRPr>
+          </a:p>
+          <a:p>
+            <a:pPr indent="-328612" lvl="0" marL="914400" rtl="0" algn="l">
+              <a:lnSpc>
+                <a:spcPct val="150000"/>
+              </a:lnSpc>
+              <a:spcBef>
+                <a:spcPts val="0"/>
+              </a:spcBef>
+              <a:spcAft>
+                <a:spcPts val="0"/>
+              </a:spcAft>
+              <a:buClr>
+                <a:srgbClr val="000000"/>
+              </a:buClr>
+              <a:buSzPts val="1575"/>
+              <a:buChar char="●"/>
+            </a:pPr>
+            <a:r>
+              <a:rPr b="1" lang="en" sz="1575">
+                <a:solidFill>
+                  <a:srgbClr val="000000"/>
+                </a:solidFill>
+              </a:rPr>
+              <a:t>Channels:</a:t>
+            </a:r>
+            <a:r>
+              <a:rPr lang="en" sz="1575">
+                <a:solidFill>
+                  <a:srgbClr val="000000"/>
+                </a:solidFill>
+              </a:rPr>
+              <a:t> 3 (RGB)</a:t>
+            </a:r>
+            <a:endParaRPr sz="1575">
+              <a:solidFill>
+                <a:srgbClr val="000000"/>
+              </a:solidFill>
+            </a:endParaRPr>
+          </a:p>
+          <a:p>
+            <a:pPr indent="-336550" lvl="0" marL="457200" rtl="0" algn="l">
+              <a:lnSpc>
+                <a:spcPct val="150000"/>
+              </a:lnSpc>
+              <a:spcBef>
+                <a:spcPts val="0"/>
+              </a:spcBef>
+              <a:spcAft>
+                <a:spcPts val="0"/>
+              </a:spcAft>
+              <a:buClr>
+                <a:srgbClr val="000000"/>
+              </a:buClr>
+              <a:buSzPts val="1700"/>
+              <a:buAutoNum type="arabicPeriod"/>
+            </a:pPr>
+            <a:r>
+              <a:rPr lang="en" sz="1575">
+                <a:solidFill>
+                  <a:srgbClr val="000000"/>
+                </a:solidFill>
+              </a:rPr>
+              <a:t>Layers</a:t>
+            </a:r>
+            <a:endParaRPr sz="1575">
+              <a:solidFill>
+                <a:srgbClr val="000000"/>
+              </a:solidFill>
+            </a:endParaRPr>
+          </a:p>
+          <a:p>
+            <a:pPr indent="-328612" lvl="0" marL="914400" rtl="0" algn="l">
+              <a:lnSpc>
+                <a:spcPct val="150000"/>
+              </a:lnSpc>
+              <a:spcBef>
+                <a:spcPts val="0"/>
+              </a:spcBef>
+              <a:spcAft>
+                <a:spcPts val="0"/>
+              </a:spcAft>
+              <a:buClr>
+                <a:srgbClr val="000000"/>
+              </a:buClr>
+              <a:buSzPts val="1575"/>
+              <a:buChar char="●"/>
+            </a:pPr>
+            <a:r>
+              <a:rPr b="1" lang="en" sz="1575">
+                <a:solidFill>
+                  <a:srgbClr val="000000"/>
+                </a:solidFill>
+              </a:rPr>
+              <a:t>Convolutional Layer: </a:t>
+            </a:r>
+            <a:r>
+              <a:rPr lang="en" sz="1575">
+                <a:solidFill>
+                  <a:srgbClr val="000000"/>
+                </a:solidFill>
+              </a:rPr>
+              <a:t>32 filters of size 3x3 with ReLU activation.</a:t>
+            </a:r>
+            <a:endParaRPr sz="1575">
+              <a:solidFill>
+                <a:srgbClr val="000000"/>
+              </a:solidFill>
+            </a:endParaRPr>
+          </a:p>
+          <a:p>
+            <a:pPr indent="-328612" lvl="0" marL="914400" rtl="0" algn="l">
+              <a:lnSpc>
+                <a:spcPct val="150000"/>
+              </a:lnSpc>
+              <a:spcBef>
+                <a:spcPts val="0"/>
+              </a:spcBef>
+              <a:spcAft>
+                <a:spcPts val="0"/>
+              </a:spcAft>
+              <a:buClr>
+                <a:srgbClr val="000000"/>
+              </a:buClr>
+              <a:buSzPts val="1575"/>
+              <a:buChar char="●"/>
+            </a:pPr>
+            <a:r>
+              <a:rPr b="1" lang="en" sz="1575">
+                <a:solidFill>
+                  <a:srgbClr val="000000"/>
+                </a:solidFill>
+              </a:rPr>
+              <a:t>Max Pooling Layer:</a:t>
+            </a:r>
+            <a:r>
+              <a:rPr lang="en" sz="1575">
+                <a:solidFill>
+                  <a:srgbClr val="000000"/>
+                </a:solidFill>
+              </a:rPr>
+              <a:t> 2x2 pooling size.</a:t>
+            </a:r>
+            <a:endParaRPr sz="1575">
+              <a:solidFill>
+                <a:srgbClr val="000000"/>
+              </a:solidFill>
+            </a:endParaRPr>
+          </a:p>
+          <a:p>
+            <a:pPr indent="-328612" lvl="0" marL="914400" rtl="0" algn="l">
+              <a:lnSpc>
+                <a:spcPct val="150000"/>
+              </a:lnSpc>
+              <a:spcBef>
+                <a:spcPts val="0"/>
+              </a:spcBef>
+              <a:spcAft>
+                <a:spcPts val="0"/>
+              </a:spcAft>
+              <a:buClr>
+                <a:srgbClr val="000000"/>
+              </a:buClr>
+              <a:buSzPts val="1575"/>
+              <a:buChar char="●"/>
+            </a:pPr>
+            <a:r>
+              <a:rPr b="1" lang="en" sz="1575">
+                <a:solidFill>
+                  <a:srgbClr val="000000"/>
+                </a:solidFill>
+              </a:rPr>
+              <a:t>Convolutional Layer:</a:t>
+            </a:r>
+            <a:r>
+              <a:rPr lang="en" sz="1575">
+                <a:solidFill>
+                  <a:srgbClr val="000000"/>
+                </a:solidFill>
+              </a:rPr>
+              <a:t> 64 filters of size 3x3 with ReLU activation.</a:t>
+            </a:r>
+            <a:endParaRPr sz="1575">
+              <a:solidFill>
+                <a:srgbClr val="000000"/>
+              </a:solidFill>
+            </a:endParaRPr>
+          </a:p>
+          <a:p>
+            <a:pPr indent="0" lvl="0" marL="0" rtl="0" algn="l">
+              <a:lnSpc>
+                <a:spcPct val="150000"/>
+              </a:lnSpc>
+              <a:spcBef>
+                <a:spcPts val="0"/>
+              </a:spcBef>
+              <a:spcAft>
+                <a:spcPts val="0"/>
+              </a:spcAft>
+              <a:buNone/>
+            </a:pPr>
+            <a:r>
+              <a:t/>
+            </a:r>
+            <a:endParaRPr sz="1750"/>
+          </a:p>
+        </p:txBody>
+      </p:sp>
     </p:spTree>
   </p:cSld>
   <p:clrMapOvr>
@@ -12491,7 +14215,7 @@
             </a:pPr>
             <a:r>
               <a:rPr lang="en"/>
-              <a:t>Model Training</a:t>
+              <a:t>Layers (2/2)</a:t>
             </a:r>
             <a:endParaRPr/>
           </a:p>
@@ -12535,9 +14259,9 @@
           </a:bodyPr>
           <a:lstStyle/>
           <a:p>
-            <a:pPr indent="0" lvl="0" marL="0" rtl="0" algn="l">
+            <a:pPr indent="-330200" lvl="0" marL="914400" rtl="0" algn="l">
               <a:lnSpc>
-                <a:spcPct val="200000"/>
+                <a:spcPct val="150000"/>
               </a:lnSpc>
               <a:spcBef>
                 <a:spcPts val="0"/>
@@ -12545,21 +14269,185 @@
               <a:spcAft>
                 <a:spcPts val="0"/>
               </a:spcAft>
-              <a:buNone/>
-            </a:pPr>
-            <a:r>
-              <a:rPr lang="en" sz="1200">
+              <a:buClr>
+                <a:srgbClr val="000000"/>
+              </a:buClr>
+              <a:buSzPts val="1600"/>
+              <a:buChar char="●"/>
+            </a:pPr>
+            <a:r>
+              <a:rPr b="1" lang="en" sz="1575">
                 <a:solidFill>
                   <a:srgbClr val="000000"/>
                 </a:solidFill>
-                <a:latin typeface="Tahoma"/>
-                <a:ea typeface="Tahoma"/>
-                <a:cs typeface="Tahoma"/>
-                <a:sym typeface="Tahoma"/>
               </a:rPr>
-              <a:t>The model could not perform the prediction process. This could be related to incorrect loading or labeling of the images from the directory. There's a possibility that the model consistently predicts the same class for all images due to poor training or issues with the training data.</a:t>
-            </a:r>
-            <a:endParaRPr/>
+              <a:t>Max Pooling Layer:</a:t>
+            </a:r>
+            <a:r>
+              <a:rPr lang="en" sz="1575">
+                <a:solidFill>
+                  <a:srgbClr val="000000"/>
+                </a:solidFill>
+              </a:rPr>
+              <a:t> 2x2 pooling size.</a:t>
+            </a:r>
+            <a:endParaRPr sz="1575">
+              <a:solidFill>
+                <a:srgbClr val="000000"/>
+              </a:solidFill>
+            </a:endParaRPr>
+          </a:p>
+          <a:p>
+            <a:pPr indent="-330200" lvl="0" marL="914400" rtl="0" algn="l">
+              <a:lnSpc>
+                <a:spcPct val="150000"/>
+              </a:lnSpc>
+              <a:spcBef>
+                <a:spcPts val="0"/>
+              </a:spcBef>
+              <a:spcAft>
+                <a:spcPts val="0"/>
+              </a:spcAft>
+              <a:buClr>
+                <a:srgbClr val="000000"/>
+              </a:buClr>
+              <a:buSzPts val="1600"/>
+              <a:buChar char="●"/>
+            </a:pPr>
+            <a:r>
+              <a:rPr b="1" lang="en" sz="1575">
+                <a:solidFill>
+                  <a:srgbClr val="000000"/>
+                </a:solidFill>
+              </a:rPr>
+              <a:t>Flattening Layer:</a:t>
+            </a:r>
+            <a:r>
+              <a:rPr lang="en" sz="1575">
+                <a:solidFill>
+                  <a:srgbClr val="000000"/>
+                </a:solidFill>
+              </a:rPr>
+              <a:t> Convert 2D feature maps to 1D feature vector.</a:t>
+            </a:r>
+            <a:endParaRPr sz="1575">
+              <a:solidFill>
+                <a:srgbClr val="000000"/>
+              </a:solidFill>
+            </a:endParaRPr>
+          </a:p>
+          <a:p>
+            <a:pPr indent="-330200" lvl="0" marL="914400" rtl="0" algn="l">
+              <a:lnSpc>
+                <a:spcPct val="150000"/>
+              </a:lnSpc>
+              <a:spcBef>
+                <a:spcPts val="0"/>
+              </a:spcBef>
+              <a:spcAft>
+                <a:spcPts val="0"/>
+              </a:spcAft>
+              <a:buClr>
+                <a:srgbClr val="000000"/>
+              </a:buClr>
+              <a:buSzPts val="1600"/>
+              <a:buChar char="●"/>
+            </a:pPr>
+            <a:r>
+              <a:rPr b="1" lang="en" sz="1575">
+                <a:solidFill>
+                  <a:srgbClr val="000000"/>
+                </a:solidFill>
+              </a:rPr>
+              <a:t>Dense Layer:</a:t>
+            </a:r>
+            <a:r>
+              <a:rPr lang="en" sz="1575">
+                <a:solidFill>
+                  <a:srgbClr val="000000"/>
+                </a:solidFill>
+              </a:rPr>
+              <a:t> 256 neurons with ReLU activation.</a:t>
+            </a:r>
+            <a:endParaRPr sz="1575">
+              <a:solidFill>
+                <a:srgbClr val="000000"/>
+              </a:solidFill>
+            </a:endParaRPr>
+          </a:p>
+          <a:p>
+            <a:pPr indent="-330200" lvl="0" marL="914400" rtl="0" algn="l">
+              <a:lnSpc>
+                <a:spcPct val="150000"/>
+              </a:lnSpc>
+              <a:spcBef>
+                <a:spcPts val="0"/>
+              </a:spcBef>
+              <a:spcAft>
+                <a:spcPts val="0"/>
+              </a:spcAft>
+              <a:buClr>
+                <a:srgbClr val="000000"/>
+              </a:buClr>
+              <a:buSzPts val="1600"/>
+              <a:buChar char="●"/>
+            </a:pPr>
+            <a:r>
+              <a:rPr b="1" lang="en" sz="1575">
+                <a:solidFill>
+                  <a:srgbClr val="000000"/>
+                </a:solidFill>
+              </a:rPr>
+              <a:t>Dropout Layer:</a:t>
+            </a:r>
+            <a:r>
+              <a:rPr lang="en" sz="1575">
+                <a:solidFill>
+                  <a:srgbClr val="000000"/>
+                </a:solidFill>
+              </a:rPr>
+              <a:t> 50% dropout rate to prevent overfitting.</a:t>
+            </a:r>
+            <a:endParaRPr sz="1575">
+              <a:solidFill>
+                <a:srgbClr val="000000"/>
+              </a:solidFill>
+            </a:endParaRPr>
+          </a:p>
+          <a:p>
+            <a:pPr indent="-328612" lvl="0" marL="457200" rtl="0" algn="l">
+              <a:lnSpc>
+                <a:spcPct val="150000"/>
+              </a:lnSpc>
+              <a:spcBef>
+                <a:spcPts val="0"/>
+              </a:spcBef>
+              <a:spcAft>
+                <a:spcPts val="0"/>
+              </a:spcAft>
+              <a:buClr>
+                <a:srgbClr val="000000"/>
+              </a:buClr>
+              <a:buSzPts val="1575"/>
+              <a:buAutoNum type="arabicPeriod" startAt="3"/>
+            </a:pPr>
+            <a:r>
+              <a:rPr b="1" lang="en" sz="1575">
+                <a:solidFill>
+                  <a:srgbClr val="000000"/>
+                </a:solidFill>
+              </a:rPr>
+              <a:t>Output Layer:</a:t>
+            </a:r>
+            <a:r>
+              <a:rPr lang="en" sz="1575">
+                <a:solidFill>
+                  <a:srgbClr val="000000"/>
+                </a:solidFill>
+              </a:rPr>
+              <a:t> 3 neurons (for three classes) with Softmax activation.</a:t>
+            </a:r>
+            <a:endParaRPr sz="2100"/>
           </a:p>
         </p:txBody>
       </p:sp>
@@ -12830,7 +14718,22 @@
             </a:pPr>
             <a:r>
               <a:rPr lang="en"/>
-              <a:t>Discussion &amp; Results</a:t>
+              <a:t>Post-Model Training</a:t>
+            </a:r>
+            <a:endParaRPr/>
+          </a:p>
+          <a:p>
+            <a:pPr indent="0" lvl="0" marL="0" rtl="0" algn="l">
+              <a:spcBef>
+                <a:spcPts val="0"/>
+              </a:spcBef>
+              <a:spcAft>
+                <a:spcPts val="0"/>
+              </a:spcAft>
+              <a:buNone/>
+            </a:pPr>
+            <a:r>
+              <a:t/>
             </a:r>
             <a:endParaRPr/>
           </a:p>
@@ -12855,25 +14758,97 @@
         </p:spPr>
         <p:txBody>
           <a:bodyPr anchorCtr="0" anchor="t" bIns="91425" lIns="91425" spcFirstLastPara="1" rIns="91425" wrap="square" tIns="91425">
-            <a:normAutofit/>
+            <a:noAutofit/>
           </a:bodyPr>
           <a:lstStyle/>
           <a:p>
-            <a:pPr indent="-311150" lvl="0" marL="457200" rtl="0" algn="l">
-              <a:spcBef>
-                <a:spcPts val="0"/>
-              </a:spcBef>
-              <a:spcAft>
-                <a:spcPts val="0"/>
-              </a:spcAft>
-              <a:buSzPts val="1300"/>
+            <a:pPr indent="-330200" lvl="0" marL="457200" rtl="0" algn="l">
+              <a:lnSpc>
+                <a:spcPct val="150000"/>
+              </a:lnSpc>
+              <a:spcBef>
+                <a:spcPts val="0"/>
+              </a:spcBef>
+              <a:spcAft>
+                <a:spcPts val="0"/>
+              </a:spcAft>
+              <a:buClr>
+                <a:srgbClr val="000000"/>
+              </a:buClr>
+              <a:buSzPts val="1600"/>
               <a:buChar char="●"/>
             </a:pPr>
             <a:r>
-              <a:rPr lang="en"/>
-              <a:t>Need to complete this section</a:t>
-            </a:r>
-            <a:endParaRPr/>
+              <a:rPr lang="en" sz="1600">
+                <a:solidFill>
+                  <a:srgbClr val="000000"/>
+                </a:solidFill>
+              </a:rPr>
+              <a:t>Model could not perform the prediction process. </a:t>
+            </a:r>
+            <a:endParaRPr sz="1600">
+              <a:solidFill>
+                <a:srgbClr val="000000"/>
+              </a:solidFill>
+            </a:endParaRPr>
+          </a:p>
+          <a:p>
+            <a:pPr indent="-330200" lvl="0" marL="457200" rtl="0" algn="l">
+              <a:lnSpc>
+                <a:spcPct val="150000"/>
+              </a:lnSpc>
+              <a:spcBef>
+                <a:spcPts val="0"/>
+              </a:spcBef>
+              <a:spcAft>
+                <a:spcPts val="0"/>
+              </a:spcAft>
+              <a:buClr>
+                <a:srgbClr val="000000"/>
+              </a:buClr>
+              <a:buSzPts val="1600"/>
+              <a:buChar char="●"/>
+            </a:pPr>
+            <a:r>
+              <a:rPr lang="en" sz="1600">
+                <a:solidFill>
+                  <a:srgbClr val="000000"/>
+                </a:solidFill>
+              </a:rPr>
+              <a:t>Could be related to incorrect loading or labeling of the images from the directory. </a:t>
+            </a:r>
+            <a:endParaRPr sz="1600">
+              <a:solidFill>
+                <a:srgbClr val="000000"/>
+              </a:solidFill>
+            </a:endParaRPr>
+          </a:p>
+          <a:p>
+            <a:pPr indent="-330200" lvl="0" marL="457200" rtl="0" algn="l">
+              <a:lnSpc>
+                <a:spcPct val="150000"/>
+              </a:lnSpc>
+              <a:spcBef>
+                <a:spcPts val="0"/>
+              </a:spcBef>
+              <a:spcAft>
+                <a:spcPts val="0"/>
+              </a:spcAft>
+              <a:buClr>
+                <a:srgbClr val="000000"/>
+              </a:buClr>
+              <a:buSzPts val="1600"/>
+              <a:buChar char="●"/>
+            </a:pPr>
+            <a:r>
+              <a:rPr lang="en" sz="1600">
+                <a:solidFill>
+                  <a:srgbClr val="000000"/>
+                </a:solidFill>
+              </a:rPr>
+              <a:t>There's a possibility that the model consistently predicts the same class for all images due to poor training or issues with the training data.</a:t>
+            </a:r>
+            <a:endParaRPr sz="1600"/>
           </a:p>
         </p:txBody>
       </p:sp>
@@ -12912,8 +14887,8 @@
         </p:nvSpPr>
         <p:spPr>
           <a:xfrm>
-            <a:off x="729450" y="1322450"/>
-            <a:ext cx="7688400" cy="1518600"/>
+            <a:off x="730000" y="1318650"/>
+            <a:ext cx="3300900" cy="1687200"/>
           </a:xfrm>
           <a:prstGeom prst="rect">
             <a:avLst/>
@@ -12936,7 +14911,115 @@
             </a:pPr>
             <a:r>
               <a:rPr lang="en"/>
-              <a:t>Future Research &amp; Implications</a:t>
+              <a:t>Discussion &amp; Results</a:t>
+            </a:r>
+            <a:endParaRPr/>
+          </a:p>
+        </p:txBody>
+      </p:sp>
+      <p:sp>
+        <p:nvSpPr>
+          <p:cNvPr id="206" name="Google Shape;206;p33"/>
+          <p:cNvSpPr txBox="1"/>
+          <p:nvPr>
+            <p:ph idx="2" type="body"/>
+          </p:nvPr>
+        </p:nvSpPr>
+        <p:spPr>
+          <a:xfrm>
+            <a:off x="5174225" y="1352625"/>
+            <a:ext cx="3374400" cy="3025500"/>
+          </a:xfrm>
+          <a:prstGeom prst="rect">
+            <a:avLst/>
+          </a:prstGeom>
+        </p:spPr>
+        <p:txBody>
+          <a:bodyPr anchorCtr="0" anchor="t" bIns="91425" lIns="91425" spcFirstLastPara="1" rIns="91425" wrap="square" tIns="91425">
+            <a:normAutofit/>
+          </a:bodyPr>
+          <a:lstStyle/>
+          <a:p>
+            <a:pPr indent="-311150" lvl="0" marL="457200" rtl="0" algn="l">
+              <a:spcBef>
+                <a:spcPts val="0"/>
+              </a:spcBef>
+              <a:spcAft>
+                <a:spcPts val="0"/>
+              </a:spcAft>
+              <a:buSzPts val="1300"/>
+              <a:buChar char="●"/>
+            </a:pPr>
+            <a:r>
+              <a:t/>
+            </a:r>
+            <a:endParaRPr/>
+          </a:p>
+        </p:txBody>
+      </p:sp>
+      <p:pic>
+        <p:nvPicPr>
+          <p:cNvPr id="207" name="Google Shape;207;p33"/>
+          <p:cNvPicPr preferRelativeResize="0"/>
+          <p:nvPr/>
+        </p:nvPicPr>
+        <p:blipFill>
+          <a:blip r:embed="rId3">
+            <a:alphaModFix/>
+          </a:blip>
+          <a:stretch>
+            <a:fillRect/>
+          </a:stretch>
+        </p:blipFill>
+        <p:spPr>
+          <a:xfrm>
+            <a:off x="4685100" y="1061650"/>
+            <a:ext cx="4320428" cy="3316475"/>
+          </a:xfrm>
+          <a:prstGeom prst="rect">
+            <a:avLst/>
+          </a:prstGeom>
+          <a:noFill/>
+          <a:ln>
+            <a:noFill/>
+          </a:ln>
+        </p:spPr>
+      </p:pic>
+      <p:sp>
+        <p:nvSpPr>
+          <p:cNvPr id="208" name="Google Shape;208;p33"/>
+          <p:cNvSpPr txBox="1"/>
+          <p:nvPr>
+            <p:ph idx="1" type="subTitle"/>
+          </p:nvPr>
+        </p:nvSpPr>
+        <p:spPr>
+          <a:xfrm>
+            <a:off x="724950" y="3161525"/>
+            <a:ext cx="3300900" cy="759000"/>
+          </a:xfrm>
+          <a:prstGeom prst="rect">
+            <a:avLst/>
+          </a:prstGeom>
+        </p:spPr>
+        <p:txBody>
+          <a:bodyPr anchorCtr="0" anchor="t" bIns="91425" lIns="91425" spcFirstLastPara="1" rIns="91425" wrap="square" tIns="91425">
+            <a:normAutofit/>
+          </a:bodyPr>
+          <a:lstStyle/>
+          <a:p>
+            <a:pPr indent="0" lvl="0" marL="0" rtl="0" algn="l">
+              <a:spcBef>
+                <a:spcPts val="0"/>
+              </a:spcBef>
+              <a:spcAft>
+                <a:spcPts val="0"/>
+              </a:spcAft>
+              <a:buNone/>
+            </a:pPr>
+            <a:r>
+              <a:rPr lang="en"/>
+              <a:t>Progress of training accuracy and validation accuracy</a:t>
             </a:r>
             <a:endParaRPr/>
           </a:p>
@@ -12955,7 +15038,7 @@
   <p:cSld>
     <p:spTree>
       <p:nvGrpSpPr>
-        <p:cNvPr id="209" name="Shape 209"/>
+        <p:cNvPr id="212" name="Shape 212"/>
         <p:cNvGrpSpPr/>
         <p:nvPr/>
       </p:nvGrpSpPr>
@@ -12969,7 +15052,72 @@
       </p:grpSpPr>
       <p:sp>
         <p:nvSpPr>
-          <p:cNvPr id="210" name="Google Shape;210;p34"/>
+          <p:cNvPr id="213" name="Google Shape;213;p34"/>
+          <p:cNvSpPr txBox="1"/>
+          <p:nvPr>
+            <p:ph type="title"/>
+          </p:nvPr>
+        </p:nvSpPr>
+        <p:spPr>
+          <a:xfrm>
+            <a:off x="729450" y="1322450"/>
+            <a:ext cx="7688400" cy="1518600"/>
+          </a:xfrm>
+          <a:prstGeom prst="rect">
+            <a:avLst/>
+          </a:prstGeom>
+        </p:spPr>
+        <p:txBody>
+          <a:bodyPr anchorCtr="0" anchor="t" bIns="91425" lIns="91425" spcFirstLastPara="1" rIns="91425" wrap="square" tIns="91425">
+            <a:normAutofit/>
+          </a:bodyPr>
+          <a:lstStyle/>
+          <a:p>
+            <a:pPr indent="0" lvl="0" marL="0" rtl="0" algn="l">
+              <a:spcBef>
+                <a:spcPts val="0"/>
+              </a:spcBef>
+              <a:spcAft>
+                <a:spcPts val="0"/>
+              </a:spcAft>
+              <a:buNone/>
+            </a:pPr>
+            <a:r>
+              <a:rPr lang="en"/>
+              <a:t>Algorithm Comparison</a:t>
+            </a:r>
+            <a:endParaRPr/>
+          </a:p>
+        </p:txBody>
+      </p:sp>
+    </p:spTree>
+  </p:cSld>
+  <p:clrMapOvr>
+    <a:masterClrMapping/>
+  </p:clrMapOvr>
+</p:sld>
+</file>
+
+<file path=ppt/slides/slide23.xml><?xml version="1.0" encoding="utf-8"?>
+<p:sld xmlns:a="http://schemas.openxmlformats.org/drawingml/2006/main" xmlns:r="http://schemas.openxmlformats.org/officeDocument/2006/relationships" xmlns:mc="http://schemas.openxmlformats.org/markup-compatibility/2006" xmlns:mv="urn:schemas-microsoft-com:mac:vml" xmlns:p="http://schemas.openxmlformats.org/presentationml/2006/main" xmlns:c="http://schemas.openxmlformats.org/drawingml/2006/chart" xmlns:dgm="http://schemas.openxmlformats.org/drawingml/2006/diagram" xmlns:o="urn:schemas-microsoft-com:office:office" xmlns:v="urn:schemas-microsoft-com:vml" xmlns:pvml="urn:schemas-microsoft-com:office:powerpoint" xmlns:com="http://schemas.openxmlformats.org/drawingml/2006/compatibility" xmlns:p14="http://schemas.microsoft.com/office/powerpoint/2010/main" xmlns:p15="http://schemas.microsoft.com/office/powerpoint/2012/main" xmlns:ahyp="http://schemas.microsoft.com/office/drawing/2018/hyperlinkcolor">
+  <p:cSld>
+    <p:spTree>
+      <p:nvGrpSpPr>
+        <p:cNvPr id="217" name="Shape 217"/>
+        <p:cNvGrpSpPr/>
+        <p:nvPr/>
+      </p:nvGrpSpPr>
+      <p:grpSpPr>
+        <a:xfrm>
+          <a:off x="0" y="0"/>
+          <a:ext cx="0" cy="0"/>
+          <a:chOff x="0" y="0"/>
+          <a:chExt cx="0" cy="0"/>
+        </a:xfrm>
+      </p:grpSpPr>
+      <p:sp>
+        <p:nvSpPr>
+          <p:cNvPr id="218" name="Google Shape;218;p35"/>
           <p:cNvSpPr txBox="1"/>
           <p:nvPr>
             <p:ph type="title"/>
@@ -13001,7 +15149,7 @@
             </a:pPr>
             <a:r>
               <a:rPr lang="en"/>
-              <a:t>Benefits of Our Experiment</a:t>
+              <a:t>SVMs and CNNs</a:t>
             </a:r>
             <a:endParaRPr/>
           </a:p>
@@ -13009,7 +15157,265 @@
       </p:sp>
       <p:sp>
         <p:nvSpPr>
-          <p:cNvPr id="211" name="Google Shape;211;p34"/>
+          <p:cNvPr id="219" name="Google Shape;219;p35"/>
+          <p:cNvSpPr txBox="1"/>
+          <p:nvPr>
+            <p:ph idx="1" type="body"/>
+          </p:nvPr>
+        </p:nvSpPr>
+        <p:spPr>
+          <a:xfrm>
+            <a:off x="729450" y="2078875"/>
+            <a:ext cx="7688700" cy="2261100"/>
+          </a:xfrm>
+          <a:prstGeom prst="rect">
+            <a:avLst/>
+          </a:prstGeom>
+        </p:spPr>
+        <p:txBody>
+          <a:bodyPr anchorCtr="0" anchor="t" bIns="91425" lIns="91425" spcFirstLastPara="1" rIns="91425" wrap="square" tIns="91425">
+            <a:noAutofit/>
+          </a:bodyPr>
+          <a:lstStyle/>
+          <a:p>
+            <a:pPr indent="-349250" lvl="0" marL="457200" rtl="0" algn="l">
+              <a:lnSpc>
+                <a:spcPct val="95000"/>
+              </a:lnSpc>
+              <a:spcBef>
+                <a:spcPts val="0"/>
+              </a:spcBef>
+              <a:spcAft>
+                <a:spcPts val="0"/>
+              </a:spcAft>
+              <a:buSzPts val="1900"/>
+              <a:buChar char="●"/>
+            </a:pPr>
+            <a:r>
+              <a:rPr lang="en" sz="1900"/>
+              <a:t>From a historical standpoint and our experiment, </a:t>
+            </a:r>
+            <a:r>
+              <a:rPr lang="en" sz="1900"/>
+              <a:t>CNNs remain a powerful tool in image processing and prediction</a:t>
+            </a:r>
+            <a:endParaRPr sz="1900"/>
+          </a:p>
+          <a:p>
+            <a:pPr indent="-349250" lvl="0" marL="457200" rtl="0" algn="l">
+              <a:lnSpc>
+                <a:spcPct val="95000"/>
+              </a:lnSpc>
+              <a:spcBef>
+                <a:spcPts val="0"/>
+              </a:spcBef>
+              <a:spcAft>
+                <a:spcPts val="0"/>
+              </a:spcAft>
+              <a:buSzPts val="1900"/>
+              <a:buChar char="●"/>
+            </a:pPr>
+            <a:r>
+              <a:rPr lang="en" sz="1900"/>
+              <a:t>Our CNN can reach accuracy levels (post-validation)  that our SVM classifier could not</a:t>
+            </a:r>
+            <a:endParaRPr sz="1900"/>
+          </a:p>
+          <a:p>
+            <a:pPr indent="-336550" lvl="1" marL="914400" rtl="0" algn="l">
+              <a:lnSpc>
+                <a:spcPct val="95000"/>
+              </a:lnSpc>
+              <a:spcBef>
+                <a:spcPts val="0"/>
+              </a:spcBef>
+              <a:spcAft>
+                <a:spcPts val="0"/>
+              </a:spcAft>
+              <a:buSzPts val="1700"/>
+              <a:buChar char="○"/>
+            </a:pPr>
+            <a:r>
+              <a:rPr lang="en" sz="1700"/>
+              <a:t>The highest level of accuracy the CNN reached was 0.90</a:t>
+            </a:r>
+            <a:endParaRPr sz="1700"/>
+          </a:p>
+          <a:p>
+            <a:pPr indent="-336550" lvl="1" marL="914400" rtl="0" algn="l">
+              <a:lnSpc>
+                <a:spcPct val="95000"/>
+              </a:lnSpc>
+              <a:spcBef>
+                <a:spcPts val="0"/>
+              </a:spcBef>
+              <a:spcAft>
+                <a:spcPts val="0"/>
+              </a:spcAft>
+              <a:buSzPts val="1700"/>
+              <a:buChar char="○"/>
+            </a:pPr>
+            <a:r>
+              <a:rPr lang="en" sz="1700"/>
+              <a:t>The highest level of accuracy the SVM classifier reached was 0.84</a:t>
+            </a:r>
+            <a:endParaRPr sz="1700"/>
+          </a:p>
+          <a:p>
+            <a:pPr indent="-336550" lvl="0" marL="457200" rtl="0" algn="l">
+              <a:lnSpc>
+                <a:spcPct val="95000"/>
+              </a:lnSpc>
+              <a:spcBef>
+                <a:spcPts val="0"/>
+              </a:spcBef>
+              <a:spcAft>
+                <a:spcPts val="0"/>
+              </a:spcAft>
+              <a:buSzPts val="1700"/>
+              <a:buChar char="●"/>
+            </a:pPr>
+            <a:r>
+              <a:rPr lang="en" sz="1700"/>
+              <a:t>Using both SVM and CNN can give a more conclusive result in detecting breast cancer</a:t>
+            </a:r>
+            <a:endParaRPr sz="1700"/>
+          </a:p>
+        </p:txBody>
+      </p:sp>
+    </p:spTree>
+  </p:cSld>
+  <p:clrMapOvr>
+    <a:masterClrMapping/>
+  </p:clrMapOvr>
+</p:sld>
+</file>
+
+<file path=ppt/slides/slide24.xml><?xml version="1.0" encoding="utf-8"?>
+<p:sld xmlns:a="http://schemas.openxmlformats.org/drawingml/2006/main" xmlns:r="http://schemas.openxmlformats.org/officeDocument/2006/relationships" xmlns:mc="http://schemas.openxmlformats.org/markup-compatibility/2006" xmlns:mv="urn:schemas-microsoft-com:mac:vml" xmlns:p="http://schemas.openxmlformats.org/presentationml/2006/main" xmlns:c="http://schemas.openxmlformats.org/drawingml/2006/chart" xmlns:dgm="http://schemas.openxmlformats.org/drawingml/2006/diagram" xmlns:o="urn:schemas-microsoft-com:office:office" xmlns:v="urn:schemas-microsoft-com:vml" xmlns:pvml="urn:schemas-microsoft-com:office:powerpoint" xmlns:com="http://schemas.openxmlformats.org/drawingml/2006/compatibility" xmlns:p14="http://schemas.microsoft.com/office/powerpoint/2010/main" xmlns:p15="http://schemas.microsoft.com/office/powerpoint/2012/main" xmlns:ahyp="http://schemas.microsoft.com/office/drawing/2018/hyperlinkcolor">
+  <p:cSld>
+    <p:spTree>
+      <p:nvGrpSpPr>
+        <p:cNvPr id="223" name="Shape 223"/>
+        <p:cNvGrpSpPr/>
+        <p:nvPr/>
+      </p:nvGrpSpPr>
+      <p:grpSpPr>
+        <a:xfrm>
+          <a:off x="0" y="0"/>
+          <a:ext cx="0" cy="0"/>
+          <a:chOff x="0" y="0"/>
+          <a:chExt cx="0" cy="0"/>
+        </a:xfrm>
+      </p:grpSpPr>
+      <p:sp>
+        <p:nvSpPr>
+          <p:cNvPr id="224" name="Google Shape;224;p36"/>
+          <p:cNvSpPr txBox="1"/>
+          <p:nvPr>
+            <p:ph type="title"/>
+          </p:nvPr>
+        </p:nvSpPr>
+        <p:spPr>
+          <a:xfrm>
+            <a:off x="729450" y="1322450"/>
+            <a:ext cx="7688400" cy="1518600"/>
+          </a:xfrm>
+          <a:prstGeom prst="rect">
+            <a:avLst/>
+          </a:prstGeom>
+        </p:spPr>
+        <p:txBody>
+          <a:bodyPr anchorCtr="0" anchor="t" bIns="91425" lIns="91425" spcFirstLastPara="1" rIns="91425" wrap="square" tIns="91425">
+            <a:normAutofit/>
+          </a:bodyPr>
+          <a:lstStyle/>
+          <a:p>
+            <a:pPr indent="0" lvl="0" marL="0" rtl="0" algn="l">
+              <a:spcBef>
+                <a:spcPts val="0"/>
+              </a:spcBef>
+              <a:spcAft>
+                <a:spcPts val="0"/>
+              </a:spcAft>
+              <a:buNone/>
+            </a:pPr>
+            <a:r>
+              <a:rPr lang="en"/>
+              <a:t>Future Research &amp; Implications</a:t>
+            </a:r>
+            <a:endParaRPr/>
+          </a:p>
+        </p:txBody>
+      </p:sp>
+    </p:spTree>
+  </p:cSld>
+  <p:clrMapOvr>
+    <a:masterClrMapping/>
+  </p:clrMapOvr>
+</p:sld>
+</file>
+
+<file path=ppt/slides/slide25.xml><?xml version="1.0" encoding="utf-8"?>
+<p:sld xmlns:a="http://schemas.openxmlformats.org/drawingml/2006/main" xmlns:r="http://schemas.openxmlformats.org/officeDocument/2006/relationships" xmlns:mc="http://schemas.openxmlformats.org/markup-compatibility/2006" xmlns:mv="urn:schemas-microsoft-com:mac:vml" xmlns:p="http://schemas.openxmlformats.org/presentationml/2006/main" xmlns:c="http://schemas.openxmlformats.org/drawingml/2006/chart" xmlns:dgm="http://schemas.openxmlformats.org/drawingml/2006/diagram" xmlns:o="urn:schemas-microsoft-com:office:office" xmlns:v="urn:schemas-microsoft-com:vml" xmlns:pvml="urn:schemas-microsoft-com:office:powerpoint" xmlns:com="http://schemas.openxmlformats.org/drawingml/2006/compatibility" xmlns:p14="http://schemas.microsoft.com/office/powerpoint/2010/main" xmlns:p15="http://schemas.microsoft.com/office/powerpoint/2012/main" xmlns:ahyp="http://schemas.microsoft.com/office/drawing/2018/hyperlinkcolor">
+  <p:cSld>
+    <p:spTree>
+      <p:nvGrpSpPr>
+        <p:cNvPr id="228" name="Shape 228"/>
+        <p:cNvGrpSpPr/>
+        <p:nvPr/>
+      </p:nvGrpSpPr>
+      <p:grpSpPr>
+        <a:xfrm>
+          <a:off x="0" y="0"/>
+          <a:ext cx="0" cy="0"/>
+          <a:chOff x="0" y="0"/>
+          <a:chExt cx="0" cy="0"/>
+        </a:xfrm>
+      </p:grpSpPr>
+      <p:sp>
+        <p:nvSpPr>
+          <p:cNvPr id="229" name="Google Shape;229;p37"/>
+          <p:cNvSpPr txBox="1"/>
+          <p:nvPr>
+            <p:ph type="title"/>
+          </p:nvPr>
+        </p:nvSpPr>
+        <p:spPr>
+          <a:xfrm>
+            <a:off x="729450" y="1318650"/>
+            <a:ext cx="7688700" cy="535200"/>
+          </a:xfrm>
+          <a:prstGeom prst="rect">
+            <a:avLst/>
+          </a:prstGeom>
+        </p:spPr>
+        <p:txBody>
+          <a:bodyPr anchorCtr="0" anchor="t" bIns="91425" lIns="91425" spcFirstLastPara="1" rIns="91425" wrap="square" tIns="91425">
+            <a:normAutofit fontScale="90000"/>
+          </a:bodyPr>
+          <a:lstStyle/>
+          <a:p>
+            <a:pPr indent="0" lvl="0" marL="0" rtl="0" algn="l">
+              <a:spcBef>
+                <a:spcPts val="0"/>
+              </a:spcBef>
+              <a:spcAft>
+                <a:spcPts val="0"/>
+              </a:spcAft>
+              <a:buNone/>
+            </a:pPr>
+            <a:r>
+              <a:rPr lang="en"/>
+              <a:t>Benefits of Our Experiment</a:t>
+            </a:r>
+            <a:endParaRPr/>
+          </a:p>
+        </p:txBody>
+      </p:sp>
+      <p:sp>
+        <p:nvSpPr>
+          <p:cNvPr id="230" name="Google Shape;230;p37"/>
           <p:cNvSpPr txBox="1"/>
           <p:nvPr>
             <p:ph idx="1" type="body"/>
@@ -13030,59 +15436,59 @@
           </a:bodyPr>
           <a:lstStyle/>
           <a:p>
-            <a:pPr indent="-311150" lvl="0" marL="457200" rtl="0" algn="l">
-              <a:spcBef>
-                <a:spcPts val="0"/>
-              </a:spcBef>
-              <a:spcAft>
-                <a:spcPts val="0"/>
-              </a:spcAft>
-              <a:buSzPts val="1300"/>
+            <a:pPr indent="-361950" lvl="0" marL="457200" rtl="0" algn="l">
+              <a:spcBef>
+                <a:spcPts val="0"/>
+              </a:spcBef>
+              <a:spcAft>
+                <a:spcPts val="0"/>
+              </a:spcAft>
+              <a:buSzPts val="2100"/>
               <a:buChar char="●"/>
             </a:pPr>
             <a:r>
-              <a:rPr lang="en"/>
+              <a:rPr lang="en" sz="2100"/>
               <a:t>Deeper understanding of computer vision and </a:t>
             </a:r>
             <a:r>
-              <a:rPr lang="en"/>
+              <a:rPr lang="en" sz="2100"/>
               <a:t>machine learning concepts</a:t>
             </a:r>
-            <a:endParaRPr/>
-          </a:p>
-          <a:p>
-            <a:pPr indent="-311150" lvl="0" marL="457200" rtl="0" algn="l">
-              <a:spcBef>
-                <a:spcPts val="0"/>
-              </a:spcBef>
-              <a:spcAft>
-                <a:spcPts val="0"/>
-              </a:spcAft>
-              <a:buSzPts val="1300"/>
+            <a:endParaRPr sz="2100"/>
+          </a:p>
+          <a:p>
+            <a:pPr indent="-361950" lvl="0" marL="457200" rtl="0" algn="l">
+              <a:spcBef>
+                <a:spcPts val="0"/>
+              </a:spcBef>
+              <a:spcAft>
+                <a:spcPts val="0"/>
+              </a:spcAft>
+              <a:buSzPts val="2100"/>
               <a:buChar char="●"/>
             </a:pPr>
             <a:r>
-              <a:rPr lang="en"/>
+              <a:rPr lang="en" sz="2100"/>
               <a:t>Applied concepts learned, at a deeper level</a:t>
             </a:r>
-            <a:endParaRPr/>
-          </a:p>
-          <a:p>
-            <a:pPr indent="-311150" lvl="0" marL="457200" rtl="0" algn="l">
-              <a:spcBef>
-                <a:spcPts val="0"/>
-              </a:spcBef>
-              <a:spcAft>
-                <a:spcPts val="0"/>
-              </a:spcAft>
-              <a:buSzPts val="1300"/>
+            <a:endParaRPr sz="2100"/>
+          </a:p>
+          <a:p>
+            <a:pPr indent="-361950" lvl="0" marL="457200" rtl="0" algn="l">
+              <a:spcBef>
+                <a:spcPts val="0"/>
+              </a:spcBef>
+              <a:spcAft>
+                <a:spcPts val="0"/>
+              </a:spcAft>
+              <a:buSzPts val="2100"/>
               <a:buChar char="●"/>
             </a:pPr>
             <a:r>
-              <a:rPr lang="en"/>
+              <a:rPr lang="en" sz="2100"/>
               <a:t>Expanded technical skills</a:t>
             </a:r>
-            <a:endParaRPr/>
+            <a:endParaRPr sz="2100"/>
           </a:p>
         </p:txBody>
       </p:sp>
@@ -13094,12 +15500,12 @@
 </p:sld>
 </file>
 
-<file path=ppt/slides/slide23.xml><?xml version="1.0" encoding="utf-8"?>
+<file path=ppt/slides/slide26.xml><?xml version="1.0" encoding="utf-8"?>
 <p:sld xmlns:a="http://schemas.openxmlformats.org/drawingml/2006/main" xmlns:r="http://schemas.openxmlformats.org/officeDocument/2006/relationships" xmlns:mc="http://schemas.openxmlformats.org/markup-compatibility/2006" xmlns:mv="urn:schemas-microsoft-com:mac:vml" xmlns:p="http://schemas.openxmlformats.org/presentationml/2006/main" xmlns:c="http://schemas.openxmlformats.org/drawingml/2006/chart" xmlns:dgm="http://schemas.openxmlformats.org/drawingml/2006/diagram" xmlns:o="urn:schemas-microsoft-com:office:office" xmlns:v="urn:schemas-microsoft-com:vml" xmlns:pvml="urn:schemas-microsoft-com:office:powerpoint" xmlns:com="http://schemas.openxmlformats.org/drawingml/2006/compatibility" xmlns:p14="http://schemas.microsoft.com/office/powerpoint/2010/main" xmlns:p15="http://schemas.microsoft.com/office/powerpoint/2012/main" xmlns:ahyp="http://schemas.microsoft.com/office/drawing/2018/hyperlinkcolor">
   <p:cSld>
     <p:spTree>
       <p:nvGrpSpPr>
-        <p:cNvPr id="215" name="Shape 215"/>
+        <p:cNvPr id="234" name="Shape 234"/>
         <p:cNvGrpSpPr/>
         <p:nvPr/>
       </p:nvGrpSpPr>
@@ -13113,7 +15519,7 @@
       </p:grpSpPr>
       <p:sp>
         <p:nvSpPr>
-          <p:cNvPr id="216" name="Google Shape;216;p35"/>
+          <p:cNvPr id="235" name="Google Shape;235;p38"/>
           <p:cNvSpPr txBox="1"/>
           <p:nvPr>
             <p:ph type="title"/>
@@ -13153,7 +15559,215 @@
       </p:sp>
       <p:sp>
         <p:nvSpPr>
-          <p:cNvPr id="217" name="Google Shape;217;p35"/>
+          <p:cNvPr id="236" name="Google Shape;236;p38"/>
+          <p:cNvSpPr txBox="1"/>
+          <p:nvPr>
+            <p:ph idx="1" type="body"/>
+          </p:nvPr>
+        </p:nvSpPr>
+        <p:spPr>
+          <a:xfrm>
+            <a:off x="729450" y="2078875"/>
+            <a:ext cx="7688700" cy="2261100"/>
+          </a:xfrm>
+          <a:prstGeom prst="rect">
+            <a:avLst/>
+          </a:prstGeom>
+        </p:spPr>
+        <p:txBody>
+          <a:bodyPr anchorCtr="0" anchor="t" bIns="91425" lIns="91425" spcFirstLastPara="1" rIns="91425" wrap="square" tIns="91425">
+            <a:normAutofit lnSpcReduction="10000"/>
+          </a:bodyPr>
+          <a:lstStyle/>
+          <a:p>
+            <a:pPr indent="-342900" lvl="0" marL="457200" rtl="0" algn="l">
+              <a:spcBef>
+                <a:spcPts val="0"/>
+              </a:spcBef>
+              <a:spcAft>
+                <a:spcPts val="0"/>
+              </a:spcAft>
+              <a:buSzPts val="1800"/>
+              <a:buChar char="●"/>
+            </a:pPr>
+            <a:r>
+              <a:rPr lang="en" sz="1800"/>
+              <a:t>Tabular Data</a:t>
+            </a:r>
+            <a:endParaRPr sz="1800"/>
+          </a:p>
+          <a:p>
+            <a:pPr indent="-342900" lvl="1" marL="914400" rtl="0" algn="l">
+              <a:spcBef>
+                <a:spcPts val="0"/>
+              </a:spcBef>
+              <a:spcAft>
+                <a:spcPts val="0"/>
+              </a:spcAft>
+              <a:buSzPts val="1800"/>
+              <a:buChar char="○"/>
+            </a:pPr>
+            <a:r>
+              <a:rPr lang="en" sz="1800"/>
+              <a:t>Larger dataset</a:t>
+            </a:r>
+            <a:endParaRPr sz="1800"/>
+          </a:p>
+          <a:p>
+            <a:pPr indent="-342900" lvl="1" marL="914400" rtl="0" algn="l">
+              <a:spcBef>
+                <a:spcPts val="0"/>
+              </a:spcBef>
+              <a:spcAft>
+                <a:spcPts val="0"/>
+              </a:spcAft>
+              <a:buSzPts val="1800"/>
+              <a:buChar char="○"/>
+            </a:pPr>
+            <a:r>
+              <a:rPr lang="en" sz="1800"/>
+              <a:t>Less missing values</a:t>
+            </a:r>
+            <a:endParaRPr sz="1800"/>
+          </a:p>
+          <a:p>
+            <a:pPr indent="-342900" lvl="1" marL="914400" rtl="0" algn="l">
+              <a:spcBef>
+                <a:spcPts val="0"/>
+              </a:spcBef>
+              <a:spcAft>
+                <a:spcPts val="0"/>
+              </a:spcAft>
+              <a:buSzPts val="1800"/>
+              <a:buChar char="○"/>
+            </a:pPr>
+            <a:r>
+              <a:rPr lang="en" sz="1800"/>
+              <a:t>Alternative methods to filling missing values</a:t>
+            </a:r>
+            <a:endParaRPr sz="1800"/>
+          </a:p>
+          <a:p>
+            <a:pPr indent="-342900" lvl="0" marL="457200" rtl="0" algn="l">
+              <a:spcBef>
+                <a:spcPts val="0"/>
+              </a:spcBef>
+              <a:spcAft>
+                <a:spcPts val="0"/>
+              </a:spcAft>
+              <a:buSzPts val="1800"/>
+              <a:buChar char="●"/>
+            </a:pPr>
+            <a:r>
+              <a:rPr lang="en" sz="1800"/>
+              <a:t>Images</a:t>
+            </a:r>
+            <a:endParaRPr sz="1800"/>
+          </a:p>
+          <a:p>
+            <a:pPr indent="-342900" lvl="1" marL="914400" rtl="0" algn="l">
+              <a:spcBef>
+                <a:spcPts val="0"/>
+              </a:spcBef>
+              <a:spcAft>
+                <a:spcPts val="0"/>
+              </a:spcAft>
+              <a:buSzPts val="1800"/>
+              <a:buChar char="○"/>
+            </a:pPr>
+            <a:r>
+              <a:rPr lang="en" sz="1800"/>
+              <a:t>Improve conversion of the images to JPG</a:t>
+            </a:r>
+            <a:endParaRPr sz="1800"/>
+          </a:p>
+          <a:p>
+            <a:pPr indent="-342900" lvl="1" marL="914400" rtl="0" algn="l">
+              <a:spcBef>
+                <a:spcPts val="0"/>
+              </a:spcBef>
+              <a:spcAft>
+                <a:spcPts val="0"/>
+              </a:spcAft>
+              <a:buSzPts val="1800"/>
+              <a:buChar char="○"/>
+            </a:pPr>
+            <a:r>
+              <a:rPr lang="en" sz="1800"/>
+              <a:t>Improved organization of images</a:t>
+            </a:r>
+            <a:endParaRPr sz="1800"/>
+          </a:p>
+        </p:txBody>
+      </p:sp>
+    </p:spTree>
+  </p:cSld>
+  <p:clrMapOvr>
+    <a:masterClrMapping/>
+  </p:clrMapOvr>
+</p:sld>
+</file>
+
+<file path=ppt/slides/slide27.xml><?xml version="1.0" encoding="utf-8"?>
+<p:sld xmlns:a="http://schemas.openxmlformats.org/drawingml/2006/main" xmlns:r="http://schemas.openxmlformats.org/officeDocument/2006/relationships" xmlns:mc="http://schemas.openxmlformats.org/markup-compatibility/2006" xmlns:mv="urn:schemas-microsoft-com:mac:vml" xmlns:p="http://schemas.openxmlformats.org/presentationml/2006/main" xmlns:c="http://schemas.openxmlformats.org/drawingml/2006/chart" xmlns:dgm="http://schemas.openxmlformats.org/drawingml/2006/diagram" xmlns:o="urn:schemas-microsoft-com:office:office" xmlns:v="urn:schemas-microsoft-com:vml" xmlns:pvml="urn:schemas-microsoft-com:office:powerpoint" xmlns:com="http://schemas.openxmlformats.org/drawingml/2006/compatibility" xmlns:p14="http://schemas.microsoft.com/office/powerpoint/2010/main" xmlns:p15="http://schemas.microsoft.com/office/powerpoint/2012/main" xmlns:ahyp="http://schemas.microsoft.com/office/drawing/2018/hyperlinkcolor">
+  <p:cSld>
+    <p:spTree>
+      <p:nvGrpSpPr>
+        <p:cNvPr id="240" name="Shape 240"/>
+        <p:cNvGrpSpPr/>
+        <p:nvPr/>
+      </p:nvGrpSpPr>
+      <p:grpSpPr>
+        <a:xfrm>
+          <a:off x="0" y="0"/>
+          <a:ext cx="0" cy="0"/>
+          <a:chOff x="0" y="0"/>
+          <a:chExt cx="0" cy="0"/>
+        </a:xfrm>
+      </p:grpSpPr>
+      <p:sp>
+        <p:nvSpPr>
+          <p:cNvPr id="241" name="Google Shape;241;p39"/>
+          <p:cNvSpPr txBox="1"/>
+          <p:nvPr>
+            <p:ph type="title"/>
+          </p:nvPr>
+        </p:nvSpPr>
+        <p:spPr>
+          <a:xfrm>
+            <a:off x="729450" y="1318650"/>
+            <a:ext cx="7688700" cy="535200"/>
+          </a:xfrm>
+          <a:prstGeom prst="rect">
+            <a:avLst/>
+          </a:prstGeom>
+        </p:spPr>
+        <p:txBody>
+          <a:bodyPr anchorCtr="0" anchor="t" bIns="91425" lIns="91425" spcFirstLastPara="1" rIns="91425" wrap="square" tIns="91425">
+            <a:normAutofit fontScale="90000"/>
+          </a:bodyPr>
+          <a:lstStyle/>
+          <a:p>
+            <a:pPr indent="0" lvl="0" marL="0" rtl="0" algn="l">
+              <a:spcBef>
+                <a:spcPts val="0"/>
+              </a:spcBef>
+              <a:spcAft>
+                <a:spcPts val="0"/>
+              </a:spcAft>
+              <a:buNone/>
+            </a:pPr>
+            <a:r>
+              <a:rPr lang="en"/>
+              <a:t>Impact and Implications</a:t>
+            </a:r>
+            <a:endParaRPr/>
+          </a:p>
+        </p:txBody>
+      </p:sp>
+      <p:sp>
+        <p:nvSpPr>
+          <p:cNvPr id="242" name="Google Shape;242;p39"/>
           <p:cNvSpPr txBox="1"/>
           <p:nvPr>
             <p:ph idx="1" type="body"/>
@@ -13174,21 +15788,106 @@
           </a:bodyPr>
           <a:lstStyle/>
           <a:p>
-            <a:pPr indent="-311150" lvl="0" marL="457200" rtl="0" algn="l">
-              <a:spcBef>
-                <a:spcPts val="0"/>
-              </a:spcBef>
-              <a:spcAft>
-                <a:spcPts val="0"/>
-              </a:spcAft>
-              <a:buSzPts val="1300"/>
+            <a:pPr indent="-330200" lvl="0" marL="457200" rtl="0" algn="l">
+              <a:spcBef>
+                <a:spcPts val="0"/>
+              </a:spcBef>
+              <a:spcAft>
+                <a:spcPts val="0"/>
+              </a:spcAft>
+              <a:buSzPts val="1600"/>
               <a:buChar char="●"/>
             </a:pPr>
             <a:r>
-              <a:rPr lang="en"/>
-              <a:t>Add content here</a:t>
-            </a:r>
-            <a:endParaRPr/>
+              <a:rPr lang="en" sz="1600"/>
+              <a:t>Improved Accuracy</a:t>
+            </a:r>
+            <a:endParaRPr sz="1600"/>
+          </a:p>
+          <a:p>
+            <a:pPr indent="-330200" lvl="0" marL="457200" rtl="0" algn="l">
+              <a:spcBef>
+                <a:spcPts val="0"/>
+              </a:spcBef>
+              <a:spcAft>
+                <a:spcPts val="0"/>
+              </a:spcAft>
+              <a:buSzPts val="1600"/>
+              <a:buChar char="●"/>
+            </a:pPr>
+            <a:r>
+              <a:rPr lang="en" sz="1600"/>
+              <a:t>Efficiency and Scalability</a:t>
+            </a:r>
+            <a:endParaRPr sz="1600"/>
+          </a:p>
+          <a:p>
+            <a:pPr indent="-330200" lvl="0" marL="457200" rtl="0" algn="l">
+              <a:spcBef>
+                <a:spcPts val="0"/>
+              </a:spcBef>
+              <a:spcAft>
+                <a:spcPts val="0"/>
+              </a:spcAft>
+              <a:buSzPts val="1600"/>
+              <a:buChar char="●"/>
+            </a:pPr>
+            <a:r>
+              <a:rPr lang="en" sz="1600"/>
+              <a:t>Personalized Treatment</a:t>
+            </a:r>
+            <a:endParaRPr sz="1600"/>
+          </a:p>
+          <a:p>
+            <a:pPr indent="-330200" lvl="0" marL="457200" rtl="0" algn="l">
+              <a:spcBef>
+                <a:spcPts val="0"/>
+              </a:spcBef>
+              <a:spcAft>
+                <a:spcPts val="0"/>
+              </a:spcAft>
+              <a:buSzPts val="1600"/>
+              <a:buChar char="●"/>
+            </a:pPr>
+            <a:r>
+              <a:rPr lang="en" sz="1600"/>
+              <a:t>Accessibility</a:t>
+            </a:r>
+            <a:endParaRPr sz="1600"/>
+          </a:p>
+          <a:p>
+            <a:pPr indent="-330200" lvl="0" marL="457200" rtl="0" algn="l">
+              <a:spcBef>
+                <a:spcPts val="0"/>
+              </a:spcBef>
+              <a:spcAft>
+                <a:spcPts val="0"/>
+              </a:spcAft>
+              <a:buSzPts val="1600"/>
+              <a:buChar char="●"/>
+            </a:pPr>
+            <a:r>
+              <a:rPr lang="en" sz="1600"/>
+              <a:t>Ethical and Regulatory Considerations</a:t>
+            </a:r>
+            <a:endParaRPr sz="1600"/>
+          </a:p>
+          <a:p>
+            <a:pPr indent="-330200" lvl="0" marL="457200" rtl="0" algn="l">
+              <a:spcBef>
+                <a:spcPts val="0"/>
+              </a:spcBef>
+              <a:spcAft>
+                <a:spcPts val="0"/>
+              </a:spcAft>
+              <a:buSzPts val="1600"/>
+              <a:buChar char="●"/>
+            </a:pPr>
+            <a:r>
+              <a:rPr lang="en" sz="1600"/>
+              <a:t>Integration with Healthcare Systems</a:t>
+            </a:r>
+            <a:endParaRPr sz="1600"/>
           </a:p>
         </p:txBody>
       </p:sp>
@@ -13200,12 +15899,12 @@
 </p:sld>
 </file>
 
-<file path=ppt/slides/slide24.xml><?xml version="1.0" encoding="utf-8"?>
+<file path=ppt/slides/slide28.xml><?xml version="1.0" encoding="utf-8"?>
 <p:sld xmlns:a="http://schemas.openxmlformats.org/drawingml/2006/main" xmlns:r="http://schemas.openxmlformats.org/officeDocument/2006/relationships" xmlns:mc="http://schemas.openxmlformats.org/markup-compatibility/2006" xmlns:mv="urn:schemas-microsoft-com:mac:vml" xmlns:p="http://schemas.openxmlformats.org/presentationml/2006/main" xmlns:c="http://schemas.openxmlformats.org/drawingml/2006/chart" xmlns:dgm="http://schemas.openxmlformats.org/drawingml/2006/diagram" xmlns:o="urn:schemas-microsoft-com:office:office" xmlns:v="urn:schemas-microsoft-com:vml" xmlns:pvml="urn:schemas-microsoft-com:office:powerpoint" xmlns:com="http://schemas.openxmlformats.org/drawingml/2006/compatibility" xmlns:p14="http://schemas.microsoft.com/office/powerpoint/2010/main" xmlns:p15="http://schemas.microsoft.com/office/powerpoint/2012/main" xmlns:ahyp="http://schemas.microsoft.com/office/drawing/2018/hyperlinkcolor">
   <p:cSld>
     <p:spTree>
       <p:nvGrpSpPr>
-        <p:cNvPr id="221" name="Shape 221"/>
+        <p:cNvPr id="246" name="Shape 246"/>
         <p:cNvGrpSpPr/>
         <p:nvPr/>
       </p:nvGrpSpPr>
@@ -13219,7 +15918,7 @@
       </p:grpSpPr>
       <p:sp>
         <p:nvSpPr>
-          <p:cNvPr id="222" name="Google Shape;222;p36"/>
+          <p:cNvPr id="247" name="Google Shape;247;p40"/>
           <p:cNvSpPr txBox="1"/>
           <p:nvPr>
             <p:ph type="title"/>
@@ -13426,7 +16125,7 @@
             </a:r>
             <a:r>
               <a:rPr lang="en" sz="1600"/>
-              <a:t> new cases in 2023</a:t>
+              <a:t>new cases in 2023</a:t>
             </a:r>
             <a:endParaRPr sz="1600"/>
           </a:p>
@@ -13778,7 +16477,36 @@
               </a:rPr>
               <a:t>. </a:t>
             </a:r>
-            <a:endParaRPr sz="1800"/>
+            <a:endParaRPr sz="1800">
+              <a:highlight>
+                <a:srgbClr val="FFFFFF"/>
+              </a:highlight>
+            </a:endParaRPr>
+          </a:p>
+          <a:p>
+            <a:pPr indent="-342900" lvl="0" marL="457200" rtl="0" algn="l">
+              <a:spcBef>
+                <a:spcPts val="0"/>
+              </a:spcBef>
+              <a:spcAft>
+                <a:spcPts val="0"/>
+              </a:spcAft>
+              <a:buSzPts val="1800"/>
+              <a:buChar char="●"/>
+            </a:pPr>
+            <a:r>
+              <a:rPr lang="en" sz="1800">
+                <a:highlight>
+                  <a:srgbClr val="FFFFFF"/>
+                </a:highlight>
+              </a:rPr>
+              <a:t>Using data of abnormality type: mass</a:t>
+            </a:r>
+            <a:endParaRPr sz="1800">
+              <a:highlight>
+                <a:srgbClr val="FFFFFF"/>
+              </a:highlight>
+            </a:endParaRPr>
           </a:p>
         </p:txBody>
       </p:sp>
@@ -14046,7 +16774,7 @@
             </a:pPr>
             <a:r>
               <a:rPr lang="en"/>
-              <a:t>Tabular Data Pre-Processing</a:t>
+              <a:t>What are Support Vector Machines?</a:t>
             </a:r>
             <a:endParaRPr/>
           </a:p>
@@ -14086,12 +16814,12 @@
               <a:buChar char="●"/>
             </a:pPr>
             <a:r>
+              <a:rPr b="1" lang="en" sz="2000"/>
+              <a:t>Support vector machines</a:t>
+            </a:r>
+            <a:r>
               <a:rPr lang="en" sz="2000"/>
-              <a:t>Removed unneeded columns: </a:t>
-            </a:r>
-            <a:r>
-              <a:rPr lang="en" sz="2000"/>
-              <a:t>patient_id, abnormality_type, image file path, cropped image file path, and ROI mask file path</a:t>
+              <a:t> are supervised learning models in machine learning</a:t>
             </a:r>
             <a:endParaRPr sz="2000"/>
           </a:p>
@@ -14108,7 +16836,28 @@
             </a:pPr>
             <a:r>
               <a:rPr lang="en" sz="2000"/>
-              <a:t>Replace NaN with mode of corresponding feature</a:t>
+              <a:t>Data is mapped to multiple dimensions in a feature </a:t>
+            </a:r>
+            <a:r>
+              <a:rPr lang="en" sz="2000"/>
+              <a:t>space where a separator (“hyperplane”) is optimized between the categories</a:t>
+            </a:r>
+            <a:endParaRPr sz="2000"/>
+          </a:p>
+          <a:p>
+            <a:pPr indent="-355600" lvl="0" marL="457200" rtl="0" algn="l">
+              <a:spcBef>
+                <a:spcPts val="0"/>
+              </a:spcBef>
+              <a:spcAft>
+                <a:spcPts val="0"/>
+              </a:spcAft>
+              <a:buSzPts val="2000"/>
+              <a:buChar char="●"/>
+            </a:pPr>
+            <a:r>
+              <a:rPr lang="en" sz="2000"/>
+              <a:t>Commonly used in classification and regression and can be used on linear and non-linear data</a:t>
             </a:r>
             <a:endParaRPr sz="2000"/>
           </a:p>
